--- a/Report.pptx
+++ b/Report.pptx
@@ -2,8 +2,22 @@
 <file path=ppt/presentation.xml><?xml version="1.0" encoding="utf-8"?>
 <p:presentation xmlns:a="http://schemas.openxmlformats.org/drawingml/2006/main" xmlns:r="http://schemas.openxmlformats.org/officeDocument/2006/relationships" xmlns:p="http://schemas.openxmlformats.org/presentationml/2006/main" saveSubsetFonts="1">
   <p:sldMasterIdLst>
-    <p:sldMasterId id="2147483648" r:id="rId1"/>
+    <p:sldMasterId id="2147483708" r:id="rId1"/>
   </p:sldMasterIdLst>
+  <p:sldIdLst>
+    <p:sldId id="256" r:id="rId2"/>
+    <p:sldId id="257" r:id="rId3"/>
+    <p:sldId id="258" r:id="rId4"/>
+    <p:sldId id="259" r:id="rId5"/>
+    <p:sldId id="263" r:id="rId6"/>
+    <p:sldId id="260" r:id="rId7"/>
+    <p:sldId id="261" r:id="rId8"/>
+    <p:sldId id="262" r:id="rId9"/>
+    <p:sldId id="264" r:id="rId10"/>
+    <p:sldId id="265" r:id="rId11"/>
+    <p:sldId id="266" r:id="rId12"/>
+    <p:sldId id="267" r:id="rId13"/>
+  </p:sldIdLst>
   <p:sldSz cx="9144000" cy="6858000" type="screen4x3"/>
   <p:notesSz cx="6858000" cy="9144000"/>
   <p:defaultTextStyle>
@@ -123,7 +137,7 @@
       </p:grpSpPr>
       <p:sp>
         <p:nvSpPr>
-          <p:cNvPr id="2" name="標題 1"/>
+          <p:cNvPr id="14" name="標題 13"/>
           <p:cNvSpPr>
             <a:spLocks noGrp="1"/>
           </p:cNvSpPr>
@@ -133,25 +147,30 @@
         </p:nvSpPr>
         <p:spPr>
           <a:xfrm>
-            <a:off x="685800" y="2130425"/>
-            <a:ext cx="7772400" cy="1470025"/>
+            <a:off x="1432560" y="359898"/>
+            <a:ext cx="7406640" cy="1472184"/>
           </a:xfrm>
         </p:spPr>
         <p:txBody>
-          <a:bodyPr/>
-          <a:lstStyle/>
-          <a:p>
-            <a:r>
-              <a:rPr lang="zh-TW" altLang="en-US" smtClean="0"/>
+          <a:bodyPr anchor="b"/>
+          <a:lstStyle>
+            <a:lvl1pPr algn="l">
+              <a:defRPr/>
+            </a:lvl1pPr>
+            <a:extLst/>
+          </a:lstStyle>
+          <a:p>
+            <a:r>
+              <a:rPr kumimoji="0" lang="zh-TW" altLang="en-US" smtClean="0"/>
               <a:t>按一下以編輯母片標題樣式</a:t>
             </a:r>
-            <a:endParaRPr lang="zh-TW" altLang="en-US"/>
-          </a:p>
-        </p:txBody>
-      </p:sp>
-      <p:sp>
-        <p:nvSpPr>
-          <p:cNvPr id="3" name="副標題 2"/>
+            <a:endParaRPr kumimoji="0" lang="en-US"/>
+          </a:p>
+        </p:txBody>
+      </p:sp>
+      <p:sp>
+        <p:nvSpPr>
+          <p:cNvPr id="22" name="副標題 21"/>
           <p:cNvSpPr>
             <a:spLocks noGrp="1"/>
           </p:cNvSpPr>
@@ -161,116 +180,62 @@
         </p:nvSpPr>
         <p:spPr>
           <a:xfrm>
-            <a:off x="1371600" y="3886200"/>
-            <a:ext cx="6400800" cy="1752600"/>
+            <a:off x="1432560" y="1850064"/>
+            <a:ext cx="7406640" cy="1752600"/>
           </a:xfrm>
         </p:spPr>
         <p:txBody>
-          <a:bodyPr/>
-          <a:lstStyle>
-            <a:lvl1pPr marL="0" indent="0" algn="ctr">
+          <a:bodyPr tIns="0"/>
+          <a:lstStyle>
+            <a:lvl1pPr marL="27432" indent="0" algn="l">
               <a:buNone/>
-              <a:defRPr>
+              <a:defRPr sz="2600">
                 <a:solidFill>
-                  <a:schemeClr val="tx1">
-                    <a:tint val="75000"/>
+                  <a:schemeClr val="tx2">
+                    <a:shade val="30000"/>
+                    <a:satMod val="150000"/>
                   </a:schemeClr>
                 </a:solidFill>
               </a:defRPr>
             </a:lvl1pPr>
             <a:lvl2pPr marL="457200" indent="0" algn="ctr">
               <a:buNone/>
-              <a:defRPr>
-                <a:solidFill>
-                  <a:schemeClr val="tx1">
-                    <a:tint val="75000"/>
-                  </a:schemeClr>
-                </a:solidFill>
-              </a:defRPr>
             </a:lvl2pPr>
             <a:lvl3pPr marL="914400" indent="0" algn="ctr">
               <a:buNone/>
-              <a:defRPr>
-                <a:solidFill>
-                  <a:schemeClr val="tx1">
-                    <a:tint val="75000"/>
-                  </a:schemeClr>
-                </a:solidFill>
-              </a:defRPr>
             </a:lvl3pPr>
             <a:lvl4pPr marL="1371600" indent="0" algn="ctr">
               <a:buNone/>
-              <a:defRPr>
-                <a:solidFill>
-                  <a:schemeClr val="tx1">
-                    <a:tint val="75000"/>
-                  </a:schemeClr>
-                </a:solidFill>
-              </a:defRPr>
             </a:lvl4pPr>
             <a:lvl5pPr marL="1828800" indent="0" algn="ctr">
               <a:buNone/>
-              <a:defRPr>
-                <a:solidFill>
-                  <a:schemeClr val="tx1">
-                    <a:tint val="75000"/>
-                  </a:schemeClr>
-                </a:solidFill>
-              </a:defRPr>
             </a:lvl5pPr>
             <a:lvl6pPr marL="2286000" indent="0" algn="ctr">
               <a:buNone/>
-              <a:defRPr>
-                <a:solidFill>
-                  <a:schemeClr val="tx1">
-                    <a:tint val="75000"/>
-                  </a:schemeClr>
-                </a:solidFill>
-              </a:defRPr>
             </a:lvl6pPr>
             <a:lvl7pPr marL="2743200" indent="0" algn="ctr">
               <a:buNone/>
-              <a:defRPr>
-                <a:solidFill>
-                  <a:schemeClr val="tx1">
-                    <a:tint val="75000"/>
-                  </a:schemeClr>
-                </a:solidFill>
-              </a:defRPr>
             </a:lvl7pPr>
             <a:lvl8pPr marL="3200400" indent="0" algn="ctr">
               <a:buNone/>
-              <a:defRPr>
-                <a:solidFill>
-                  <a:schemeClr val="tx1">
-                    <a:tint val="75000"/>
-                  </a:schemeClr>
-                </a:solidFill>
-              </a:defRPr>
             </a:lvl8pPr>
             <a:lvl9pPr marL="3657600" indent="0" algn="ctr">
               <a:buNone/>
-              <a:defRPr>
-                <a:solidFill>
-                  <a:schemeClr val="tx1">
-                    <a:tint val="75000"/>
-                  </a:schemeClr>
-                </a:solidFill>
-              </a:defRPr>
             </a:lvl9pPr>
-          </a:lstStyle>
-          <a:p>
-            <a:r>
-              <a:rPr lang="zh-TW" altLang="en-US" smtClean="0"/>
+            <a:extLst/>
+          </a:lstStyle>
+          <a:p>
+            <a:r>
+              <a:rPr kumimoji="0" lang="zh-TW" altLang="en-US" smtClean="0"/>
               <a:t>按一下以編輯母片副標題樣式</a:t>
             </a:r>
-            <a:endParaRPr lang="zh-TW" altLang="en-US"/>
-          </a:p>
-        </p:txBody>
-      </p:sp>
-      <p:sp>
-        <p:nvSpPr>
-          <p:cNvPr id="4" name="日期版面配置區 3"/>
+            <a:endParaRPr kumimoji="0" lang="en-US"/>
+          </a:p>
+        </p:txBody>
+      </p:sp>
+      <p:sp>
+        <p:nvSpPr>
+          <p:cNvPr id="7" name="日期版面配置區 6"/>
           <p:cNvSpPr>
             <a:spLocks noGrp="1"/>
           </p:cNvSpPr>
@@ -281,11 +246,14 @@
         <p:spPr/>
         <p:txBody>
           <a:bodyPr/>
-          <a:lstStyle/>
+          <a:lstStyle>
+            <a:extLst/>
+          </a:lstStyle>
           <a:p>
             <a:fld id="{5BBEAD13-0566-4C6C-97E7-55F17F24B09F}" type="datetimeFigureOut">
               <a:rPr lang="zh-TW" altLang="en-US" smtClean="0"/>
-              <a:t>2006/9/7</a:t>
+              <a:pPr/>
+              <a:t>2020/7/2</a:t>
             </a:fld>
             <a:endParaRPr lang="zh-TW" altLang="en-US"/>
           </a:p>
@@ -293,7 +261,7 @@
       </p:sp>
       <p:sp>
         <p:nvSpPr>
-          <p:cNvPr id="5" name="頁尾版面配置區 4"/>
+          <p:cNvPr id="20" name="頁尾版面配置區 19"/>
           <p:cNvSpPr>
             <a:spLocks noGrp="1"/>
           </p:cNvSpPr>
@@ -304,7 +272,9 @@
         <p:spPr/>
         <p:txBody>
           <a:bodyPr/>
-          <a:lstStyle/>
+          <a:lstStyle>
+            <a:extLst/>
+          </a:lstStyle>
           <a:p>
             <a:endParaRPr lang="zh-TW" altLang="en-US"/>
           </a:p>
@@ -312,7 +282,7 @@
       </p:sp>
       <p:sp>
         <p:nvSpPr>
-          <p:cNvPr id="6" name="投影片編號版面配置區 5"/>
+          <p:cNvPr id="10" name="投影片編號版面配置區 9"/>
           <p:cNvSpPr>
             <a:spLocks noGrp="1"/>
           </p:cNvSpPr>
@@ -323,13 +293,154 @@
         <p:spPr/>
         <p:txBody>
           <a:bodyPr/>
-          <a:lstStyle/>
+          <a:lstStyle>
+            <a:extLst/>
+          </a:lstStyle>
           <a:p>
             <a:fld id="{73DA0BB7-265A-403C-9275-D587AB510EDC}" type="slidenum">
               <a:rPr lang="zh-TW" altLang="en-US" smtClean="0"/>
+              <a:pPr/>
               <a:t>‹#›</a:t>
             </a:fld>
             <a:endParaRPr lang="zh-TW" altLang="en-US"/>
+          </a:p>
+        </p:txBody>
+      </p:sp>
+      <p:sp>
+        <p:nvSpPr>
+          <p:cNvPr id="8" name="橢圓 7"/>
+          <p:cNvSpPr/>
+          <p:nvPr/>
+        </p:nvSpPr>
+        <p:spPr>
+          <a:xfrm>
+            <a:off x="921433" y="1413802"/>
+            <a:ext cx="210312" cy="210312"/>
+          </a:xfrm>
+          <a:prstGeom prst="ellipse">
+            <a:avLst/>
+          </a:prstGeom>
+          <a:gradFill rotWithShape="1">
+            <a:gsLst>
+              <a:gs pos="0">
+                <a:schemeClr val="accent1">
+                  <a:tint val="20000"/>
+                  <a:satMod val="450000"/>
+                  <a:alpha val="95000"/>
+                </a:schemeClr>
+              </a:gs>
+              <a:gs pos="50000">
+                <a:schemeClr val="accent1">
+                  <a:tint val="38000"/>
+                  <a:satMod val="250000"/>
+                  <a:alpha val="90000"/>
+                </a:schemeClr>
+              </a:gs>
+              <a:gs pos="95000">
+                <a:schemeClr val="accent1">
+                  <a:tint val="75000"/>
+                  <a:satMod val="255000"/>
+                  <a:alpha val="88000"/>
+                </a:schemeClr>
+              </a:gs>
+              <a:gs pos="100000">
+                <a:schemeClr val="accent1">
+                  <a:tint val="100000"/>
+                  <a:shade val="90000"/>
+                  <a:satMod val="255000"/>
+                  <a:alpha val="85000"/>
+                </a:schemeClr>
+              </a:gs>
+            </a:gsLst>
+            <a:path path="circle">
+              <a:fillToRect l="25000" t="12500" r="75000" b="87500"/>
+            </a:path>
+          </a:gradFill>
+          <a:ln w="2000" cap="rnd" cmpd="sng" algn="ctr">
+            <a:solidFill>
+              <a:schemeClr val="accent1">
+                <a:shade val="90000"/>
+                <a:satMod val="110000"/>
+                <a:alpha val="60000"/>
+              </a:schemeClr>
+            </a:solidFill>
+            <a:prstDash val="solid"/>
+          </a:ln>
+          <a:effectLst/>
+        </p:spPr>
+        <p:style>
+          <a:lnRef idx="1">
+            <a:schemeClr val="accent1"/>
+          </a:lnRef>
+          <a:fillRef idx="2">
+            <a:schemeClr val="accent1"/>
+          </a:fillRef>
+          <a:effectRef idx="1">
+            <a:schemeClr val="accent1"/>
+          </a:effectRef>
+          <a:fontRef idx="minor">
+            <a:schemeClr val="dk1"/>
+          </a:fontRef>
+        </p:style>
+        <p:txBody>
+          <a:bodyPr anchor="ctr"/>
+          <a:lstStyle>
+            <a:extLst/>
+          </a:lstStyle>
+          <a:p>
+            <a:pPr algn="ctr" eaLnBrk="1" latinLnBrk="0" hangingPunct="1"/>
+            <a:endParaRPr kumimoji="0" lang="en-US"/>
+          </a:p>
+        </p:txBody>
+      </p:sp>
+      <p:sp>
+        <p:nvSpPr>
+          <p:cNvPr id="9" name="橢圓 8"/>
+          <p:cNvSpPr/>
+          <p:nvPr/>
+        </p:nvSpPr>
+        <p:spPr>
+          <a:xfrm>
+            <a:off x="1157176" y="1345016"/>
+            <a:ext cx="64008" cy="64008"/>
+          </a:xfrm>
+          <a:prstGeom prst="ellipse">
+            <a:avLst/>
+          </a:prstGeom>
+          <a:noFill/>
+          <a:ln w="12700" cap="rnd" cmpd="sng" algn="ctr">
+            <a:solidFill>
+              <a:schemeClr val="accent1">
+                <a:shade val="75000"/>
+                <a:alpha val="60000"/>
+              </a:schemeClr>
+            </a:solidFill>
+            <a:prstDash val="solid"/>
+          </a:ln>
+          <a:effectLst/>
+        </p:spPr>
+        <p:style>
+          <a:lnRef idx="1">
+            <a:schemeClr val="accent1"/>
+          </a:lnRef>
+          <a:fillRef idx="2">
+            <a:schemeClr val="accent1"/>
+          </a:fillRef>
+          <a:effectRef idx="1">
+            <a:schemeClr val="accent1"/>
+          </a:effectRef>
+          <a:fontRef idx="minor">
+            <a:schemeClr val="dk1"/>
+          </a:fontRef>
+        </p:style>
+        <p:txBody>
+          <a:bodyPr anchor="ctr"/>
+          <a:lstStyle>
+            <a:extLst/>
+          </a:lstStyle>
+          <a:p>
+            <a:pPr algn="ctr" eaLnBrk="1" latinLnBrk="0" hangingPunct="1"/>
+            <a:endParaRPr kumimoji="0" lang="en-US"/>
           </a:p>
         </p:txBody>
       </p:sp>
@@ -371,13 +482,15 @@
         <p:spPr/>
         <p:txBody>
           <a:bodyPr/>
-          <a:lstStyle/>
-          <a:p>
-            <a:r>
-              <a:rPr lang="zh-TW" altLang="en-US" smtClean="0"/>
+          <a:lstStyle>
+            <a:extLst/>
+          </a:lstStyle>
+          <a:p>
+            <a:r>
+              <a:rPr kumimoji="0" lang="zh-TW" altLang="en-US" smtClean="0"/>
               <a:t>按一下以編輯母片標題樣式</a:t>
             </a:r>
-            <a:endParaRPr lang="zh-TW" altLang="en-US"/>
+            <a:endParaRPr kumimoji="0" lang="en-US"/>
           </a:p>
         </p:txBody>
       </p:sp>
@@ -394,42 +507,44 @@
         <p:spPr/>
         <p:txBody>
           <a:bodyPr vert="eaVert"/>
-          <a:lstStyle/>
-          <a:p>
-            <a:pPr lvl="0"/>
+          <a:lstStyle>
+            <a:extLst/>
+          </a:lstStyle>
+          <a:p>
+            <a:pPr lvl="0" eaLnBrk="1" latinLnBrk="0" hangingPunct="1"/>
             <a:r>
               <a:rPr lang="zh-TW" altLang="en-US" smtClean="0"/>
               <a:t>按一下以編輯母片文字樣式</a:t>
             </a:r>
           </a:p>
           <a:p>
-            <a:pPr lvl="1"/>
+            <a:pPr lvl="1" eaLnBrk="1" latinLnBrk="0" hangingPunct="1"/>
             <a:r>
               <a:rPr lang="zh-TW" altLang="en-US" smtClean="0"/>
               <a:t>第二層</a:t>
             </a:r>
           </a:p>
           <a:p>
-            <a:pPr lvl="2"/>
+            <a:pPr lvl="2" eaLnBrk="1" latinLnBrk="0" hangingPunct="1"/>
             <a:r>
               <a:rPr lang="zh-TW" altLang="en-US" smtClean="0"/>
               <a:t>第三層</a:t>
             </a:r>
           </a:p>
           <a:p>
-            <a:pPr lvl="3"/>
+            <a:pPr lvl="3" eaLnBrk="1" latinLnBrk="0" hangingPunct="1"/>
             <a:r>
               <a:rPr lang="zh-TW" altLang="en-US" smtClean="0"/>
               <a:t>第四層</a:t>
             </a:r>
           </a:p>
           <a:p>
-            <a:pPr lvl="4"/>
+            <a:pPr lvl="4" eaLnBrk="1" latinLnBrk="0" hangingPunct="1"/>
             <a:r>
               <a:rPr lang="zh-TW" altLang="en-US" smtClean="0"/>
               <a:t>第五層</a:t>
             </a:r>
-            <a:endParaRPr lang="zh-TW" altLang="en-US"/>
+            <a:endParaRPr kumimoji="0" lang="en-US"/>
           </a:p>
         </p:txBody>
       </p:sp>
@@ -446,11 +561,14 @@
         <p:spPr/>
         <p:txBody>
           <a:bodyPr/>
-          <a:lstStyle/>
+          <a:lstStyle>
+            <a:extLst/>
+          </a:lstStyle>
           <a:p>
             <a:fld id="{5BBEAD13-0566-4C6C-97E7-55F17F24B09F}" type="datetimeFigureOut">
               <a:rPr lang="zh-TW" altLang="en-US" smtClean="0"/>
-              <a:t>2006/9/7</a:t>
+              <a:pPr/>
+              <a:t>2020/7/2</a:t>
             </a:fld>
             <a:endParaRPr lang="zh-TW" altLang="en-US"/>
           </a:p>
@@ -469,7 +587,9 @@
         <p:spPr/>
         <p:txBody>
           <a:bodyPr/>
-          <a:lstStyle/>
+          <a:lstStyle>
+            <a:extLst/>
+          </a:lstStyle>
           <a:p>
             <a:endParaRPr lang="zh-TW" altLang="en-US"/>
           </a:p>
@@ -488,10 +608,13 @@
         <p:spPr/>
         <p:txBody>
           <a:bodyPr/>
-          <a:lstStyle/>
+          <a:lstStyle>
+            <a:extLst/>
+          </a:lstStyle>
           <a:p>
             <a:fld id="{73DA0BB7-265A-403C-9275-D587AB510EDC}" type="slidenum">
               <a:rPr lang="zh-TW" altLang="en-US" smtClean="0"/>
+              <a:pPr/>
               <a:t>‹#›</a:t>
             </a:fld>
             <a:endParaRPr lang="zh-TW" altLang="en-US"/>
@@ -535,19 +658,21 @@
         </p:nvSpPr>
         <p:spPr>
           <a:xfrm>
-            <a:off x="6629400" y="274638"/>
-            <a:ext cx="2057400" cy="5851525"/>
+            <a:off x="6858000" y="274639"/>
+            <a:ext cx="1828800" cy="5851525"/>
           </a:xfrm>
         </p:spPr>
         <p:txBody>
           <a:bodyPr vert="eaVert"/>
-          <a:lstStyle/>
-          <a:p>
-            <a:r>
-              <a:rPr lang="zh-TW" altLang="en-US" smtClean="0"/>
+          <a:lstStyle>
+            <a:extLst/>
+          </a:lstStyle>
+          <a:p>
+            <a:r>
+              <a:rPr kumimoji="0" lang="zh-TW" altLang="en-US" smtClean="0"/>
               <a:t>按一下以編輯母片標題樣式</a:t>
             </a:r>
-            <a:endParaRPr lang="zh-TW" altLang="en-US"/>
+            <a:endParaRPr kumimoji="0" lang="en-US"/>
           </a:p>
         </p:txBody>
       </p:sp>
@@ -563,48 +688,50 @@
         </p:nvSpPr>
         <p:spPr>
           <a:xfrm>
-            <a:off x="457200" y="274638"/>
-            <a:ext cx="6019800" cy="5851525"/>
+            <a:off x="1143000" y="274640"/>
+            <a:ext cx="5562600" cy="5851525"/>
           </a:xfrm>
         </p:spPr>
         <p:txBody>
           <a:bodyPr vert="eaVert"/>
-          <a:lstStyle/>
-          <a:p>
-            <a:pPr lvl="0"/>
+          <a:lstStyle>
+            <a:extLst/>
+          </a:lstStyle>
+          <a:p>
+            <a:pPr lvl="0" eaLnBrk="1" latinLnBrk="0" hangingPunct="1"/>
             <a:r>
               <a:rPr lang="zh-TW" altLang="en-US" smtClean="0"/>
               <a:t>按一下以編輯母片文字樣式</a:t>
             </a:r>
           </a:p>
           <a:p>
-            <a:pPr lvl="1"/>
+            <a:pPr lvl="1" eaLnBrk="1" latinLnBrk="0" hangingPunct="1"/>
             <a:r>
               <a:rPr lang="zh-TW" altLang="en-US" smtClean="0"/>
               <a:t>第二層</a:t>
             </a:r>
           </a:p>
           <a:p>
-            <a:pPr lvl="2"/>
+            <a:pPr lvl="2" eaLnBrk="1" latinLnBrk="0" hangingPunct="1"/>
             <a:r>
               <a:rPr lang="zh-TW" altLang="en-US" smtClean="0"/>
               <a:t>第三層</a:t>
             </a:r>
           </a:p>
           <a:p>
-            <a:pPr lvl="3"/>
+            <a:pPr lvl="3" eaLnBrk="1" latinLnBrk="0" hangingPunct="1"/>
             <a:r>
               <a:rPr lang="zh-TW" altLang="en-US" smtClean="0"/>
               <a:t>第四層</a:t>
             </a:r>
           </a:p>
           <a:p>
-            <a:pPr lvl="4"/>
+            <a:pPr lvl="4" eaLnBrk="1" latinLnBrk="0" hangingPunct="1"/>
             <a:r>
               <a:rPr lang="zh-TW" altLang="en-US" smtClean="0"/>
               <a:t>第五層</a:t>
             </a:r>
-            <a:endParaRPr lang="zh-TW" altLang="en-US"/>
+            <a:endParaRPr kumimoji="0" lang="en-US"/>
           </a:p>
         </p:txBody>
       </p:sp>
@@ -621,11 +748,14 @@
         <p:spPr/>
         <p:txBody>
           <a:bodyPr/>
-          <a:lstStyle/>
+          <a:lstStyle>
+            <a:extLst/>
+          </a:lstStyle>
           <a:p>
             <a:fld id="{5BBEAD13-0566-4C6C-97E7-55F17F24B09F}" type="datetimeFigureOut">
               <a:rPr lang="zh-TW" altLang="en-US" smtClean="0"/>
-              <a:t>2006/9/7</a:t>
+              <a:pPr/>
+              <a:t>2020/7/2</a:t>
             </a:fld>
             <a:endParaRPr lang="zh-TW" altLang="en-US"/>
           </a:p>
@@ -644,7 +774,9 @@
         <p:spPr/>
         <p:txBody>
           <a:bodyPr/>
-          <a:lstStyle/>
+          <a:lstStyle>
+            <a:extLst/>
+          </a:lstStyle>
           <a:p>
             <a:endParaRPr lang="zh-TW" altLang="en-US"/>
           </a:p>
@@ -663,10 +795,13 @@
         <p:spPr/>
         <p:txBody>
           <a:bodyPr/>
-          <a:lstStyle/>
+          <a:lstStyle>
+            <a:extLst/>
+          </a:lstStyle>
           <a:p>
             <a:fld id="{73DA0BB7-265A-403C-9275-D587AB510EDC}" type="slidenum">
               <a:rPr lang="zh-TW" altLang="en-US" smtClean="0"/>
+              <a:pPr/>
               <a:t>‹#›</a:t>
             </a:fld>
             <a:endParaRPr lang="zh-TW" altLang="en-US"/>
@@ -711,13 +846,15 @@
         <p:spPr/>
         <p:txBody>
           <a:bodyPr/>
-          <a:lstStyle/>
-          <a:p>
-            <a:r>
-              <a:rPr lang="zh-TW" altLang="en-US" smtClean="0"/>
+          <a:lstStyle>
+            <a:extLst/>
+          </a:lstStyle>
+          <a:p>
+            <a:r>
+              <a:rPr kumimoji="0" lang="zh-TW" altLang="en-US" smtClean="0"/>
               <a:t>按一下以編輯母片標題樣式</a:t>
             </a:r>
-            <a:endParaRPr lang="zh-TW" altLang="en-US"/>
+            <a:endParaRPr kumimoji="0" lang="en-US"/>
           </a:p>
         </p:txBody>
       </p:sp>
@@ -734,42 +871,44 @@
         <p:spPr/>
         <p:txBody>
           <a:bodyPr/>
-          <a:lstStyle/>
-          <a:p>
-            <a:pPr lvl="0"/>
+          <a:lstStyle>
+            <a:extLst/>
+          </a:lstStyle>
+          <a:p>
+            <a:pPr lvl="0" eaLnBrk="1" latinLnBrk="0" hangingPunct="1"/>
             <a:r>
               <a:rPr lang="zh-TW" altLang="en-US" smtClean="0"/>
               <a:t>按一下以編輯母片文字樣式</a:t>
             </a:r>
           </a:p>
           <a:p>
-            <a:pPr lvl="1"/>
+            <a:pPr lvl="1" eaLnBrk="1" latinLnBrk="0" hangingPunct="1"/>
             <a:r>
               <a:rPr lang="zh-TW" altLang="en-US" smtClean="0"/>
               <a:t>第二層</a:t>
             </a:r>
           </a:p>
           <a:p>
-            <a:pPr lvl="2"/>
+            <a:pPr lvl="2" eaLnBrk="1" latinLnBrk="0" hangingPunct="1"/>
             <a:r>
               <a:rPr lang="zh-TW" altLang="en-US" smtClean="0"/>
               <a:t>第三層</a:t>
             </a:r>
           </a:p>
           <a:p>
-            <a:pPr lvl="3"/>
+            <a:pPr lvl="3" eaLnBrk="1" latinLnBrk="0" hangingPunct="1"/>
             <a:r>
               <a:rPr lang="zh-TW" altLang="en-US" smtClean="0"/>
               <a:t>第四層</a:t>
             </a:r>
           </a:p>
           <a:p>
-            <a:pPr lvl="4"/>
+            <a:pPr lvl="4" eaLnBrk="1" latinLnBrk="0" hangingPunct="1"/>
             <a:r>
               <a:rPr lang="zh-TW" altLang="en-US" smtClean="0"/>
               <a:t>第五層</a:t>
             </a:r>
-            <a:endParaRPr lang="zh-TW" altLang="en-US"/>
+            <a:endParaRPr kumimoji="0" lang="en-US"/>
           </a:p>
         </p:txBody>
       </p:sp>
@@ -786,11 +925,14 @@
         <p:spPr/>
         <p:txBody>
           <a:bodyPr/>
-          <a:lstStyle/>
+          <a:lstStyle>
+            <a:extLst/>
+          </a:lstStyle>
           <a:p>
             <a:fld id="{5BBEAD13-0566-4C6C-97E7-55F17F24B09F}" type="datetimeFigureOut">
               <a:rPr lang="zh-TW" altLang="en-US" smtClean="0"/>
-              <a:t>2006/9/7</a:t>
+              <a:pPr/>
+              <a:t>2020/7/2</a:t>
             </a:fld>
             <a:endParaRPr lang="zh-TW" altLang="en-US"/>
           </a:p>
@@ -809,7 +951,9 @@
         <p:spPr/>
         <p:txBody>
           <a:bodyPr/>
-          <a:lstStyle/>
+          <a:lstStyle>
+            <a:extLst/>
+          </a:lstStyle>
           <a:p>
             <a:endParaRPr lang="zh-TW" altLang="en-US"/>
           </a:p>
@@ -828,10 +972,13 @@
         <p:spPr/>
         <p:txBody>
           <a:bodyPr/>
-          <a:lstStyle/>
+          <a:lstStyle>
+            <a:extLst/>
+          </a:lstStyle>
           <a:p>
             <a:fld id="{73DA0BB7-265A-403C-9275-D587AB510EDC}" type="slidenum">
               <a:rPr lang="zh-TW" altLang="en-US" smtClean="0"/>
+              <a:pPr/>
               <a:t>‹#›</a:t>
             </a:fld>
             <a:endParaRPr lang="zh-TW" altLang="en-US"/>
@@ -847,7 +994,7 @@
 </file>
 
 <file path=ppt/slideLayouts/slideLayout3.xml><?xml version="1.0" encoding="utf-8"?>
-<p:sldLayout xmlns:a="http://schemas.openxmlformats.org/drawingml/2006/main" xmlns:r="http://schemas.openxmlformats.org/officeDocument/2006/relationships" xmlns:p="http://schemas.openxmlformats.org/presentationml/2006/main" type="secHead" preserve="1">
+<p:sldLayout xmlns:a="http://schemas.openxmlformats.org/drawingml/2006/main" xmlns:r="http://schemas.openxmlformats.org/officeDocument/2006/relationships" xmlns:p="http://schemas.openxmlformats.org/presentationml/2006/main" showMasterSp="0" type="secHead" preserve="1">
   <p:cSld name="區段標題">
     <p:spTree>
       <p:nvGrpSpPr>
@@ -865,33 +1012,86 @@
       </p:grpSpPr>
       <p:sp>
         <p:nvSpPr>
-          <p:cNvPr id="2" name="標題 1"/>
-          <p:cNvSpPr>
-            <a:spLocks noGrp="1"/>
-          </p:cNvSpPr>
-          <p:nvPr>
-            <p:ph type="title"/>
-          </p:nvPr>
+          <p:cNvPr id="7" name="矩形 6"/>
+          <p:cNvSpPr/>
+          <p:nvPr/>
         </p:nvSpPr>
         <p:spPr>
           <a:xfrm>
-            <a:off x="722313" y="4406900"/>
-            <a:ext cx="7772400" cy="1362075"/>
+            <a:off x="2282890" y="-54"/>
+            <a:ext cx="6858000" cy="6858054"/>
+          </a:xfrm>
+          <a:prstGeom prst="rect">
+            <a:avLst/>
+          </a:prstGeom>
+          <a:solidFill>
+            <a:schemeClr val="bg1"/>
+          </a:solidFill>
+          <a:ln w="25400" cap="rnd" cmpd="sng" algn="ctr">
+            <a:noFill/>
+            <a:prstDash val="solid"/>
+          </a:ln>
+          <a:effectLst/>
+        </p:spPr>
+        <p:style>
+          <a:lnRef idx="3">
+            <a:schemeClr val="lt1"/>
+          </a:lnRef>
+          <a:fillRef idx="1">
+            <a:schemeClr val="accent1"/>
+          </a:fillRef>
+          <a:effectRef idx="1">
+            <a:schemeClr val="accent1"/>
+          </a:effectRef>
+          <a:fontRef idx="minor">
+            <a:schemeClr val="lt1"/>
+          </a:fontRef>
+        </p:style>
+        <p:txBody>
+          <a:bodyPr anchor="ctr"/>
+          <a:lstStyle>
+            <a:extLst/>
+          </a:lstStyle>
+          <a:p>
+            <a:pPr algn="ctr" eaLnBrk="1" latinLnBrk="0" hangingPunct="1"/>
+            <a:endParaRPr kumimoji="0" lang="en-US"/>
+          </a:p>
+        </p:txBody>
+      </p:sp>
+      <p:sp>
+        <p:nvSpPr>
+          <p:cNvPr id="2" name="標題 1"/>
+          <p:cNvSpPr>
+            <a:spLocks noGrp="1"/>
+          </p:cNvSpPr>
+          <p:nvPr>
+            <p:ph type="title"/>
+          </p:nvPr>
+        </p:nvSpPr>
+        <p:spPr>
+          <a:xfrm>
+            <a:off x="2578392" y="2600325"/>
+            <a:ext cx="6400800" cy="2286000"/>
           </a:xfrm>
         </p:spPr>
         <p:txBody>
           <a:bodyPr anchor="t"/>
           <a:lstStyle>
             <a:lvl1pPr algn="l">
+              <a:lnSpc>
+                <a:spcPts val="4500"/>
+              </a:lnSpc>
+              <a:buNone/>
               <a:defRPr sz="4000" b="1" cap="all"/>
             </a:lvl1pPr>
-          </a:lstStyle>
-          <a:p>
-            <a:r>
-              <a:rPr lang="zh-TW" altLang="en-US" smtClean="0"/>
+            <a:extLst/>
+          </a:lstStyle>
+          <a:p>
+            <a:r>
+              <a:rPr kumimoji="0" lang="zh-TW" altLang="en-US" smtClean="0"/>
               <a:t>按一下以編輯母片標題樣式</a:t>
             </a:r>
-            <a:endParaRPr lang="zh-TW" altLang="en-US"/>
+            <a:endParaRPr kumimoji="0" lang="en-US"/>
           </a:p>
         </p:txBody>
       </p:sp>
@@ -907,24 +1107,31 @@
         </p:nvSpPr>
         <p:spPr>
           <a:xfrm>
-            <a:off x="722313" y="2906713"/>
-            <a:ext cx="7772400" cy="1500187"/>
+            <a:off x="2578392" y="1066800"/>
+            <a:ext cx="6400800" cy="1509712"/>
           </a:xfrm>
         </p:spPr>
         <p:txBody>
           <a:bodyPr anchor="b"/>
           <a:lstStyle>
-            <a:lvl1pPr marL="0" indent="0">
+            <a:lvl1pPr marL="18288" indent="0">
+              <a:lnSpc>
+                <a:spcPts val="2300"/>
+              </a:lnSpc>
+              <a:spcBef>
+                <a:spcPts val="0"/>
+              </a:spcBef>
               <a:buNone/>
               <a:defRPr sz="2000">
                 <a:solidFill>
-                  <a:schemeClr val="tx1">
-                    <a:tint val="75000"/>
+                  <a:schemeClr val="tx2">
+                    <a:shade val="30000"/>
+                    <a:satMod val="150000"/>
                   </a:schemeClr>
                 </a:solidFill>
               </a:defRPr>
             </a:lvl1pPr>
-            <a:lvl2pPr marL="457200" indent="0">
+            <a:lvl2pPr>
               <a:buNone/>
               <a:defRPr sz="1800">
                 <a:solidFill>
@@ -934,7 +1141,7 @@
                 </a:solidFill>
               </a:defRPr>
             </a:lvl2pPr>
-            <a:lvl3pPr marL="914400" indent="0">
+            <a:lvl3pPr>
               <a:buNone/>
               <a:defRPr sz="1600">
                 <a:solidFill>
@@ -944,7 +1151,7 @@
                 </a:solidFill>
               </a:defRPr>
             </a:lvl3pPr>
-            <a:lvl4pPr marL="1371600" indent="0">
+            <a:lvl4pPr>
               <a:buNone/>
               <a:defRPr sz="1400">
                 <a:solidFill>
@@ -954,7 +1161,7 @@
                 </a:solidFill>
               </a:defRPr>
             </a:lvl4pPr>
-            <a:lvl5pPr marL="1828800" indent="0">
+            <a:lvl5pPr>
               <a:buNone/>
               <a:defRPr sz="1400">
                 <a:solidFill>
@@ -964,51 +1171,12 @@
                 </a:solidFill>
               </a:defRPr>
             </a:lvl5pPr>
-            <a:lvl6pPr marL="2286000" indent="0">
-              <a:buNone/>
-              <a:defRPr sz="1400">
-                <a:solidFill>
-                  <a:schemeClr val="tx1">
-                    <a:tint val="75000"/>
-                  </a:schemeClr>
-                </a:solidFill>
-              </a:defRPr>
-            </a:lvl6pPr>
-            <a:lvl7pPr marL="2743200" indent="0">
-              <a:buNone/>
-              <a:defRPr sz="1400">
-                <a:solidFill>
-                  <a:schemeClr val="tx1">
-                    <a:tint val="75000"/>
-                  </a:schemeClr>
-                </a:solidFill>
-              </a:defRPr>
-            </a:lvl7pPr>
-            <a:lvl8pPr marL="3200400" indent="0">
-              <a:buNone/>
-              <a:defRPr sz="1400">
-                <a:solidFill>
-                  <a:schemeClr val="tx1">
-                    <a:tint val="75000"/>
-                  </a:schemeClr>
-                </a:solidFill>
-              </a:defRPr>
-            </a:lvl8pPr>
-            <a:lvl9pPr marL="3657600" indent="0">
-              <a:buNone/>
-              <a:defRPr sz="1400">
-                <a:solidFill>
-                  <a:schemeClr val="tx1">
-                    <a:tint val="75000"/>
-                  </a:schemeClr>
-                </a:solidFill>
-              </a:defRPr>
-            </a:lvl9pPr>
-          </a:lstStyle>
-          <a:p>
-            <a:pPr lvl="0"/>
-            <a:r>
-              <a:rPr lang="zh-TW" altLang="en-US" smtClean="0"/>
+            <a:extLst/>
+          </a:lstStyle>
+          <a:p>
+            <a:pPr lvl="0" eaLnBrk="1" latinLnBrk="0" hangingPunct="1"/>
+            <a:r>
+              <a:rPr kumimoji="0" lang="zh-TW" altLang="en-US" smtClean="0"/>
               <a:t>按一下以編輯母片文字樣式</a:t>
             </a:r>
           </a:p>
@@ -1027,11 +1195,14 @@
         <p:spPr/>
         <p:txBody>
           <a:bodyPr/>
-          <a:lstStyle/>
+          <a:lstStyle>
+            <a:extLst/>
+          </a:lstStyle>
           <a:p>
             <a:fld id="{5BBEAD13-0566-4C6C-97E7-55F17F24B09F}" type="datetimeFigureOut">
               <a:rPr lang="zh-TW" altLang="en-US" smtClean="0"/>
-              <a:t>2006/9/7</a:t>
+              <a:pPr/>
+              <a:t>2020/7/2</a:t>
             </a:fld>
             <a:endParaRPr lang="zh-TW" altLang="en-US"/>
           </a:p>
@@ -1050,7 +1221,9 @@
         <p:spPr/>
         <p:txBody>
           <a:bodyPr/>
-          <a:lstStyle/>
+          <a:lstStyle>
+            <a:extLst/>
+          </a:lstStyle>
           <a:p>
             <a:endParaRPr lang="zh-TW" altLang="en-US"/>
           </a:p>
@@ -1069,13 +1242,210 @@
         <p:spPr/>
         <p:txBody>
           <a:bodyPr/>
-          <a:lstStyle/>
+          <a:lstStyle>
+            <a:extLst/>
+          </a:lstStyle>
           <a:p>
             <a:fld id="{73DA0BB7-265A-403C-9275-D587AB510EDC}" type="slidenum">
               <a:rPr lang="zh-TW" altLang="en-US" smtClean="0"/>
+              <a:pPr/>
               <a:t>‹#›</a:t>
             </a:fld>
             <a:endParaRPr lang="zh-TW" altLang="en-US"/>
+          </a:p>
+        </p:txBody>
+      </p:sp>
+      <p:sp>
+        <p:nvSpPr>
+          <p:cNvPr id="10" name="矩形 9"/>
+          <p:cNvSpPr/>
+          <p:nvPr/>
+        </p:nvSpPr>
+        <p:spPr bwMode="invGray">
+          <a:xfrm>
+            <a:off x="2286000" y="0"/>
+            <a:ext cx="76200" cy="6858054"/>
+          </a:xfrm>
+          <a:prstGeom prst="rect">
+            <a:avLst/>
+          </a:prstGeom>
+          <a:solidFill>
+            <a:schemeClr val="bg1"/>
+          </a:solidFill>
+          <a:ln w="25400" cap="rnd" cmpd="sng" algn="ctr">
+            <a:noFill/>
+            <a:prstDash val="solid"/>
+          </a:ln>
+          <a:effectLst>
+            <a:outerShdw blurRad="38550" dist="38000" dir="10800000" algn="tl" rotWithShape="0">
+              <a:schemeClr val="bg2">
+                <a:shade val="20000"/>
+                <a:satMod val="110000"/>
+                <a:alpha val="25000"/>
+              </a:schemeClr>
+            </a:outerShdw>
+          </a:effectLst>
+        </p:spPr>
+        <p:style>
+          <a:lnRef idx="3">
+            <a:schemeClr val="lt1"/>
+          </a:lnRef>
+          <a:fillRef idx="1">
+            <a:schemeClr val="accent1"/>
+          </a:fillRef>
+          <a:effectRef idx="1">
+            <a:schemeClr val="accent1"/>
+          </a:effectRef>
+          <a:fontRef idx="minor">
+            <a:schemeClr val="lt1"/>
+          </a:fontRef>
+        </p:style>
+        <p:txBody>
+          <a:bodyPr anchor="ctr"/>
+          <a:lstStyle>
+            <a:extLst/>
+          </a:lstStyle>
+          <a:p>
+            <a:pPr algn="ctr" eaLnBrk="1" latinLnBrk="0" hangingPunct="1"/>
+            <a:endParaRPr kumimoji="0" lang="en-US"/>
+          </a:p>
+        </p:txBody>
+      </p:sp>
+      <p:sp>
+        <p:nvSpPr>
+          <p:cNvPr id="8" name="橢圓 7"/>
+          <p:cNvSpPr/>
+          <p:nvPr/>
+        </p:nvSpPr>
+        <p:spPr>
+          <a:xfrm>
+            <a:off x="2172321" y="2814656"/>
+            <a:ext cx="210312" cy="210312"/>
+          </a:xfrm>
+          <a:prstGeom prst="ellipse">
+            <a:avLst/>
+          </a:prstGeom>
+          <a:gradFill rotWithShape="1">
+            <a:gsLst>
+              <a:gs pos="0">
+                <a:schemeClr val="accent1">
+                  <a:tint val="20000"/>
+                  <a:satMod val="450000"/>
+                  <a:alpha val="95000"/>
+                </a:schemeClr>
+              </a:gs>
+              <a:gs pos="50000">
+                <a:schemeClr val="accent1">
+                  <a:tint val="38000"/>
+                  <a:satMod val="250000"/>
+                  <a:alpha val="90000"/>
+                </a:schemeClr>
+              </a:gs>
+              <a:gs pos="95000">
+                <a:schemeClr val="accent1">
+                  <a:tint val="75000"/>
+                  <a:satMod val="255000"/>
+                  <a:alpha val="88000"/>
+                </a:schemeClr>
+              </a:gs>
+              <a:gs pos="100000">
+                <a:schemeClr val="accent1">
+                  <a:tint val="100000"/>
+                  <a:shade val="90000"/>
+                  <a:satMod val="255000"/>
+                  <a:alpha val="85000"/>
+                </a:schemeClr>
+              </a:gs>
+            </a:gsLst>
+            <a:path path="circle">
+              <a:fillToRect l="25000" t="12500" r="75000" b="87500"/>
+            </a:path>
+          </a:gradFill>
+          <a:ln w="2000" cap="rnd" cmpd="sng" algn="ctr">
+            <a:solidFill>
+              <a:schemeClr val="accent1">
+                <a:shade val="90000"/>
+                <a:satMod val="110000"/>
+                <a:alpha val="60000"/>
+              </a:schemeClr>
+            </a:solidFill>
+            <a:prstDash val="solid"/>
+          </a:ln>
+          <a:effectLst/>
+        </p:spPr>
+        <p:style>
+          <a:lnRef idx="1">
+            <a:schemeClr val="accent1"/>
+          </a:lnRef>
+          <a:fillRef idx="2">
+            <a:schemeClr val="accent1"/>
+          </a:fillRef>
+          <a:effectRef idx="1">
+            <a:schemeClr val="accent1"/>
+          </a:effectRef>
+          <a:fontRef idx="minor">
+            <a:schemeClr val="dk1"/>
+          </a:fontRef>
+        </p:style>
+        <p:txBody>
+          <a:bodyPr anchor="ctr"/>
+          <a:lstStyle>
+            <a:extLst/>
+          </a:lstStyle>
+          <a:p>
+            <a:pPr algn="ctr" eaLnBrk="1" latinLnBrk="0" hangingPunct="1"/>
+            <a:endParaRPr kumimoji="0" lang="en-US"/>
+          </a:p>
+        </p:txBody>
+      </p:sp>
+      <p:sp>
+        <p:nvSpPr>
+          <p:cNvPr id="9" name="橢圓 8"/>
+          <p:cNvSpPr/>
+          <p:nvPr/>
+        </p:nvSpPr>
+        <p:spPr>
+          <a:xfrm>
+            <a:off x="2408064" y="2745870"/>
+            <a:ext cx="64008" cy="64008"/>
+          </a:xfrm>
+          <a:prstGeom prst="ellipse">
+            <a:avLst/>
+          </a:prstGeom>
+          <a:noFill/>
+          <a:ln w="12700" cap="rnd" cmpd="sng" algn="ctr">
+            <a:solidFill>
+              <a:schemeClr val="accent1">
+                <a:shade val="75000"/>
+                <a:alpha val="60000"/>
+              </a:schemeClr>
+            </a:solidFill>
+            <a:prstDash val="solid"/>
+          </a:ln>
+          <a:effectLst/>
+        </p:spPr>
+        <p:style>
+          <a:lnRef idx="1">
+            <a:schemeClr val="accent1"/>
+          </a:lnRef>
+          <a:fillRef idx="2">
+            <a:schemeClr val="accent1"/>
+          </a:fillRef>
+          <a:effectRef idx="1">
+            <a:schemeClr val="accent1"/>
+          </a:effectRef>
+          <a:fontRef idx="minor">
+            <a:schemeClr val="dk1"/>
+          </a:fontRef>
+        </p:style>
+        <p:txBody>
+          <a:bodyPr anchor="ctr"/>
+          <a:lstStyle>
+            <a:extLst/>
+          </a:lstStyle>
+          <a:p>
+            <a:pPr algn="ctr" eaLnBrk="1" latinLnBrk="0" hangingPunct="1"/>
+            <a:endParaRPr kumimoji="0" lang="en-US"/>
           </a:p>
         </p:txBody>
       </p:sp>
@@ -1114,33 +1484,40 @@
             <p:ph type="title"/>
           </p:nvPr>
         </p:nvSpPr>
-        <p:spPr/>
-        <p:txBody>
-          <a:bodyPr/>
-          <a:lstStyle/>
-          <a:p>
-            <a:r>
-              <a:rPr lang="zh-TW" altLang="en-US" smtClean="0"/>
-              <a:t>按一下以編輯母片標題樣式</a:t>
-            </a:r>
-            <a:endParaRPr lang="zh-TW" altLang="en-US"/>
-          </a:p>
-        </p:txBody>
-      </p:sp>
-      <p:sp>
-        <p:nvSpPr>
-          <p:cNvPr id="3" name="內容版面配置區 2"/>
-          <p:cNvSpPr>
-            <a:spLocks noGrp="1"/>
-          </p:cNvSpPr>
-          <p:nvPr>
-            <p:ph sz="half" idx="1"/>
-          </p:nvPr>
-        </p:nvSpPr>
         <p:spPr>
           <a:xfrm>
-            <a:off x="457200" y="1600200"/>
-            <a:ext cx="4038600" cy="4525963"/>
+            <a:off x="1435608" y="274320"/>
+            <a:ext cx="7498080" cy="1143000"/>
+          </a:xfrm>
+        </p:spPr>
+        <p:txBody>
+          <a:bodyPr/>
+          <a:lstStyle>
+            <a:extLst/>
+          </a:lstStyle>
+          <a:p>
+            <a:r>
+              <a:rPr kumimoji="0" lang="zh-TW" altLang="en-US" smtClean="0"/>
+              <a:t>按一下以編輯母片標題樣式</a:t>
+            </a:r>
+            <a:endParaRPr kumimoji="0" lang="en-US"/>
+          </a:p>
+        </p:txBody>
+      </p:sp>
+      <p:sp>
+        <p:nvSpPr>
+          <p:cNvPr id="3" name="內容版面配置區 2"/>
+          <p:cNvSpPr>
+            <a:spLocks noGrp="1"/>
+          </p:cNvSpPr>
+          <p:nvPr>
+            <p:ph sz="half" idx="1"/>
+          </p:nvPr>
+        </p:nvSpPr>
+        <p:spPr>
+          <a:xfrm>
+            <a:off x="1435608" y="1524000"/>
+            <a:ext cx="3657600" cy="4663440"/>
           </a:xfrm>
         </p:spPr>
         <p:txBody>
@@ -1161,54 +1538,43 @@
             <a:lvl5pPr>
               <a:defRPr sz="1800"/>
             </a:lvl5pPr>
-            <a:lvl6pPr>
-              <a:defRPr sz="1800"/>
-            </a:lvl6pPr>
-            <a:lvl7pPr>
-              <a:defRPr sz="1800"/>
-            </a:lvl7pPr>
-            <a:lvl8pPr>
-              <a:defRPr sz="1800"/>
-            </a:lvl8pPr>
-            <a:lvl9pPr>
-              <a:defRPr sz="1800"/>
-            </a:lvl9pPr>
-          </a:lstStyle>
-          <a:p>
-            <a:pPr lvl="0"/>
+            <a:extLst/>
+          </a:lstStyle>
+          <a:p>
+            <a:pPr lvl="0" eaLnBrk="1" latinLnBrk="0" hangingPunct="1"/>
             <a:r>
               <a:rPr lang="zh-TW" altLang="en-US" smtClean="0"/>
               <a:t>按一下以編輯母片文字樣式</a:t>
             </a:r>
           </a:p>
           <a:p>
-            <a:pPr lvl="1"/>
+            <a:pPr lvl="1" eaLnBrk="1" latinLnBrk="0" hangingPunct="1"/>
             <a:r>
               <a:rPr lang="zh-TW" altLang="en-US" smtClean="0"/>
               <a:t>第二層</a:t>
             </a:r>
           </a:p>
           <a:p>
-            <a:pPr lvl="2"/>
+            <a:pPr lvl="2" eaLnBrk="1" latinLnBrk="0" hangingPunct="1"/>
             <a:r>
               <a:rPr lang="zh-TW" altLang="en-US" smtClean="0"/>
               <a:t>第三層</a:t>
             </a:r>
           </a:p>
           <a:p>
-            <a:pPr lvl="3"/>
+            <a:pPr lvl="3" eaLnBrk="1" latinLnBrk="0" hangingPunct="1"/>
             <a:r>
               <a:rPr lang="zh-TW" altLang="en-US" smtClean="0"/>
               <a:t>第四層</a:t>
             </a:r>
           </a:p>
           <a:p>
-            <a:pPr lvl="4"/>
+            <a:pPr lvl="4" eaLnBrk="1" latinLnBrk="0" hangingPunct="1"/>
             <a:r>
               <a:rPr lang="zh-TW" altLang="en-US" smtClean="0"/>
               <a:t>第五層</a:t>
             </a:r>
-            <a:endParaRPr lang="zh-TW" altLang="en-US"/>
+            <a:endParaRPr kumimoji="0" lang="en-US"/>
           </a:p>
         </p:txBody>
       </p:sp>
@@ -1224,8 +1590,8 @@
         </p:nvSpPr>
         <p:spPr>
           <a:xfrm>
-            <a:off x="4648200" y="1600200"/>
-            <a:ext cx="4038600" cy="4525963"/>
+            <a:off x="5276088" y="1524000"/>
+            <a:ext cx="3657600" cy="4663440"/>
           </a:xfrm>
         </p:spPr>
         <p:txBody>
@@ -1246,54 +1612,43 @@
             <a:lvl5pPr>
               <a:defRPr sz="1800"/>
             </a:lvl5pPr>
-            <a:lvl6pPr>
-              <a:defRPr sz="1800"/>
-            </a:lvl6pPr>
-            <a:lvl7pPr>
-              <a:defRPr sz="1800"/>
-            </a:lvl7pPr>
-            <a:lvl8pPr>
-              <a:defRPr sz="1800"/>
-            </a:lvl8pPr>
-            <a:lvl9pPr>
-              <a:defRPr sz="1800"/>
-            </a:lvl9pPr>
-          </a:lstStyle>
-          <a:p>
-            <a:pPr lvl="0"/>
+            <a:extLst/>
+          </a:lstStyle>
+          <a:p>
+            <a:pPr lvl="0" eaLnBrk="1" latinLnBrk="0" hangingPunct="1"/>
             <a:r>
               <a:rPr lang="zh-TW" altLang="en-US" smtClean="0"/>
               <a:t>按一下以編輯母片文字樣式</a:t>
             </a:r>
           </a:p>
           <a:p>
-            <a:pPr lvl="1"/>
+            <a:pPr lvl="1" eaLnBrk="1" latinLnBrk="0" hangingPunct="1"/>
             <a:r>
               <a:rPr lang="zh-TW" altLang="en-US" smtClean="0"/>
               <a:t>第二層</a:t>
             </a:r>
           </a:p>
           <a:p>
-            <a:pPr lvl="2"/>
+            <a:pPr lvl="2" eaLnBrk="1" latinLnBrk="0" hangingPunct="1"/>
             <a:r>
               <a:rPr lang="zh-TW" altLang="en-US" smtClean="0"/>
               <a:t>第三層</a:t>
             </a:r>
           </a:p>
           <a:p>
-            <a:pPr lvl="3"/>
+            <a:pPr lvl="3" eaLnBrk="1" latinLnBrk="0" hangingPunct="1"/>
             <a:r>
               <a:rPr lang="zh-TW" altLang="en-US" smtClean="0"/>
               <a:t>第四層</a:t>
             </a:r>
           </a:p>
           <a:p>
-            <a:pPr lvl="4"/>
+            <a:pPr lvl="4" eaLnBrk="1" latinLnBrk="0" hangingPunct="1"/>
             <a:r>
               <a:rPr lang="zh-TW" altLang="en-US" smtClean="0"/>
               <a:t>第五層</a:t>
             </a:r>
-            <a:endParaRPr lang="zh-TW" altLang="en-US"/>
+            <a:endParaRPr kumimoji="0" lang="en-US"/>
           </a:p>
         </p:txBody>
       </p:sp>
@@ -1310,11 +1665,14 @@
         <p:spPr/>
         <p:txBody>
           <a:bodyPr/>
-          <a:lstStyle/>
+          <a:lstStyle>
+            <a:extLst/>
+          </a:lstStyle>
           <a:p>
             <a:fld id="{5BBEAD13-0566-4C6C-97E7-55F17F24B09F}" type="datetimeFigureOut">
               <a:rPr lang="zh-TW" altLang="en-US" smtClean="0"/>
-              <a:t>2006/9/7</a:t>
+              <a:pPr/>
+              <a:t>2020/7/2</a:t>
             </a:fld>
             <a:endParaRPr lang="zh-TW" altLang="en-US"/>
           </a:p>
@@ -1333,7 +1691,9 @@
         <p:spPr/>
         <p:txBody>
           <a:bodyPr/>
-          <a:lstStyle/>
+          <a:lstStyle>
+            <a:extLst/>
+          </a:lstStyle>
           <a:p>
             <a:endParaRPr lang="zh-TW" altLang="en-US"/>
           </a:p>
@@ -1352,10 +1712,13 @@
         <p:spPr/>
         <p:txBody>
           <a:bodyPr/>
-          <a:lstStyle/>
+          <a:lstStyle>
+            <a:extLst/>
+          </a:lstStyle>
           <a:p>
             <a:fld id="{73DA0BB7-265A-403C-9275-D587AB510EDC}" type="slidenum">
               <a:rPr lang="zh-TW" altLang="en-US" smtClean="0"/>
+              <a:pPr/>
               <a:t>‹#›</a:t>
             </a:fld>
             <a:endParaRPr lang="zh-TW" altLang="en-US"/>
@@ -1371,7 +1734,7 @@
 </file>
 
 <file path=ppt/slideLayouts/slideLayout5.xml><?xml version="1.0" encoding="utf-8"?>
-<p:sldLayout xmlns:a="http://schemas.openxmlformats.org/drawingml/2006/main" xmlns:r="http://schemas.openxmlformats.org/officeDocument/2006/relationships" xmlns:p="http://schemas.openxmlformats.org/presentationml/2006/main" type="twoTxTwoObj" preserve="1">
+<p:sldLayout xmlns:a="http://schemas.openxmlformats.org/drawingml/2006/main" xmlns:r="http://schemas.openxmlformats.org/officeDocument/2006/relationships" xmlns:p="http://schemas.openxmlformats.org/presentationml/2006/main" showMasterSp="0" type="twoTxTwoObj" preserve="1">
   <p:cSld name="比對">
     <p:spTree>
       <p:nvGrpSpPr>
@@ -1397,83 +1760,162 @@
             <p:ph type="title"/>
           </p:nvPr>
         </p:nvSpPr>
-        <p:spPr/>
-        <p:txBody>
-          <a:bodyPr/>
-          <a:lstStyle>
-            <a:lvl1pPr>
-              <a:defRPr/>
-            </a:lvl1pPr>
-          </a:lstStyle>
-          <a:p>
-            <a:r>
-              <a:rPr lang="zh-TW" altLang="en-US" smtClean="0"/>
-              <a:t>按一下以編輯母片標題樣式</a:t>
-            </a:r>
-            <a:endParaRPr lang="zh-TW" altLang="en-US"/>
-          </a:p>
-        </p:txBody>
-      </p:sp>
-      <p:sp>
-        <p:nvSpPr>
-          <p:cNvPr id="3" name="文字版面配置區 2"/>
-          <p:cNvSpPr>
-            <a:spLocks noGrp="1"/>
-          </p:cNvSpPr>
-          <p:nvPr>
-            <p:ph type="body" idx="1"/>
-          </p:nvPr>
-        </p:nvSpPr>
         <p:spPr>
           <a:xfrm>
-            <a:off x="457200" y="1535113"/>
-            <a:ext cx="4040188" cy="639762"/>
+            <a:off x="457200" y="5160336"/>
+            <a:ext cx="8229600" cy="1143000"/>
           </a:xfrm>
         </p:spPr>
         <p:txBody>
-          <a:bodyPr anchor="b"/>
-          <a:lstStyle>
-            <a:lvl1pPr marL="0" indent="0">
+          <a:bodyPr anchor="ctr"/>
+          <a:lstStyle>
+            <a:lvl1pPr algn="ctr">
+              <a:defRPr sz="4500" b="1" cap="none" baseline="0"/>
+            </a:lvl1pPr>
+            <a:extLst/>
+          </a:lstStyle>
+          <a:p>
+            <a:r>
+              <a:rPr kumimoji="0" lang="zh-TW" altLang="en-US" smtClean="0"/>
+              <a:t>按一下以編輯母片標題樣式</a:t>
+            </a:r>
+            <a:endParaRPr kumimoji="0" lang="en-US"/>
+          </a:p>
+        </p:txBody>
+      </p:sp>
+      <p:sp>
+        <p:nvSpPr>
+          <p:cNvPr id="3" name="文字版面配置區 2"/>
+          <p:cNvSpPr>
+            <a:spLocks noGrp="1"/>
+          </p:cNvSpPr>
+          <p:nvPr>
+            <p:ph type="body" idx="1"/>
+          </p:nvPr>
+        </p:nvSpPr>
+        <p:spPr>
+          <a:xfrm>
+            <a:off x="457200" y="328278"/>
+            <a:ext cx="4023360" cy="640080"/>
+          </a:xfrm>
+          <a:solidFill>
+            <a:schemeClr val="bg1"/>
+          </a:solidFill>
+          <a:ln w="10795">
+            <a:solidFill>
+              <a:schemeClr val="bg1"/>
+            </a:solidFill>
+            <a:miter lim="800000"/>
+          </a:ln>
+        </p:spPr>
+        <p:txBody>
+          <a:bodyPr anchor="ctr"/>
+          <a:lstStyle>
+            <a:lvl1pPr marL="64008" indent="0" algn="l">
+              <a:lnSpc>
+                <a:spcPct val="100000"/>
+              </a:lnSpc>
+              <a:spcBef>
+                <a:spcPts val="100"/>
+              </a:spcBef>
               <a:buNone/>
-              <a:defRPr sz="2400" b="1"/>
+              <a:defRPr sz="1900" b="0">
+                <a:solidFill>
+                  <a:schemeClr val="tx1"/>
+                </a:solidFill>
+              </a:defRPr>
             </a:lvl1pPr>
-            <a:lvl2pPr marL="457200" indent="0">
+            <a:lvl2pPr>
               <a:buNone/>
               <a:defRPr sz="2000" b="1"/>
             </a:lvl2pPr>
-            <a:lvl3pPr marL="914400" indent="0">
+            <a:lvl3pPr>
               <a:buNone/>
               <a:defRPr sz="1800" b="1"/>
             </a:lvl3pPr>
-            <a:lvl4pPr marL="1371600" indent="0">
+            <a:lvl4pPr>
               <a:buNone/>
               <a:defRPr sz="1600" b="1"/>
             </a:lvl4pPr>
-            <a:lvl5pPr marL="1828800" indent="0">
+            <a:lvl5pPr>
               <a:buNone/>
               <a:defRPr sz="1600" b="1"/>
             </a:lvl5pPr>
-            <a:lvl6pPr marL="2286000" indent="0">
+            <a:extLst/>
+          </a:lstStyle>
+          <a:p>
+            <a:pPr lvl="0" eaLnBrk="1" latinLnBrk="0" hangingPunct="1"/>
+            <a:r>
+              <a:rPr kumimoji="0" lang="zh-TW" altLang="en-US" smtClean="0"/>
+              <a:t>按一下以編輯母片文字樣式</a:t>
+            </a:r>
+          </a:p>
+        </p:txBody>
+      </p:sp>
+      <p:sp>
+        <p:nvSpPr>
+          <p:cNvPr id="4" name="文字版面配置區 3"/>
+          <p:cNvSpPr>
+            <a:spLocks noGrp="1"/>
+          </p:cNvSpPr>
+          <p:nvPr>
+            <p:ph type="body" sz="half" idx="3"/>
+          </p:nvPr>
+        </p:nvSpPr>
+        <p:spPr>
+          <a:xfrm>
+            <a:off x="4663440" y="328278"/>
+            <a:ext cx="4023360" cy="640080"/>
+          </a:xfrm>
+          <a:solidFill>
+            <a:schemeClr val="bg1"/>
+          </a:solidFill>
+          <a:ln w="10795">
+            <a:solidFill>
+              <a:schemeClr val="bg1"/>
+            </a:solidFill>
+            <a:miter lim="800000"/>
+          </a:ln>
+        </p:spPr>
+        <p:txBody>
+          <a:bodyPr anchor="ctr"/>
+          <a:lstStyle>
+            <a:lvl1pPr marL="64008" indent="0" algn="l">
+              <a:lnSpc>
+                <a:spcPct val="100000"/>
+              </a:lnSpc>
+              <a:spcBef>
+                <a:spcPts val="100"/>
+              </a:spcBef>
+              <a:buNone/>
+              <a:defRPr sz="1900" b="0">
+                <a:solidFill>
+                  <a:schemeClr val="tx1"/>
+                </a:solidFill>
+              </a:defRPr>
+            </a:lvl1pPr>
+            <a:lvl2pPr>
+              <a:buNone/>
+              <a:defRPr sz="2000" b="1"/>
+            </a:lvl2pPr>
+            <a:lvl3pPr>
+              <a:buNone/>
+              <a:defRPr sz="1800" b="1"/>
+            </a:lvl3pPr>
+            <a:lvl4pPr>
               <a:buNone/>
               <a:defRPr sz="1600" b="1"/>
-            </a:lvl6pPr>
-            <a:lvl7pPr marL="2743200" indent="0">
+            </a:lvl4pPr>
+            <a:lvl5pPr>
               <a:buNone/>
               <a:defRPr sz="1600" b="1"/>
-            </a:lvl7pPr>
-            <a:lvl8pPr marL="3200400" indent="0">
-              <a:buNone/>
-              <a:defRPr sz="1600" b="1"/>
-            </a:lvl8pPr>
-            <a:lvl9pPr marL="3657600" indent="0">
-              <a:buNone/>
-              <a:defRPr sz="1600" b="1"/>
-            </a:lvl9pPr>
-          </a:lstStyle>
-          <a:p>
-            <a:pPr lvl="0"/>
-            <a:r>
-              <a:rPr lang="zh-TW" altLang="en-US" smtClean="0"/>
+            </a:lvl5pPr>
+            <a:extLst/>
+          </a:lstStyle>
+          <a:p>
+            <a:pPr lvl="0" eaLnBrk="1" latinLnBrk="0" hangingPunct="1"/>
+            <a:r>
+              <a:rPr kumimoji="0" lang="zh-TW" altLang="en-US" smtClean="0"/>
               <a:t>按一下以編輯母片文字樣式</a:t>
             </a:r>
           </a:p>
@@ -1481,236 +1923,223 @@
       </p:sp>
       <p:sp>
         <p:nvSpPr>
-          <p:cNvPr id="4" name="內容版面配置區 3"/>
-          <p:cNvSpPr>
-            <a:spLocks noGrp="1"/>
-          </p:cNvSpPr>
-          <p:nvPr>
-            <p:ph sz="half" idx="2"/>
+          <p:cNvPr id="5" name="內容版面配置區 4"/>
+          <p:cNvSpPr>
+            <a:spLocks noGrp="1"/>
+          </p:cNvSpPr>
+          <p:nvPr>
+            <p:ph sz="quarter" idx="2"/>
           </p:nvPr>
         </p:nvSpPr>
         <p:spPr>
           <a:xfrm>
-            <a:off x="457200" y="2174875"/>
-            <a:ext cx="4040188" cy="3951288"/>
+            <a:off x="457200" y="969336"/>
+            <a:ext cx="4023360" cy="4114800"/>
           </a:xfrm>
+          <a:ln w="10795">
+            <a:solidFill>
+              <a:schemeClr val="bg1"/>
+            </a:solidFill>
+            <a:prstDash val="dash"/>
+            <a:miter lim="800000"/>
+          </a:ln>
         </p:spPr>
         <p:txBody>
           <a:bodyPr/>
           <a:lstStyle>
-            <a:lvl1pPr>
+            <a:lvl1pPr marL="393192" indent="-274320">
+              <a:lnSpc>
+                <a:spcPct val="100000"/>
+              </a:lnSpc>
+              <a:spcBef>
+                <a:spcPts val="700"/>
+              </a:spcBef>
               <a:defRPr sz="2400"/>
             </a:lvl1pPr>
             <a:lvl2pPr>
+              <a:lnSpc>
+                <a:spcPct val="100000"/>
+              </a:lnSpc>
+              <a:spcBef>
+                <a:spcPts val="700"/>
+              </a:spcBef>
               <a:defRPr sz="2000"/>
             </a:lvl2pPr>
             <a:lvl3pPr>
+              <a:lnSpc>
+                <a:spcPct val="100000"/>
+              </a:lnSpc>
+              <a:spcBef>
+                <a:spcPts val="700"/>
+              </a:spcBef>
               <a:defRPr sz="1800"/>
             </a:lvl3pPr>
             <a:lvl4pPr>
+              <a:lnSpc>
+                <a:spcPct val="100000"/>
+              </a:lnSpc>
+              <a:spcBef>
+                <a:spcPts val="700"/>
+              </a:spcBef>
               <a:defRPr sz="1600"/>
             </a:lvl4pPr>
             <a:lvl5pPr>
+              <a:lnSpc>
+                <a:spcPct val="100000"/>
+              </a:lnSpc>
+              <a:spcBef>
+                <a:spcPts val="700"/>
+              </a:spcBef>
               <a:defRPr sz="1600"/>
             </a:lvl5pPr>
-            <a:lvl6pPr>
-              <a:defRPr sz="1600"/>
-            </a:lvl6pPr>
-            <a:lvl7pPr>
-              <a:defRPr sz="1600"/>
-            </a:lvl7pPr>
-            <a:lvl8pPr>
-              <a:defRPr sz="1600"/>
-            </a:lvl8pPr>
-            <a:lvl9pPr>
-              <a:defRPr sz="1600"/>
-            </a:lvl9pPr>
-          </a:lstStyle>
-          <a:p>
-            <a:pPr lvl="0"/>
+            <a:extLst/>
+          </a:lstStyle>
+          <a:p>
+            <a:pPr lvl="0" eaLnBrk="1" latinLnBrk="0" hangingPunct="1"/>
             <a:r>
               <a:rPr lang="zh-TW" altLang="en-US" smtClean="0"/>
               <a:t>按一下以編輯母片文字樣式</a:t>
             </a:r>
           </a:p>
           <a:p>
-            <a:pPr lvl="1"/>
+            <a:pPr lvl="1" eaLnBrk="1" latinLnBrk="0" hangingPunct="1"/>
             <a:r>
               <a:rPr lang="zh-TW" altLang="en-US" smtClean="0"/>
               <a:t>第二層</a:t>
             </a:r>
           </a:p>
           <a:p>
-            <a:pPr lvl="2"/>
+            <a:pPr lvl="2" eaLnBrk="1" latinLnBrk="0" hangingPunct="1"/>
             <a:r>
               <a:rPr lang="zh-TW" altLang="en-US" smtClean="0"/>
               <a:t>第三層</a:t>
             </a:r>
           </a:p>
           <a:p>
-            <a:pPr lvl="3"/>
+            <a:pPr lvl="3" eaLnBrk="1" latinLnBrk="0" hangingPunct="1"/>
             <a:r>
               <a:rPr lang="zh-TW" altLang="en-US" smtClean="0"/>
               <a:t>第四層</a:t>
             </a:r>
           </a:p>
           <a:p>
-            <a:pPr lvl="4"/>
+            <a:pPr lvl="4" eaLnBrk="1" latinLnBrk="0" hangingPunct="1"/>
             <a:r>
               <a:rPr lang="zh-TW" altLang="en-US" smtClean="0"/>
               <a:t>第五層</a:t>
             </a:r>
-            <a:endParaRPr lang="zh-TW" altLang="en-US"/>
-          </a:p>
-        </p:txBody>
-      </p:sp>
-      <p:sp>
-        <p:nvSpPr>
-          <p:cNvPr id="5" name="文字版面配置區 4"/>
-          <p:cNvSpPr>
-            <a:spLocks noGrp="1"/>
-          </p:cNvSpPr>
-          <p:nvPr>
-            <p:ph type="body" sz="quarter" idx="3"/>
+            <a:endParaRPr kumimoji="0" lang="en-US"/>
+          </a:p>
+        </p:txBody>
+      </p:sp>
+      <p:sp>
+        <p:nvSpPr>
+          <p:cNvPr id="6" name="內容版面配置區 5"/>
+          <p:cNvSpPr>
+            <a:spLocks noGrp="1"/>
+          </p:cNvSpPr>
+          <p:nvPr>
+            <p:ph sz="quarter" idx="4"/>
           </p:nvPr>
         </p:nvSpPr>
         <p:spPr>
           <a:xfrm>
-            <a:off x="4645025" y="1535113"/>
-            <a:ext cx="4041775" cy="639762"/>
+            <a:off x="4663440" y="969336"/>
+            <a:ext cx="4023360" cy="4114800"/>
           </a:xfrm>
+          <a:ln w="10795">
+            <a:solidFill>
+              <a:schemeClr val="bg1"/>
+            </a:solidFill>
+            <a:prstDash val="dash"/>
+            <a:miter lim="800000"/>
+          </a:ln>
         </p:spPr>
         <p:txBody>
-          <a:bodyPr anchor="b"/>
-          <a:lstStyle>
-            <a:lvl1pPr marL="0" indent="0">
-              <a:buNone/>
-              <a:defRPr sz="2400" b="1"/>
-            </a:lvl1pPr>
-            <a:lvl2pPr marL="457200" indent="0">
-              <a:buNone/>
-              <a:defRPr sz="2000" b="1"/>
-            </a:lvl2pPr>
-            <a:lvl3pPr marL="914400" indent="0">
-              <a:buNone/>
-              <a:defRPr sz="1800" b="1"/>
-            </a:lvl3pPr>
-            <a:lvl4pPr marL="1371600" indent="0">
-              <a:buNone/>
-              <a:defRPr sz="1600" b="1"/>
-            </a:lvl4pPr>
-            <a:lvl5pPr marL="1828800" indent="0">
-              <a:buNone/>
-              <a:defRPr sz="1600" b="1"/>
-            </a:lvl5pPr>
-            <a:lvl6pPr marL="2286000" indent="0">
-              <a:buNone/>
-              <a:defRPr sz="1600" b="1"/>
-            </a:lvl6pPr>
-            <a:lvl7pPr marL="2743200" indent="0">
-              <a:buNone/>
-              <a:defRPr sz="1600" b="1"/>
-            </a:lvl7pPr>
-            <a:lvl8pPr marL="3200400" indent="0">
-              <a:buNone/>
-              <a:defRPr sz="1600" b="1"/>
-            </a:lvl8pPr>
-            <a:lvl9pPr marL="3657600" indent="0">
-              <a:buNone/>
-              <a:defRPr sz="1600" b="1"/>
-            </a:lvl9pPr>
-          </a:lstStyle>
-          <a:p>
-            <a:pPr lvl="0"/>
-            <a:r>
-              <a:rPr lang="zh-TW" altLang="en-US" smtClean="0"/>
-              <a:t>按一下以編輯母片文字樣式</a:t>
-            </a:r>
-          </a:p>
-        </p:txBody>
-      </p:sp>
-      <p:sp>
-        <p:nvSpPr>
-          <p:cNvPr id="6" name="內容版面配置區 5"/>
-          <p:cNvSpPr>
-            <a:spLocks noGrp="1"/>
-          </p:cNvSpPr>
-          <p:nvPr>
-            <p:ph sz="quarter" idx="4"/>
-          </p:nvPr>
-        </p:nvSpPr>
-        <p:spPr>
-          <a:xfrm>
-            <a:off x="4645025" y="2174875"/>
-            <a:ext cx="4041775" cy="3951288"/>
-          </a:xfrm>
-        </p:spPr>
-        <p:txBody>
           <a:bodyPr/>
           <a:lstStyle>
-            <a:lvl1pPr>
+            <a:lvl1pPr marL="393192" indent="-274320">
+              <a:lnSpc>
+                <a:spcPct val="100000"/>
+              </a:lnSpc>
+              <a:spcBef>
+                <a:spcPts val="700"/>
+              </a:spcBef>
               <a:defRPr sz="2400"/>
             </a:lvl1pPr>
             <a:lvl2pPr>
+              <a:lnSpc>
+                <a:spcPct val="100000"/>
+              </a:lnSpc>
+              <a:spcBef>
+                <a:spcPts val="700"/>
+              </a:spcBef>
               <a:defRPr sz="2000"/>
             </a:lvl2pPr>
             <a:lvl3pPr>
+              <a:lnSpc>
+                <a:spcPct val="100000"/>
+              </a:lnSpc>
+              <a:spcBef>
+                <a:spcPts val="700"/>
+              </a:spcBef>
               <a:defRPr sz="1800"/>
             </a:lvl3pPr>
             <a:lvl4pPr>
+              <a:lnSpc>
+                <a:spcPct val="100000"/>
+              </a:lnSpc>
+              <a:spcBef>
+                <a:spcPts val="700"/>
+              </a:spcBef>
               <a:defRPr sz="1600"/>
             </a:lvl4pPr>
             <a:lvl5pPr>
+              <a:lnSpc>
+                <a:spcPct val="100000"/>
+              </a:lnSpc>
+              <a:spcBef>
+                <a:spcPts val="700"/>
+              </a:spcBef>
               <a:defRPr sz="1600"/>
             </a:lvl5pPr>
-            <a:lvl6pPr>
-              <a:defRPr sz="1600"/>
-            </a:lvl6pPr>
-            <a:lvl7pPr>
-              <a:defRPr sz="1600"/>
-            </a:lvl7pPr>
-            <a:lvl8pPr>
-              <a:defRPr sz="1600"/>
-            </a:lvl8pPr>
-            <a:lvl9pPr>
-              <a:defRPr sz="1600"/>
-            </a:lvl9pPr>
-          </a:lstStyle>
-          <a:p>
-            <a:pPr lvl="0"/>
+            <a:extLst/>
+          </a:lstStyle>
+          <a:p>
+            <a:pPr lvl="0" eaLnBrk="1" latinLnBrk="0" hangingPunct="1"/>
             <a:r>
               <a:rPr lang="zh-TW" altLang="en-US" smtClean="0"/>
               <a:t>按一下以編輯母片文字樣式</a:t>
             </a:r>
           </a:p>
           <a:p>
-            <a:pPr lvl="1"/>
+            <a:pPr lvl="1" eaLnBrk="1" latinLnBrk="0" hangingPunct="1"/>
             <a:r>
               <a:rPr lang="zh-TW" altLang="en-US" smtClean="0"/>
               <a:t>第二層</a:t>
             </a:r>
           </a:p>
           <a:p>
-            <a:pPr lvl="2"/>
+            <a:pPr lvl="2" eaLnBrk="1" latinLnBrk="0" hangingPunct="1"/>
             <a:r>
               <a:rPr lang="zh-TW" altLang="en-US" smtClean="0"/>
               <a:t>第三層</a:t>
             </a:r>
           </a:p>
           <a:p>
-            <a:pPr lvl="3"/>
+            <a:pPr lvl="3" eaLnBrk="1" latinLnBrk="0" hangingPunct="1"/>
             <a:r>
               <a:rPr lang="zh-TW" altLang="en-US" smtClean="0"/>
               <a:t>第四層</a:t>
             </a:r>
           </a:p>
           <a:p>
-            <a:pPr lvl="4"/>
+            <a:pPr lvl="4" eaLnBrk="1" latinLnBrk="0" hangingPunct="1"/>
             <a:r>
               <a:rPr lang="zh-TW" altLang="en-US" smtClean="0"/>
               <a:t>第五層</a:t>
             </a:r>
-            <a:endParaRPr lang="zh-TW" altLang="en-US"/>
+            <a:endParaRPr kumimoji="0" lang="en-US"/>
           </a:p>
         </p:txBody>
       </p:sp>
@@ -1727,11 +2156,14 @@
         <p:spPr/>
         <p:txBody>
           <a:bodyPr/>
-          <a:lstStyle/>
+          <a:lstStyle>
+            <a:extLst/>
+          </a:lstStyle>
           <a:p>
             <a:fld id="{5BBEAD13-0566-4C6C-97E7-55F17F24B09F}" type="datetimeFigureOut">
               <a:rPr lang="zh-TW" altLang="en-US" smtClean="0"/>
-              <a:t>2006/9/7</a:t>
+              <a:pPr/>
+              <a:t>2020/7/2</a:t>
             </a:fld>
             <a:endParaRPr lang="zh-TW" altLang="en-US"/>
           </a:p>
@@ -1750,7 +2182,9 @@
         <p:spPr/>
         <p:txBody>
           <a:bodyPr/>
-          <a:lstStyle/>
+          <a:lstStyle>
+            <a:extLst/>
+          </a:lstStyle>
           <a:p>
             <a:endParaRPr lang="zh-TW" altLang="en-US"/>
           </a:p>
@@ -1769,10 +2203,13 @@
         <p:spPr/>
         <p:txBody>
           <a:bodyPr/>
-          <a:lstStyle/>
+          <a:lstStyle>
+            <a:extLst/>
+          </a:lstStyle>
           <a:p>
             <a:fld id="{73DA0BB7-265A-403C-9275-D587AB510EDC}" type="slidenum">
               <a:rPr lang="zh-TW" altLang="en-US" smtClean="0"/>
+              <a:pPr/>
               <a:t>‹#›</a:t>
             </a:fld>
             <a:endParaRPr lang="zh-TW" altLang="en-US"/>
@@ -1814,37 +2251,47 @@
             <p:ph type="title"/>
           </p:nvPr>
         </p:nvSpPr>
+        <p:spPr>
+          <a:xfrm>
+            <a:off x="1435608" y="274320"/>
+            <a:ext cx="7498080" cy="1143000"/>
+          </a:xfrm>
+        </p:spPr>
+        <p:txBody>
+          <a:bodyPr anchor="ctr"/>
+          <a:lstStyle>
+            <a:extLst/>
+          </a:lstStyle>
+          <a:p>
+            <a:r>
+              <a:rPr kumimoji="0" lang="zh-TW" altLang="en-US" smtClean="0"/>
+              <a:t>按一下以編輯母片標題樣式</a:t>
+            </a:r>
+            <a:endParaRPr kumimoji="0" lang="en-US"/>
+          </a:p>
+        </p:txBody>
+      </p:sp>
+      <p:sp>
+        <p:nvSpPr>
+          <p:cNvPr id="3" name="日期版面配置區 2"/>
+          <p:cNvSpPr>
+            <a:spLocks noGrp="1"/>
+          </p:cNvSpPr>
+          <p:nvPr>
+            <p:ph type="dt" sz="half" idx="10"/>
+          </p:nvPr>
+        </p:nvSpPr>
         <p:spPr/>
         <p:txBody>
           <a:bodyPr/>
-          <a:lstStyle/>
-          <a:p>
-            <a:r>
-              <a:rPr lang="zh-TW" altLang="en-US" smtClean="0"/>
-              <a:t>按一下以編輯母片標題樣式</a:t>
-            </a:r>
-            <a:endParaRPr lang="zh-TW" altLang="en-US"/>
-          </a:p>
-        </p:txBody>
-      </p:sp>
-      <p:sp>
-        <p:nvSpPr>
-          <p:cNvPr id="3" name="日期版面配置區 2"/>
-          <p:cNvSpPr>
-            <a:spLocks noGrp="1"/>
-          </p:cNvSpPr>
-          <p:nvPr>
-            <p:ph type="dt" sz="half" idx="10"/>
-          </p:nvPr>
-        </p:nvSpPr>
-        <p:spPr/>
-        <p:txBody>
-          <a:bodyPr/>
-          <a:lstStyle/>
+          <a:lstStyle>
+            <a:extLst/>
+          </a:lstStyle>
           <a:p>
             <a:fld id="{5BBEAD13-0566-4C6C-97E7-55F17F24B09F}" type="datetimeFigureOut">
               <a:rPr lang="zh-TW" altLang="en-US" smtClean="0"/>
-              <a:t>2006/9/7</a:t>
+              <a:pPr/>
+              <a:t>2020/7/2</a:t>
             </a:fld>
             <a:endParaRPr lang="zh-TW" altLang="en-US"/>
           </a:p>
@@ -1863,7 +2310,9 @@
         <p:spPr/>
         <p:txBody>
           <a:bodyPr/>
-          <a:lstStyle/>
+          <a:lstStyle>
+            <a:extLst/>
+          </a:lstStyle>
           <a:p>
             <a:endParaRPr lang="zh-TW" altLang="en-US"/>
           </a:p>
@@ -1882,10 +2331,13 @@
         <p:spPr/>
         <p:txBody>
           <a:bodyPr/>
-          <a:lstStyle/>
+          <a:lstStyle>
+            <a:extLst/>
+          </a:lstStyle>
           <a:p>
             <a:fld id="{73DA0BB7-265A-403C-9275-D587AB510EDC}" type="slidenum">
               <a:rPr lang="zh-TW" altLang="en-US" smtClean="0"/>
+              <a:pPr/>
               <a:t>‹#›</a:t>
             </a:fld>
             <a:endParaRPr lang="zh-TW" altLang="en-US"/>
@@ -1901,7 +2353,7 @@
 </file>
 
 <file path=ppt/slideLayouts/slideLayout7.xml><?xml version="1.0" encoding="utf-8"?>
-<p:sldLayout xmlns:a="http://schemas.openxmlformats.org/drawingml/2006/main" xmlns:r="http://schemas.openxmlformats.org/officeDocument/2006/relationships" xmlns:p="http://schemas.openxmlformats.org/presentationml/2006/main" type="blank" preserve="1">
+<p:sldLayout xmlns:a="http://schemas.openxmlformats.org/drawingml/2006/main" xmlns:r="http://schemas.openxmlformats.org/officeDocument/2006/relationships" xmlns:p="http://schemas.openxmlformats.org/presentationml/2006/main" showMasterSp="0" type="blank" preserve="1">
   <p:cSld name="空白">
     <p:spTree>
       <p:nvGrpSpPr>
@@ -1919,6 +2371,54 @@
       </p:grpSpPr>
       <p:sp>
         <p:nvSpPr>
+          <p:cNvPr id="5" name="矩形 4"/>
+          <p:cNvSpPr/>
+          <p:nvPr/>
+        </p:nvSpPr>
+        <p:spPr>
+          <a:xfrm>
+            <a:off x="1014984" y="0"/>
+            <a:ext cx="8129016" cy="6858000"/>
+          </a:xfrm>
+          <a:prstGeom prst="rect">
+            <a:avLst/>
+          </a:prstGeom>
+          <a:solidFill>
+            <a:schemeClr val="bg1"/>
+          </a:solidFill>
+          <a:ln w="25400" cap="rnd" cmpd="sng" algn="ctr">
+            <a:noFill/>
+            <a:prstDash val="solid"/>
+          </a:ln>
+          <a:effectLst/>
+        </p:spPr>
+        <p:style>
+          <a:lnRef idx="3">
+            <a:schemeClr val="lt1"/>
+          </a:lnRef>
+          <a:fillRef idx="1">
+            <a:schemeClr val="accent1"/>
+          </a:fillRef>
+          <a:effectRef idx="1">
+            <a:schemeClr val="accent1"/>
+          </a:effectRef>
+          <a:fontRef idx="minor">
+            <a:schemeClr val="lt1"/>
+          </a:fontRef>
+        </p:style>
+        <p:txBody>
+          <a:bodyPr anchor="ctr"/>
+          <a:lstStyle>
+            <a:extLst/>
+          </a:lstStyle>
+          <a:p>
+            <a:pPr algn="ctr" eaLnBrk="1" latinLnBrk="0" hangingPunct="1"/>
+            <a:endParaRPr kumimoji="0" lang="en-US"/>
+          </a:p>
+        </p:txBody>
+      </p:sp>
+      <p:sp>
+        <p:nvSpPr>
           <p:cNvPr id="2" name="日期版面配置區 1"/>
           <p:cNvSpPr>
             <a:spLocks noGrp="1"/>
@@ -1930,11 +2430,14 @@
         <p:spPr/>
         <p:txBody>
           <a:bodyPr/>
-          <a:lstStyle/>
+          <a:lstStyle>
+            <a:extLst/>
+          </a:lstStyle>
           <a:p>
             <a:fld id="{5BBEAD13-0566-4C6C-97E7-55F17F24B09F}" type="datetimeFigureOut">
               <a:rPr lang="zh-TW" altLang="en-US" smtClean="0"/>
-              <a:t>2006/9/7</a:t>
+              <a:pPr/>
+              <a:t>2020/7/2</a:t>
             </a:fld>
             <a:endParaRPr lang="zh-TW" altLang="en-US"/>
           </a:p>
@@ -1953,7 +2456,9 @@
         <p:spPr/>
         <p:txBody>
           <a:bodyPr/>
-          <a:lstStyle/>
+          <a:lstStyle>
+            <a:extLst/>
+          </a:lstStyle>
           <a:p>
             <a:endParaRPr lang="zh-TW" altLang="en-US"/>
           </a:p>
@@ -1972,13 +2477,72 @@
         <p:spPr/>
         <p:txBody>
           <a:bodyPr/>
-          <a:lstStyle/>
+          <a:lstStyle>
+            <a:extLst/>
+          </a:lstStyle>
           <a:p>
             <a:fld id="{73DA0BB7-265A-403C-9275-D587AB510EDC}" type="slidenum">
               <a:rPr lang="zh-TW" altLang="en-US" smtClean="0"/>
+              <a:pPr/>
               <a:t>‹#›</a:t>
             </a:fld>
             <a:endParaRPr lang="zh-TW" altLang="en-US"/>
+          </a:p>
+        </p:txBody>
+      </p:sp>
+      <p:sp>
+        <p:nvSpPr>
+          <p:cNvPr id="6" name="矩形 5"/>
+          <p:cNvSpPr/>
+          <p:nvPr/>
+        </p:nvSpPr>
+        <p:spPr bwMode="invGray">
+          <a:xfrm>
+            <a:off x="1014984" y="-54"/>
+            <a:ext cx="73152" cy="6858054"/>
+          </a:xfrm>
+          <a:prstGeom prst="rect">
+            <a:avLst/>
+          </a:prstGeom>
+          <a:solidFill>
+            <a:schemeClr val="bg1"/>
+          </a:solidFill>
+          <a:ln w="25400" cap="rnd" cmpd="sng" algn="ctr">
+            <a:noFill/>
+            <a:prstDash val="solid"/>
+          </a:ln>
+          <a:effectLst>
+            <a:outerShdw blurRad="38550" dist="38000" dir="10800000" algn="tl" rotWithShape="0">
+              <a:schemeClr val="bg2">
+                <a:shade val="20000"/>
+                <a:satMod val="110000"/>
+                <a:alpha val="25000"/>
+              </a:schemeClr>
+            </a:outerShdw>
+          </a:effectLst>
+        </p:spPr>
+        <p:style>
+          <a:lnRef idx="3">
+            <a:schemeClr val="lt1"/>
+          </a:lnRef>
+          <a:fillRef idx="1">
+            <a:schemeClr val="accent1"/>
+          </a:fillRef>
+          <a:effectRef idx="1">
+            <a:schemeClr val="accent1"/>
+          </a:effectRef>
+          <a:fontRef idx="minor">
+            <a:schemeClr val="lt1"/>
+          </a:fontRef>
+        </p:style>
+        <p:txBody>
+          <a:bodyPr anchor="ctr"/>
+          <a:lstStyle>
+            <a:extLst/>
+          </a:lstStyle>
+          <a:p>
+            <a:pPr algn="ctr" eaLnBrk="1" latinLnBrk="0" hangingPunct="1"/>
+            <a:endParaRPr kumimoji="0" lang="en-US"/>
           </a:p>
         </p:txBody>
       </p:sp>
@@ -1991,7 +2555,7 @@
 </file>
 
 <file path=ppt/slideLayouts/slideLayout8.xml><?xml version="1.0" encoding="utf-8"?>
-<p:sldLayout xmlns:a="http://schemas.openxmlformats.org/drawingml/2006/main" xmlns:r="http://schemas.openxmlformats.org/officeDocument/2006/relationships" xmlns:p="http://schemas.openxmlformats.org/presentationml/2006/main" type="objTx" preserve="1">
+<p:sldLayout xmlns:a="http://schemas.openxmlformats.org/drawingml/2006/main" xmlns:r="http://schemas.openxmlformats.org/officeDocument/2006/relationships" xmlns:p="http://schemas.openxmlformats.org/presentationml/2006/main" showMasterSp="0" type="objTx" preserve="1">
   <p:cSld name="含標題的內容">
     <p:spTree>
       <p:nvGrpSpPr>
@@ -2019,40 +2583,104 @@
         </p:nvSpPr>
         <p:spPr>
           <a:xfrm>
-            <a:off x="457200" y="273050"/>
-            <a:ext cx="3008313" cy="1162050"/>
+            <a:off x="457200" y="216778"/>
+            <a:ext cx="3810000" cy="1162050"/>
+          </a:xfrm>
+          <a:ln>
+            <a:noFill/>
+          </a:ln>
+        </p:spPr>
+        <p:txBody>
+          <a:bodyPr anchor="b"/>
+          <a:lstStyle>
+            <a:lvl1pPr algn="l">
+              <a:lnSpc>
+                <a:spcPts val="2000"/>
+              </a:lnSpc>
+              <a:buNone/>
+              <a:defRPr sz="2200" b="1" cap="all" baseline="0"/>
+            </a:lvl1pPr>
+            <a:extLst/>
+          </a:lstStyle>
+          <a:p>
+            <a:r>
+              <a:rPr kumimoji="0" lang="zh-TW" altLang="en-US" smtClean="0"/>
+              <a:t>按一下以編輯母片標題樣式</a:t>
+            </a:r>
+            <a:endParaRPr kumimoji="0" lang="en-US"/>
+          </a:p>
+        </p:txBody>
+      </p:sp>
+      <p:sp>
+        <p:nvSpPr>
+          <p:cNvPr id="3" name="文字版面配置區 2"/>
+          <p:cNvSpPr>
+            <a:spLocks noGrp="1"/>
+          </p:cNvSpPr>
+          <p:nvPr>
+            <p:ph type="body" idx="2"/>
+          </p:nvPr>
+        </p:nvSpPr>
+        <p:spPr>
+          <a:xfrm>
+            <a:off x="457200" y="1406964"/>
+            <a:ext cx="3810000" cy="698500"/>
           </a:xfrm>
         </p:spPr>
         <p:txBody>
-          <a:bodyPr anchor="b"/>
-          <a:lstStyle>
-            <a:lvl1pPr algn="l">
-              <a:defRPr sz="2000" b="1"/>
+          <a:bodyPr/>
+          <a:lstStyle>
+            <a:lvl1pPr marL="45720" indent="0">
+              <a:lnSpc>
+                <a:spcPct val="100000"/>
+              </a:lnSpc>
+              <a:spcBef>
+                <a:spcPts val="0"/>
+              </a:spcBef>
+              <a:buNone/>
+              <a:defRPr sz="1400"/>
             </a:lvl1pPr>
-          </a:lstStyle>
-          <a:p>
-            <a:r>
-              <a:rPr lang="zh-TW" altLang="en-US" smtClean="0"/>
-              <a:t>按一下以編輯母片標題樣式</a:t>
-            </a:r>
-            <a:endParaRPr lang="zh-TW" altLang="en-US"/>
-          </a:p>
-        </p:txBody>
-      </p:sp>
-      <p:sp>
-        <p:nvSpPr>
-          <p:cNvPr id="3" name="內容版面配置區 2"/>
-          <p:cNvSpPr>
-            <a:spLocks noGrp="1"/>
-          </p:cNvSpPr>
-          <p:nvPr>
-            <p:ph idx="1"/>
+            <a:lvl2pPr>
+              <a:buNone/>
+              <a:defRPr sz="1200"/>
+            </a:lvl2pPr>
+            <a:lvl3pPr>
+              <a:buNone/>
+              <a:defRPr sz="1000"/>
+            </a:lvl3pPr>
+            <a:lvl4pPr>
+              <a:buNone/>
+              <a:defRPr sz="900"/>
+            </a:lvl4pPr>
+            <a:lvl5pPr>
+              <a:buNone/>
+              <a:defRPr sz="900"/>
+            </a:lvl5pPr>
+            <a:extLst/>
+          </a:lstStyle>
+          <a:p>
+            <a:pPr lvl="0" eaLnBrk="1" latinLnBrk="0" hangingPunct="1"/>
+            <a:r>
+              <a:rPr kumimoji="0" lang="zh-TW" altLang="en-US" smtClean="0"/>
+              <a:t>按一下以編輯母片文字樣式</a:t>
+            </a:r>
+          </a:p>
+        </p:txBody>
+      </p:sp>
+      <p:sp>
+        <p:nvSpPr>
+          <p:cNvPr id="4" name="內容版面配置區 3"/>
+          <p:cNvSpPr>
+            <a:spLocks noGrp="1"/>
+          </p:cNvSpPr>
+          <p:nvPr>
+            <p:ph sz="half" idx="1"/>
           </p:nvPr>
         </p:nvSpPr>
         <p:spPr>
           <a:xfrm>
-            <a:off x="3575050" y="273050"/>
-            <a:ext cx="5111750" cy="5853113"/>
+            <a:off x="457200" y="2133600"/>
+            <a:ext cx="8153400" cy="3992563"/>
           </a:xfrm>
         </p:spPr>
         <p:txBody>
@@ -2073,140 +2701,67 @@
             <a:lvl5pPr>
               <a:defRPr sz="2000"/>
             </a:lvl5pPr>
-            <a:lvl6pPr>
-              <a:defRPr sz="2000"/>
-            </a:lvl6pPr>
-            <a:lvl7pPr>
-              <a:defRPr sz="2000"/>
-            </a:lvl7pPr>
-            <a:lvl8pPr>
-              <a:defRPr sz="2000"/>
-            </a:lvl8pPr>
-            <a:lvl9pPr>
-              <a:defRPr sz="2000"/>
-            </a:lvl9pPr>
-          </a:lstStyle>
-          <a:p>
-            <a:pPr lvl="0"/>
+            <a:extLst/>
+          </a:lstStyle>
+          <a:p>
+            <a:pPr lvl="0" eaLnBrk="1" latinLnBrk="0" hangingPunct="1"/>
             <a:r>
               <a:rPr lang="zh-TW" altLang="en-US" smtClean="0"/>
               <a:t>按一下以編輯母片文字樣式</a:t>
             </a:r>
           </a:p>
           <a:p>
-            <a:pPr lvl="1"/>
+            <a:pPr lvl="1" eaLnBrk="1" latinLnBrk="0" hangingPunct="1"/>
             <a:r>
               <a:rPr lang="zh-TW" altLang="en-US" smtClean="0"/>
               <a:t>第二層</a:t>
             </a:r>
           </a:p>
           <a:p>
-            <a:pPr lvl="2"/>
+            <a:pPr lvl="2" eaLnBrk="1" latinLnBrk="0" hangingPunct="1"/>
             <a:r>
               <a:rPr lang="zh-TW" altLang="en-US" smtClean="0"/>
               <a:t>第三層</a:t>
             </a:r>
           </a:p>
           <a:p>
-            <a:pPr lvl="3"/>
+            <a:pPr lvl="3" eaLnBrk="1" latinLnBrk="0" hangingPunct="1"/>
             <a:r>
               <a:rPr lang="zh-TW" altLang="en-US" smtClean="0"/>
               <a:t>第四層</a:t>
             </a:r>
           </a:p>
           <a:p>
-            <a:pPr lvl="4"/>
+            <a:pPr lvl="4" eaLnBrk="1" latinLnBrk="0" hangingPunct="1"/>
             <a:r>
               <a:rPr lang="zh-TW" altLang="en-US" smtClean="0"/>
               <a:t>第五層</a:t>
             </a:r>
-            <a:endParaRPr lang="zh-TW" altLang="en-US"/>
-          </a:p>
-        </p:txBody>
-      </p:sp>
-      <p:sp>
-        <p:nvSpPr>
-          <p:cNvPr id="4" name="文字版面配置區 3"/>
-          <p:cNvSpPr>
-            <a:spLocks noGrp="1"/>
-          </p:cNvSpPr>
-          <p:nvPr>
-            <p:ph type="body" sz="half" idx="2"/>
-          </p:nvPr>
-        </p:nvSpPr>
-        <p:spPr>
-          <a:xfrm>
-            <a:off x="457200" y="1435100"/>
-            <a:ext cx="3008313" cy="4691063"/>
-          </a:xfrm>
-        </p:spPr>
+            <a:endParaRPr kumimoji="0" lang="en-US"/>
+          </a:p>
+        </p:txBody>
+      </p:sp>
+      <p:sp>
+        <p:nvSpPr>
+          <p:cNvPr id="5" name="日期版面配置區 4"/>
+          <p:cNvSpPr>
+            <a:spLocks noGrp="1"/>
+          </p:cNvSpPr>
+          <p:nvPr>
+            <p:ph type="dt" sz="half" idx="10"/>
+          </p:nvPr>
+        </p:nvSpPr>
+        <p:spPr/>
         <p:txBody>
           <a:bodyPr/>
           <a:lstStyle>
-            <a:lvl1pPr marL="0" indent="0">
-              <a:buNone/>
-              <a:defRPr sz="1400"/>
-            </a:lvl1pPr>
-            <a:lvl2pPr marL="457200" indent="0">
-              <a:buNone/>
-              <a:defRPr sz="1200"/>
-            </a:lvl2pPr>
-            <a:lvl3pPr marL="914400" indent="0">
-              <a:buNone/>
-              <a:defRPr sz="1000"/>
-            </a:lvl3pPr>
-            <a:lvl4pPr marL="1371600" indent="0">
-              <a:buNone/>
-              <a:defRPr sz="900"/>
-            </a:lvl4pPr>
-            <a:lvl5pPr marL="1828800" indent="0">
-              <a:buNone/>
-              <a:defRPr sz="900"/>
-            </a:lvl5pPr>
-            <a:lvl6pPr marL="2286000" indent="0">
-              <a:buNone/>
-              <a:defRPr sz="900"/>
-            </a:lvl6pPr>
-            <a:lvl7pPr marL="2743200" indent="0">
-              <a:buNone/>
-              <a:defRPr sz="900"/>
-            </a:lvl7pPr>
-            <a:lvl8pPr marL="3200400" indent="0">
-              <a:buNone/>
-              <a:defRPr sz="900"/>
-            </a:lvl8pPr>
-            <a:lvl9pPr marL="3657600" indent="0">
-              <a:buNone/>
-              <a:defRPr sz="900"/>
-            </a:lvl9pPr>
-          </a:lstStyle>
-          <a:p>
-            <a:pPr lvl="0"/>
-            <a:r>
-              <a:rPr lang="zh-TW" altLang="en-US" smtClean="0"/>
-              <a:t>按一下以編輯母片文字樣式</a:t>
-            </a:r>
-          </a:p>
-        </p:txBody>
-      </p:sp>
-      <p:sp>
-        <p:nvSpPr>
-          <p:cNvPr id="5" name="日期版面配置區 4"/>
-          <p:cNvSpPr>
-            <a:spLocks noGrp="1"/>
-          </p:cNvSpPr>
-          <p:nvPr>
-            <p:ph type="dt" sz="half" idx="10"/>
-          </p:nvPr>
-        </p:nvSpPr>
-        <p:spPr/>
-        <p:txBody>
-          <a:bodyPr/>
-          <a:lstStyle/>
+            <a:extLst/>
+          </a:lstStyle>
           <a:p>
             <a:fld id="{5BBEAD13-0566-4C6C-97E7-55F17F24B09F}" type="datetimeFigureOut">
               <a:rPr lang="zh-TW" altLang="en-US" smtClean="0"/>
-              <a:t>2006/9/7</a:t>
+              <a:pPr/>
+              <a:t>2020/7/2</a:t>
             </a:fld>
             <a:endParaRPr lang="zh-TW" altLang="en-US"/>
           </a:p>
@@ -2225,7 +2780,9 @@
         <p:spPr/>
         <p:txBody>
           <a:bodyPr/>
-          <a:lstStyle/>
+          <a:lstStyle>
+            <a:extLst/>
+          </a:lstStyle>
           <a:p>
             <a:endParaRPr lang="zh-TW" altLang="en-US"/>
           </a:p>
@@ -2244,10 +2801,13 @@
         <p:spPr/>
         <p:txBody>
           <a:bodyPr/>
-          <a:lstStyle/>
+          <a:lstStyle>
+            <a:extLst/>
+          </a:lstStyle>
           <a:p>
             <a:fld id="{73DA0BB7-265A-403C-9275-D587AB510EDC}" type="slidenum">
               <a:rPr lang="zh-TW" altLang="en-US" smtClean="0"/>
+              <a:pPr/>
               <a:t>‹#›</a:t>
             </a:fld>
             <a:endParaRPr lang="zh-TW" altLang="en-US"/>
@@ -2263,7 +2823,7 @@
 </file>
 
 <file path=ppt/slideLayouts/slideLayout9.xml><?xml version="1.0" encoding="utf-8"?>
-<p:sldLayout xmlns:a="http://schemas.openxmlformats.org/drawingml/2006/main" xmlns:r="http://schemas.openxmlformats.org/officeDocument/2006/relationships" xmlns:p="http://schemas.openxmlformats.org/presentationml/2006/main" type="picTx" preserve="1">
+<p:sldLayout xmlns:a="http://schemas.openxmlformats.org/drawingml/2006/main" xmlns:r="http://schemas.openxmlformats.org/officeDocument/2006/relationships" xmlns:p="http://schemas.openxmlformats.org/presentationml/2006/main" showMasterSp="0" type="picTx" preserve="1">
   <p:cSld name="含標題的圖片">
     <p:spTree>
       <p:nvGrpSpPr>
@@ -2291,84 +2851,348 @@
         </p:nvSpPr>
         <p:spPr>
           <a:xfrm>
-            <a:off x="1792288" y="4800600"/>
-            <a:ext cx="5486400" cy="566738"/>
+            <a:off x="5886896" y="1066800"/>
+            <a:ext cx="2743200" cy="1981200"/>
           </a:xfrm>
         </p:spPr>
         <p:txBody>
-          <a:bodyPr anchor="b"/>
+          <a:bodyPr anchor="b">
+            <a:noAutofit/>
+          </a:bodyPr>
           <a:lstStyle>
             <a:lvl1pPr algn="l">
-              <a:defRPr sz="2000" b="1"/>
+              <a:buNone/>
+              <a:defRPr sz="2100" b="1">
+                <a:effectLst/>
+              </a:defRPr>
             </a:lvl1pPr>
-          </a:lstStyle>
-          <a:p>
-            <a:r>
-              <a:rPr lang="zh-TW" altLang="en-US" smtClean="0"/>
+            <a:extLst/>
+          </a:lstStyle>
+          <a:p>
+            <a:r>
+              <a:rPr kumimoji="0" lang="zh-TW" altLang="en-US" smtClean="0"/>
               <a:t>按一下以編輯母片標題樣式</a:t>
             </a:r>
+            <a:endParaRPr kumimoji="0" lang="en-US"/>
+          </a:p>
+        </p:txBody>
+      </p:sp>
+      <p:sp>
+        <p:nvSpPr>
+          <p:cNvPr id="5" name="日期版面配置區 4"/>
+          <p:cNvSpPr>
+            <a:spLocks noGrp="1"/>
+          </p:cNvSpPr>
+          <p:nvPr>
+            <p:ph type="dt" sz="half" idx="10"/>
+          </p:nvPr>
+        </p:nvSpPr>
+        <p:spPr/>
+        <p:txBody>
+          <a:bodyPr/>
+          <a:lstStyle>
+            <a:extLst/>
+          </a:lstStyle>
+          <a:p>
+            <a:fld id="{5BBEAD13-0566-4C6C-97E7-55F17F24B09F}" type="datetimeFigureOut">
+              <a:rPr lang="zh-TW" altLang="en-US" smtClean="0"/>
+              <a:pPr/>
+              <a:t>2020/7/2</a:t>
+            </a:fld>
             <a:endParaRPr lang="zh-TW" altLang="en-US"/>
           </a:p>
         </p:txBody>
       </p:sp>
       <p:sp>
         <p:nvSpPr>
-          <p:cNvPr id="3" name="圖片版面配置區 2"/>
-          <p:cNvSpPr>
-            <a:spLocks noGrp="1"/>
-          </p:cNvSpPr>
-          <p:nvPr>
-            <p:ph type="pic" idx="1"/>
-          </p:nvPr>
+          <p:cNvPr id="6" name="頁尾版面配置區 5"/>
+          <p:cNvSpPr>
+            <a:spLocks noGrp="1"/>
+          </p:cNvSpPr>
+          <p:nvPr>
+            <p:ph type="ftr" sz="quarter" idx="11"/>
+          </p:nvPr>
+        </p:nvSpPr>
+        <p:spPr/>
+        <p:txBody>
+          <a:bodyPr/>
+          <a:lstStyle>
+            <a:extLst/>
+          </a:lstStyle>
+          <a:p>
+            <a:endParaRPr lang="zh-TW" altLang="en-US"/>
+          </a:p>
+        </p:txBody>
+      </p:sp>
+      <p:sp>
+        <p:nvSpPr>
+          <p:cNvPr id="7" name="投影片編號版面配置區 6"/>
+          <p:cNvSpPr>
+            <a:spLocks noGrp="1"/>
+          </p:cNvSpPr>
+          <p:nvPr>
+            <p:ph type="sldNum" sz="quarter" idx="12"/>
+          </p:nvPr>
+        </p:nvSpPr>
+        <p:spPr/>
+        <p:txBody>
+          <a:bodyPr/>
+          <a:lstStyle>
+            <a:extLst/>
+          </a:lstStyle>
+          <a:p>
+            <a:fld id="{73DA0BB7-265A-403C-9275-D587AB510EDC}" type="slidenum">
+              <a:rPr lang="zh-TW" altLang="en-US" smtClean="0"/>
+              <a:pPr/>
+              <a:t>‹#›</a:t>
+            </a:fld>
+            <a:endParaRPr lang="zh-TW" altLang="en-US"/>
+          </a:p>
+        </p:txBody>
+      </p:sp>
+      <p:sp>
+        <p:nvSpPr>
+          <p:cNvPr id="8" name="矩形 7"/>
+          <p:cNvSpPr/>
+          <p:nvPr/>
         </p:nvSpPr>
         <p:spPr>
           <a:xfrm>
-            <a:off x="1792288" y="612775"/>
-            <a:ext cx="5486400" cy="4114800"/>
+            <a:off x="762000" y="1066800"/>
+            <a:ext cx="4572000" cy="4572000"/>
           </a:xfrm>
+          <a:prstGeom prst="rect">
+            <a:avLst/>
+          </a:prstGeom>
+          <a:solidFill>
+            <a:srgbClr val="FFFFFF"/>
+          </a:solidFill>
+          <a:ln w="88900" cap="sq">
+            <a:solidFill>
+              <a:srgbClr val="FFFFFF"/>
+            </a:solidFill>
+            <a:miter lim="800000"/>
+          </a:ln>
+          <a:effectLst>
+            <a:outerShdw blurRad="55500" dist="18500" dir="5400000" algn="tl" rotWithShape="0">
+              <a:srgbClr val="000000">
+                <a:alpha val="35000"/>
+              </a:srgbClr>
+            </a:outerShdw>
+          </a:effectLst>
+          <a:scene3d>
+            <a:camera prst="orthographicFront"/>
+            <a:lightRig rig="twoPt" dir="t">
+              <a:rot lat="0" lon="0" rev="7200000"/>
+            </a:lightRig>
+          </a:scene3d>
+          <a:sp3d contourW="635">
+            <a:bevelT w="25400" h="19050"/>
+            <a:contourClr>
+              <a:srgbClr val="969696"/>
+            </a:contourClr>
+          </a:sp3d>
         </p:spPr>
         <p:txBody>
-          <a:bodyPr/>
-          <a:lstStyle>
-            <a:lvl1pPr marL="0" indent="0">
+          <a:bodyPr lIns="91440" tIns="274320" rtlCol="0" anchor="t">
+            <a:normAutofit/>
+          </a:bodyPr>
+          <a:lstStyle>
+            <a:extLst/>
+          </a:lstStyle>
+          <a:p>
+            <a:pPr marL="0" indent="-283464" algn="l" rtl="0" eaLnBrk="1" latinLnBrk="0" hangingPunct="1">
+              <a:lnSpc>
+                <a:spcPts val="3000"/>
+              </a:lnSpc>
+              <a:spcBef>
+                <a:spcPts val="600"/>
+              </a:spcBef>
+              <a:buClr>
+                <a:schemeClr val="accent1"/>
+              </a:buClr>
+              <a:buSzPct val="80000"/>
+              <a:buFont typeface="Wingdings 2"/>
+              <a:buNone/>
+            </a:pPr>
+            <a:endParaRPr kumimoji="0" lang="en-US" sz="3200" kern="1200">
+              <a:solidFill>
+                <a:schemeClr val="tx1"/>
+              </a:solidFill>
+              <a:latin typeface="+mn-lt"/>
+              <a:ea typeface="+mn-ea"/>
+              <a:cs typeface="+mn-cs"/>
+            </a:endParaRPr>
+          </a:p>
+        </p:txBody>
+      </p:sp>
+      <p:sp>
+        <p:nvSpPr>
+          <p:cNvPr id="3" name="圖片版面配置區 2"/>
+          <p:cNvSpPr>
+            <a:spLocks noGrp="1"/>
+          </p:cNvSpPr>
+          <p:nvPr>
+            <p:ph type="pic" idx="1"/>
+          </p:nvPr>
+        </p:nvSpPr>
+        <p:spPr>
+          <a:xfrm>
+            <a:off x="838200" y="1143003"/>
+            <a:ext cx="4419600" cy="3514531"/>
+          </a:xfrm>
+          <a:prstGeom prst="roundRect">
+            <a:avLst>
+              <a:gd name="adj" fmla="val 783"/>
+            </a:avLst>
+          </a:prstGeom>
+          <a:solidFill>
+            <a:schemeClr val="bg2"/>
+          </a:solidFill>
+          <a:ln w="127000">
+            <a:noFill/>
+            <a:miter lim="800000"/>
+          </a:ln>
+          <a:effectLst/>
+        </p:spPr>
+        <p:txBody>
+          <a:bodyPr lIns="91440" tIns="274320" anchor="t"/>
+          <a:lstStyle>
+            <a:lvl1pPr indent="0">
               <a:buNone/>
               <a:defRPr sz="3200"/>
             </a:lvl1pPr>
-            <a:lvl2pPr marL="457200" indent="0">
-              <a:buNone/>
-              <a:defRPr sz="2800"/>
-            </a:lvl2pPr>
-            <a:lvl3pPr marL="914400" indent="0">
-              <a:buNone/>
-              <a:defRPr sz="2400"/>
-            </a:lvl3pPr>
-            <a:lvl4pPr marL="1371600" indent="0">
-              <a:buNone/>
-              <a:defRPr sz="2000"/>
-            </a:lvl4pPr>
-            <a:lvl5pPr marL="1828800" indent="0">
-              <a:buNone/>
-              <a:defRPr sz="2000"/>
-            </a:lvl5pPr>
-            <a:lvl6pPr marL="2286000" indent="0">
-              <a:buNone/>
-              <a:defRPr sz="2000"/>
-            </a:lvl6pPr>
-            <a:lvl7pPr marL="2743200" indent="0">
-              <a:buNone/>
-              <a:defRPr sz="2000"/>
-            </a:lvl7pPr>
-            <a:lvl8pPr marL="3200400" indent="0">
-              <a:buNone/>
-              <a:defRPr sz="2000"/>
-            </a:lvl8pPr>
-            <a:lvl9pPr marL="3657600" indent="0">
-              <a:buNone/>
-              <a:defRPr sz="2000"/>
-            </a:lvl9pPr>
-          </a:lstStyle>
-          <a:p>
-            <a:endParaRPr lang="zh-TW" altLang="en-US"/>
+            <a:extLst/>
+          </a:lstStyle>
+          <a:p>
+            <a:pPr marL="0" algn="l" eaLnBrk="1" latinLnBrk="0" hangingPunct="1"/>
+            <a:r>
+              <a:rPr kumimoji="0" lang="zh-TW" altLang="en-US" smtClean="0"/>
+              <a:t>按一下圖示以新增圖片</a:t>
+            </a:r>
+            <a:endParaRPr kumimoji="0" lang="en-US" dirty="0"/>
+          </a:p>
+        </p:txBody>
+      </p:sp>
+      <p:sp>
+        <p:nvSpPr>
+          <p:cNvPr id="9" name="流程圖: 程序 8"/>
+          <p:cNvSpPr/>
+          <p:nvPr/>
+        </p:nvSpPr>
+        <p:spPr>
+          <a:xfrm rot="19468671">
+            <a:off x="396725" y="954341"/>
+            <a:ext cx="685800" cy="204310"/>
+          </a:xfrm>
+          <a:prstGeom prst="flowChartProcess">
+            <a:avLst/>
+          </a:prstGeom>
+          <a:solidFill>
+            <a:srgbClr val="FBFBFB">
+              <a:alpha val="45098"/>
+            </a:srgbClr>
+          </a:solidFill>
+          <a:ln w="6350" cap="rnd" cmpd="sng" algn="ctr">
+            <a:solidFill>
+              <a:srgbClr val="FFFFFF">
+                <a:alpha val="100000"/>
+              </a:srgbClr>
+            </a:solidFill>
+            <a:prstDash val="solid"/>
+          </a:ln>
+          <a:effectLst>
+            <a:outerShdw blurRad="25400" dist="25400" dir="3300000" sx="96000" sy="96000" algn="tl" rotWithShape="0">
+              <a:schemeClr val="bg2">
+                <a:shade val="90000"/>
+                <a:satMod val="200000"/>
+                <a:alpha val="40000"/>
+              </a:schemeClr>
+            </a:outerShdw>
+          </a:effectLst>
+        </p:spPr>
+        <p:style>
+          <a:lnRef idx="3">
+            <a:schemeClr val="lt1"/>
+          </a:lnRef>
+          <a:fillRef idx="1">
+            <a:schemeClr val="accent1"/>
+          </a:fillRef>
+          <a:effectRef idx="1">
+            <a:schemeClr val="accent1"/>
+          </a:effectRef>
+          <a:fontRef idx="minor">
+            <a:schemeClr val="lt1"/>
+          </a:fontRef>
+        </p:style>
+        <p:txBody>
+          <a:bodyPr anchor="ctr"/>
+          <a:lstStyle>
+            <a:extLst/>
+          </a:lstStyle>
+          <a:p>
+            <a:pPr algn="ctr" eaLnBrk="1" latinLnBrk="0" hangingPunct="1"/>
+            <a:endParaRPr kumimoji="0" lang="en-US"/>
+          </a:p>
+        </p:txBody>
+      </p:sp>
+      <p:sp>
+        <p:nvSpPr>
+          <p:cNvPr id="10" name="流程圖: 程序 9"/>
+          <p:cNvSpPr/>
+          <p:nvPr/>
+        </p:nvSpPr>
+        <p:spPr>
+          <a:xfrm rot="2103354" flipH="1">
+            <a:off x="5003667" y="936786"/>
+            <a:ext cx="649224" cy="204310"/>
+          </a:xfrm>
+          <a:prstGeom prst="flowChartProcess">
+            <a:avLst/>
+          </a:prstGeom>
+          <a:solidFill>
+            <a:srgbClr val="FBFBFB">
+              <a:alpha val="45098"/>
+            </a:srgbClr>
+          </a:solidFill>
+          <a:ln w="6350" cap="rnd" cmpd="sng" algn="ctr">
+            <a:solidFill>
+              <a:srgbClr val="FFFFFF">
+                <a:alpha val="100000"/>
+              </a:srgbClr>
+            </a:solidFill>
+            <a:prstDash val="solid"/>
+          </a:ln>
+          <a:effectLst>
+            <a:outerShdw blurRad="25400" dist="25400" dir="3300000" sx="96000" sy="96000" algn="tl" rotWithShape="0">
+              <a:schemeClr val="bg2">
+                <a:alpha val="20000"/>
+              </a:schemeClr>
+            </a:outerShdw>
+          </a:effectLst>
+        </p:spPr>
+        <p:style>
+          <a:lnRef idx="3">
+            <a:schemeClr val="lt1"/>
+          </a:lnRef>
+          <a:fillRef idx="1">
+            <a:schemeClr val="accent1"/>
+          </a:fillRef>
+          <a:effectRef idx="1">
+            <a:schemeClr val="accent1"/>
+          </a:effectRef>
+          <a:fontRef idx="minor">
+            <a:schemeClr val="lt1"/>
+          </a:fontRef>
+        </p:style>
+        <p:txBody>
+          <a:bodyPr anchor="ctr"/>
+          <a:lstStyle>
+            <a:extLst/>
+          </a:lstStyle>
+          <a:p>
+            <a:pPr algn="ctr" eaLnBrk="1" latinLnBrk="0" hangingPunct="1"/>
+            <a:endParaRPr kumimoji="0" lang="en-US" dirty="0"/>
           </a:p>
         </p:txBody>
       </p:sp>
@@ -2384,121 +3208,47 @@
         </p:nvSpPr>
         <p:spPr>
           <a:xfrm>
-            <a:off x="1792288" y="5367338"/>
-            <a:ext cx="5486400" cy="804862"/>
+            <a:off x="838200" y="4800600"/>
+            <a:ext cx="4419600" cy="762000"/>
           </a:xfrm>
         </p:spPr>
         <p:txBody>
-          <a:bodyPr/>
-          <a:lstStyle>
-            <a:lvl1pPr marL="0" indent="0">
+          <a:bodyPr anchor="ctr"/>
+          <a:lstStyle>
+            <a:lvl1pPr marL="0" indent="0" algn="l">
+              <a:lnSpc>
+                <a:spcPts val="1600"/>
+              </a:lnSpc>
+              <a:spcBef>
+                <a:spcPts val="0"/>
+              </a:spcBef>
               <a:buNone/>
-              <a:defRPr sz="1400"/>
+              <a:defRPr sz="1400">
+                <a:solidFill>
+                  <a:srgbClr val="777777"/>
+                </a:solidFill>
+              </a:defRPr>
             </a:lvl1pPr>
-            <a:lvl2pPr marL="457200" indent="0">
-              <a:buNone/>
+            <a:lvl2pPr>
               <a:defRPr sz="1200"/>
             </a:lvl2pPr>
-            <a:lvl3pPr marL="914400" indent="0">
-              <a:buNone/>
+            <a:lvl3pPr>
               <a:defRPr sz="1000"/>
             </a:lvl3pPr>
-            <a:lvl4pPr marL="1371600" indent="0">
-              <a:buNone/>
+            <a:lvl4pPr>
               <a:defRPr sz="900"/>
             </a:lvl4pPr>
-            <a:lvl5pPr marL="1828800" indent="0">
-              <a:buNone/>
+            <a:lvl5pPr>
               <a:defRPr sz="900"/>
             </a:lvl5pPr>
-            <a:lvl6pPr marL="2286000" indent="0">
-              <a:buNone/>
-              <a:defRPr sz="900"/>
-            </a:lvl6pPr>
-            <a:lvl7pPr marL="2743200" indent="0">
-              <a:buNone/>
-              <a:defRPr sz="900"/>
-            </a:lvl7pPr>
-            <a:lvl8pPr marL="3200400" indent="0">
-              <a:buNone/>
-              <a:defRPr sz="900"/>
-            </a:lvl8pPr>
-            <a:lvl9pPr marL="3657600" indent="0">
-              <a:buNone/>
-              <a:defRPr sz="900"/>
-            </a:lvl9pPr>
-          </a:lstStyle>
-          <a:p>
-            <a:pPr lvl="0"/>
-            <a:r>
-              <a:rPr lang="zh-TW" altLang="en-US" smtClean="0"/>
+            <a:extLst/>
+          </a:lstStyle>
+          <a:p>
+            <a:pPr lvl="0" eaLnBrk="1" latinLnBrk="0" hangingPunct="1"/>
+            <a:r>
+              <a:rPr kumimoji="0" lang="zh-TW" altLang="en-US" smtClean="0"/>
               <a:t>按一下以編輯母片文字樣式</a:t>
             </a:r>
-          </a:p>
-        </p:txBody>
-      </p:sp>
-      <p:sp>
-        <p:nvSpPr>
-          <p:cNvPr id="5" name="日期版面配置區 4"/>
-          <p:cNvSpPr>
-            <a:spLocks noGrp="1"/>
-          </p:cNvSpPr>
-          <p:nvPr>
-            <p:ph type="dt" sz="half" idx="10"/>
-          </p:nvPr>
-        </p:nvSpPr>
-        <p:spPr/>
-        <p:txBody>
-          <a:bodyPr/>
-          <a:lstStyle/>
-          <a:p>
-            <a:fld id="{5BBEAD13-0566-4C6C-97E7-55F17F24B09F}" type="datetimeFigureOut">
-              <a:rPr lang="zh-TW" altLang="en-US" smtClean="0"/>
-              <a:t>2006/9/7</a:t>
-            </a:fld>
-            <a:endParaRPr lang="zh-TW" altLang="en-US"/>
-          </a:p>
-        </p:txBody>
-      </p:sp>
-      <p:sp>
-        <p:nvSpPr>
-          <p:cNvPr id="6" name="頁尾版面配置區 5"/>
-          <p:cNvSpPr>
-            <a:spLocks noGrp="1"/>
-          </p:cNvSpPr>
-          <p:nvPr>
-            <p:ph type="ftr" sz="quarter" idx="11"/>
-          </p:nvPr>
-        </p:nvSpPr>
-        <p:spPr/>
-        <p:txBody>
-          <a:bodyPr/>
-          <a:lstStyle/>
-          <a:p>
-            <a:endParaRPr lang="zh-TW" altLang="en-US"/>
-          </a:p>
-        </p:txBody>
-      </p:sp>
-      <p:sp>
-        <p:nvSpPr>
-          <p:cNvPr id="7" name="投影片編號版面配置區 6"/>
-          <p:cNvSpPr>
-            <a:spLocks noGrp="1"/>
-          </p:cNvSpPr>
-          <p:nvPr>
-            <p:ph type="sldNum" sz="quarter" idx="12"/>
-          </p:nvPr>
-        </p:nvSpPr>
-        <p:spPr/>
-        <p:txBody>
-          <a:bodyPr/>
-          <a:lstStyle/>
-          <a:p>
-            <a:fld id="{73DA0BB7-265A-403C-9275-D587AB510EDC}" type="slidenum">
-              <a:rPr lang="zh-TW" altLang="en-US" smtClean="0"/>
-              <a:t>‹#›</a:t>
-            </a:fld>
-            <a:endParaRPr lang="zh-TW" altLang="en-US"/>
           </a:p>
         </p:txBody>
       </p:sp>
@@ -2514,8 +3264,8 @@
 <p:sldMaster xmlns:a="http://schemas.openxmlformats.org/drawingml/2006/main" xmlns:r="http://schemas.openxmlformats.org/officeDocument/2006/relationships" xmlns:p="http://schemas.openxmlformats.org/presentationml/2006/main">
   <p:cSld>
     <p:bg>
-      <p:bgRef idx="1001">
-        <a:schemeClr val="bg1"/>
+      <p:bgRef idx="1003">
+        <a:schemeClr val="bg2"/>
       </p:bgRef>
     </p:bg>
     <p:spTree>
@@ -2534,40 +3284,303 @@
       </p:grpSpPr>
       <p:sp>
         <p:nvSpPr>
-          <p:cNvPr id="2" name="標題版面配置區 1"/>
-          <p:cNvSpPr>
-            <a:spLocks noGrp="1"/>
-          </p:cNvSpPr>
-          <p:nvPr>
-            <p:ph type="title"/>
-          </p:nvPr>
+          <p:cNvPr id="7" name="圓形圖 6"/>
+          <p:cNvSpPr/>
+          <p:nvPr/>
         </p:nvSpPr>
         <p:spPr>
           <a:xfrm>
-            <a:off x="457200" y="274638"/>
-            <a:ext cx="8229600" cy="1143000"/>
+            <a:off x="-815927" y="-815922"/>
+            <a:ext cx="1638887" cy="1638887"/>
+          </a:xfrm>
+          <a:prstGeom prst="pie">
+            <a:avLst>
+              <a:gd name="adj1" fmla="val 0"/>
+              <a:gd name="adj2" fmla="val 5402120"/>
+            </a:avLst>
+          </a:prstGeom>
+          <a:solidFill>
+            <a:schemeClr val="bg2">
+              <a:tint val="18000"/>
+              <a:satMod val="220000"/>
+              <a:alpha val="33000"/>
+            </a:schemeClr>
+          </a:solidFill>
+          <a:ln w="3175" cap="rnd" cmpd="sng" algn="ctr">
+            <a:solidFill>
+              <a:schemeClr val="bg2">
+                <a:shade val="70000"/>
+                <a:satMod val="200000"/>
+                <a:alpha val="100000"/>
+              </a:schemeClr>
+            </a:solidFill>
+            <a:prstDash val="solid"/>
+          </a:ln>
+          <a:effectLst/>
+        </p:spPr>
+        <p:style>
+          <a:lnRef idx="3">
+            <a:schemeClr val="lt1"/>
+          </a:lnRef>
+          <a:fillRef idx="1">
+            <a:schemeClr val="accent1"/>
+          </a:fillRef>
+          <a:effectRef idx="1">
+            <a:schemeClr val="accent1"/>
+          </a:effectRef>
+          <a:fontRef idx="minor">
+            <a:schemeClr val="lt1"/>
+          </a:fontRef>
+        </p:style>
+        <p:txBody>
+          <a:bodyPr anchor="ctr"/>
+          <a:lstStyle>
+            <a:extLst/>
+          </a:lstStyle>
+          <a:p>
+            <a:pPr algn="ctr" eaLnBrk="1" latinLnBrk="0" hangingPunct="1"/>
+            <a:endParaRPr kumimoji="0" lang="en-US"/>
+          </a:p>
+        </p:txBody>
+      </p:sp>
+      <p:sp>
+        <p:nvSpPr>
+          <p:cNvPr id="8" name="橢圓 7"/>
+          <p:cNvSpPr/>
+          <p:nvPr/>
+        </p:nvSpPr>
+        <p:spPr>
+          <a:xfrm>
+            <a:off x="168816" y="21102"/>
+            <a:ext cx="1702191" cy="1702191"/>
+          </a:xfrm>
+          <a:prstGeom prst="ellipse">
+            <a:avLst/>
+          </a:prstGeom>
+          <a:noFill/>
+          <a:ln w="27305" cap="rnd" cmpd="sng" algn="ctr">
+            <a:solidFill>
+              <a:schemeClr val="bg2">
+                <a:tint val="45000"/>
+                <a:satMod val="325000"/>
+                <a:alpha val="100000"/>
+              </a:schemeClr>
+            </a:solidFill>
+            <a:prstDash val="solid"/>
+          </a:ln>
+          <a:effectLst>
+            <a:outerShdw blurRad="25400" dist="25400" dir="5400000" algn="tl" rotWithShape="0">
+              <a:schemeClr val="bg2">
+                <a:shade val="50000"/>
+                <a:satMod val="150000"/>
+                <a:alpha val="85000"/>
+              </a:schemeClr>
+            </a:outerShdw>
+          </a:effectLst>
+        </p:spPr>
+        <p:style>
+          <a:lnRef idx="3">
+            <a:schemeClr val="lt1"/>
+          </a:lnRef>
+          <a:fillRef idx="1">
+            <a:schemeClr val="accent1"/>
+          </a:fillRef>
+          <a:effectRef idx="1">
+            <a:schemeClr val="accent1"/>
+          </a:effectRef>
+          <a:fontRef idx="minor">
+            <a:schemeClr val="lt1"/>
+          </a:fontRef>
+        </p:style>
+        <p:txBody>
+          <a:bodyPr anchor="ctr"/>
+          <a:lstStyle>
+            <a:extLst/>
+          </a:lstStyle>
+          <a:p>
+            <a:pPr algn="ctr" eaLnBrk="1" latinLnBrk="0" hangingPunct="1"/>
+            <a:endParaRPr kumimoji="0" lang="en-US"/>
+          </a:p>
+        </p:txBody>
+      </p:sp>
+      <p:sp>
+        <p:nvSpPr>
+          <p:cNvPr id="11" name="甜甜圈 10"/>
+          <p:cNvSpPr/>
+          <p:nvPr/>
+        </p:nvSpPr>
+        <p:spPr>
+          <a:xfrm rot="2315675">
+            <a:off x="182881" y="1055077"/>
+            <a:ext cx="1125717" cy="1102624"/>
+          </a:xfrm>
+          <a:prstGeom prst="donut">
+            <a:avLst>
+              <a:gd name="adj" fmla="val 11833"/>
+            </a:avLst>
+          </a:prstGeom>
+          <a:gradFill rotWithShape="1">
+            <a:gsLst>
+              <a:gs pos="0">
+                <a:schemeClr val="bg2">
+                  <a:tint val="10000"/>
+                  <a:shade val="99000"/>
+                  <a:satMod val="355000"/>
+                  <a:alpha val="70000"/>
+                </a:schemeClr>
+              </a:gs>
+              <a:gs pos="70000">
+                <a:schemeClr val="bg2">
+                  <a:tint val="6000"/>
+                  <a:shade val="100000"/>
+                  <a:satMod val="400000"/>
+                  <a:alpha val="55000"/>
+                </a:schemeClr>
+              </a:gs>
+              <a:gs pos="100000">
+                <a:schemeClr val="bg2">
+                  <a:tint val="100000"/>
+                  <a:shade val="75000"/>
+                  <a:satMod val="370000"/>
+                  <a:alpha val="60000"/>
+                </a:schemeClr>
+              </a:gs>
+            </a:gsLst>
+            <a:path path="circle">
+              <a:fillToRect l="-407500" t="-50000" r="507500" b="150000"/>
+            </a:path>
+          </a:gradFill>
+          <a:ln w="7350" cap="rnd" cmpd="sng" algn="ctr">
+            <a:solidFill>
+              <a:schemeClr val="bg2">
+                <a:shade val="60000"/>
+                <a:satMod val="220000"/>
+                <a:alpha val="100000"/>
+              </a:schemeClr>
+            </a:solidFill>
+            <a:prstDash val="solid"/>
+          </a:ln>
+          <a:effectLst>
+            <a:outerShdw blurRad="12700" dist="15000" dir="4500000" algn="tl" rotWithShape="0">
+              <a:schemeClr val="bg2">
+                <a:shade val="10000"/>
+                <a:satMod val="200000"/>
+                <a:alpha val="35000"/>
+              </a:schemeClr>
+            </a:outerShdw>
+          </a:effectLst>
+        </p:spPr>
+        <p:style>
+          <a:lnRef idx="3">
+            <a:schemeClr val="lt1"/>
+          </a:lnRef>
+          <a:fillRef idx="1">
+            <a:schemeClr val="accent1"/>
+          </a:fillRef>
+          <a:effectRef idx="1">
+            <a:schemeClr val="accent1"/>
+          </a:effectRef>
+          <a:fontRef idx="minor">
+            <a:schemeClr val="lt1"/>
+          </a:fontRef>
+        </p:style>
+        <p:txBody>
+          <a:bodyPr anchor="ctr"/>
+          <a:lstStyle>
+            <a:extLst/>
+          </a:lstStyle>
+          <a:p>
+            <a:pPr algn="ctr" eaLnBrk="1" latinLnBrk="0" hangingPunct="1"/>
+            <a:endParaRPr kumimoji="0" lang="en-US"/>
+          </a:p>
+        </p:txBody>
+      </p:sp>
+      <p:sp>
+        <p:nvSpPr>
+          <p:cNvPr id="12" name="矩形 11"/>
+          <p:cNvSpPr/>
+          <p:nvPr/>
+        </p:nvSpPr>
+        <p:spPr>
+          <a:xfrm>
+            <a:off x="1012873" y="-54"/>
+            <a:ext cx="8131127" cy="6858054"/>
+          </a:xfrm>
+          <a:prstGeom prst="rect">
+            <a:avLst/>
+          </a:prstGeom>
+          <a:solidFill>
+            <a:schemeClr val="bg1"/>
+          </a:solidFill>
+          <a:ln w="25400" cap="rnd" cmpd="sng" algn="ctr">
+            <a:noFill/>
+            <a:prstDash val="solid"/>
+          </a:ln>
+          <a:effectLst/>
+        </p:spPr>
+        <p:style>
+          <a:lnRef idx="3">
+            <a:schemeClr val="lt1"/>
+          </a:lnRef>
+          <a:fillRef idx="1">
+            <a:schemeClr val="accent1"/>
+          </a:fillRef>
+          <a:effectRef idx="1">
+            <a:schemeClr val="accent1"/>
+          </a:effectRef>
+          <a:fontRef idx="minor">
+            <a:schemeClr val="lt1"/>
+          </a:fontRef>
+        </p:style>
+        <p:txBody>
+          <a:bodyPr anchor="ctr"/>
+          <a:lstStyle>
+            <a:extLst/>
+          </a:lstStyle>
+          <a:p>
+            <a:pPr algn="ctr" eaLnBrk="1" latinLnBrk="0" hangingPunct="1"/>
+            <a:endParaRPr kumimoji="0" lang="en-US"/>
+          </a:p>
+        </p:txBody>
+      </p:sp>
+      <p:sp>
+        <p:nvSpPr>
+          <p:cNvPr id="5" name="標題版面配置區 4"/>
+          <p:cNvSpPr>
+            <a:spLocks noGrp="1"/>
+          </p:cNvSpPr>
+          <p:nvPr>
+            <p:ph type="title"/>
+          </p:nvPr>
+        </p:nvSpPr>
+        <p:spPr>
+          <a:xfrm>
+            <a:off x="1435608" y="274638"/>
+            <a:ext cx="7498080" cy="1143000"/>
           </a:xfrm>
           <a:prstGeom prst="rect">
             <a:avLst/>
           </a:prstGeom>
         </p:spPr>
         <p:txBody>
-          <a:bodyPr vert="horz" lIns="91440" tIns="45720" rIns="91440" bIns="45720" rtlCol="0" anchor="ctr">
+          <a:bodyPr anchor="ctr">
             <a:normAutofit/>
           </a:bodyPr>
-          <a:lstStyle/>
-          <a:p>
-            <a:r>
-              <a:rPr lang="zh-TW" altLang="en-US" smtClean="0"/>
+          <a:lstStyle>
+            <a:extLst/>
+          </a:lstStyle>
+          <a:p>
+            <a:r>
+              <a:rPr kumimoji="0" lang="zh-TW" altLang="en-US" smtClean="0"/>
               <a:t>按一下以編輯母片標題樣式</a:t>
             </a:r>
-            <a:endParaRPr lang="zh-TW" altLang="en-US"/>
-          </a:p>
-        </p:txBody>
-      </p:sp>
-      <p:sp>
-        <p:nvSpPr>
-          <p:cNvPr id="3" name="文字版面配置區 2"/>
+            <a:endParaRPr kumimoji="0" lang="en-US"/>
+          </a:p>
+        </p:txBody>
+      </p:sp>
+      <p:sp>
+        <p:nvSpPr>
+          <p:cNvPr id="9" name="文字版面配置區 8"/>
           <p:cNvSpPr>
             <a:spLocks noGrp="1"/>
           </p:cNvSpPr>
@@ -2577,59 +3590,61 @@
         </p:nvSpPr>
         <p:spPr>
           <a:xfrm>
-            <a:off x="457200" y="1600200"/>
-            <a:ext cx="8229600" cy="4525963"/>
+            <a:off x="1435608" y="1447800"/>
+            <a:ext cx="7498080" cy="4800600"/>
           </a:xfrm>
           <a:prstGeom prst="rect">
             <a:avLst/>
           </a:prstGeom>
         </p:spPr>
         <p:txBody>
-          <a:bodyPr vert="horz" lIns="91440" tIns="45720" rIns="91440" bIns="45720" rtlCol="0">
+          <a:bodyPr>
             <a:normAutofit/>
           </a:bodyPr>
-          <a:lstStyle/>
-          <a:p>
-            <a:pPr lvl="0"/>
-            <a:r>
-              <a:rPr lang="zh-TW" altLang="en-US" smtClean="0"/>
+          <a:lstStyle>
+            <a:extLst/>
+          </a:lstStyle>
+          <a:p>
+            <a:pPr lvl="0" eaLnBrk="1" latinLnBrk="0" hangingPunct="1"/>
+            <a:r>
+              <a:rPr kumimoji="0" lang="zh-TW" altLang="en-US" smtClean="0"/>
               <a:t>按一下以編輯母片文字樣式</a:t>
             </a:r>
           </a:p>
           <a:p>
-            <a:pPr lvl="1"/>
-            <a:r>
-              <a:rPr lang="zh-TW" altLang="en-US" smtClean="0"/>
+            <a:pPr lvl="1" eaLnBrk="1" latinLnBrk="0" hangingPunct="1"/>
+            <a:r>
+              <a:rPr kumimoji="0" lang="zh-TW" altLang="en-US" smtClean="0"/>
               <a:t>第二層</a:t>
             </a:r>
           </a:p>
           <a:p>
-            <a:pPr lvl="2"/>
-            <a:r>
-              <a:rPr lang="zh-TW" altLang="en-US" smtClean="0"/>
+            <a:pPr lvl="2" eaLnBrk="1" latinLnBrk="0" hangingPunct="1"/>
+            <a:r>
+              <a:rPr kumimoji="0" lang="zh-TW" altLang="en-US" smtClean="0"/>
               <a:t>第三層</a:t>
             </a:r>
           </a:p>
           <a:p>
-            <a:pPr lvl="3"/>
-            <a:r>
-              <a:rPr lang="zh-TW" altLang="en-US" smtClean="0"/>
+            <a:pPr lvl="3" eaLnBrk="1" latinLnBrk="0" hangingPunct="1"/>
+            <a:r>
+              <a:rPr kumimoji="0" lang="zh-TW" altLang="en-US" smtClean="0"/>
               <a:t>第四層</a:t>
             </a:r>
           </a:p>
           <a:p>
-            <a:pPr lvl="4"/>
-            <a:r>
-              <a:rPr lang="zh-TW" altLang="en-US" smtClean="0"/>
+            <a:pPr lvl="4" eaLnBrk="1" latinLnBrk="0" hangingPunct="1"/>
+            <a:r>
+              <a:rPr kumimoji="0" lang="zh-TW" altLang="en-US" smtClean="0"/>
               <a:t>第五層</a:t>
             </a:r>
-            <a:endParaRPr lang="zh-TW" altLang="en-US"/>
-          </a:p>
-        </p:txBody>
-      </p:sp>
-      <p:sp>
-        <p:nvSpPr>
-          <p:cNvPr id="4" name="日期版面配置區 3"/>
+            <a:endParaRPr kumimoji="0" lang="en-US"/>
+          </a:p>
+        </p:txBody>
+      </p:sp>
+      <p:sp>
+        <p:nvSpPr>
+          <p:cNvPr id="24" name="日期版面配置區 23"/>
           <p:cNvSpPr>
             <a:spLocks noGrp="1"/>
           </p:cNvSpPr>
@@ -2639,30 +3654,33 @@
         </p:nvSpPr>
         <p:spPr>
           <a:xfrm>
-            <a:off x="457200" y="6356350"/>
-            <a:ext cx="2133600" cy="365125"/>
+            <a:off x="3581400" y="6305550"/>
+            <a:ext cx="2133600" cy="476250"/>
           </a:xfrm>
           <a:prstGeom prst="rect">
             <a:avLst/>
           </a:prstGeom>
         </p:spPr>
         <p:txBody>
-          <a:bodyPr vert="horz" lIns="91440" tIns="45720" rIns="91440" bIns="45720" rtlCol="0" anchor="ctr"/>
-          <a:lstStyle>
-            <a:lvl1pPr algn="l">
-              <a:defRPr sz="1200">
+          <a:bodyPr anchor="b"/>
+          <a:lstStyle>
+            <a:lvl1pPr algn="r" eaLnBrk="1" latinLnBrk="0" hangingPunct="1">
+              <a:defRPr kumimoji="0" sz="1200">
                 <a:solidFill>
-                  <a:schemeClr val="tx1">
-                    <a:tint val="75000"/>
+                  <a:schemeClr val="bg2">
+                    <a:shade val="50000"/>
+                    <a:satMod val="200000"/>
                   </a:schemeClr>
                 </a:solidFill>
               </a:defRPr>
             </a:lvl1pPr>
+            <a:extLst/>
           </a:lstStyle>
           <a:p>
             <a:fld id="{5BBEAD13-0566-4C6C-97E7-55F17F24B09F}" type="datetimeFigureOut">
               <a:rPr lang="zh-TW" altLang="en-US" smtClean="0"/>
-              <a:t>2006/9/7</a:t>
+              <a:pPr/>
+              <a:t>2020/7/2</a:t>
             </a:fld>
             <a:endParaRPr lang="zh-TW" altLang="en-US"/>
           </a:p>
@@ -2670,7 +3688,7 @@
       </p:sp>
       <p:sp>
         <p:nvSpPr>
-          <p:cNvPr id="5" name="頁尾版面配置區 4"/>
+          <p:cNvPr id="10" name="頁尾版面配置區 9"/>
           <p:cNvSpPr>
             <a:spLocks noGrp="1"/>
           </p:cNvSpPr>
@@ -2680,25 +3698,28 @@
         </p:nvSpPr>
         <p:spPr>
           <a:xfrm>
-            <a:off x="3124200" y="6356350"/>
-            <a:ext cx="2895600" cy="365125"/>
+            <a:off x="5715000" y="6305550"/>
+            <a:ext cx="2895600" cy="476250"/>
           </a:xfrm>
           <a:prstGeom prst="rect">
             <a:avLst/>
           </a:prstGeom>
         </p:spPr>
         <p:txBody>
-          <a:bodyPr vert="horz" lIns="91440" tIns="45720" rIns="91440" bIns="45720" rtlCol="0" anchor="ctr"/>
-          <a:lstStyle>
-            <a:lvl1pPr algn="ctr">
-              <a:defRPr sz="1200">
+          <a:bodyPr anchor="b"/>
+          <a:lstStyle>
+            <a:lvl1pPr eaLnBrk="1" latinLnBrk="0" hangingPunct="1">
+              <a:defRPr kumimoji="0" sz="1200">
                 <a:solidFill>
-                  <a:schemeClr val="tx1">
-                    <a:tint val="75000"/>
+                  <a:schemeClr val="bg2">
+                    <a:shade val="50000"/>
+                    <a:satMod val="200000"/>
                   </a:schemeClr>
                 </a:solidFill>
+                <a:effectLst/>
               </a:defRPr>
             </a:lvl1pPr>
+            <a:extLst/>
           </a:lstStyle>
           <a:p>
             <a:endParaRPr lang="zh-TW" altLang="en-US"/>
@@ -2707,7 +3728,7 @@
       </p:sp>
       <p:sp>
         <p:nvSpPr>
-          <p:cNvPr id="6" name="投影片編號版面配置區 5"/>
+          <p:cNvPr id="22" name="投影片編號版面配置區 21"/>
           <p:cNvSpPr>
             <a:spLocks noGrp="1"/>
           </p:cNvSpPr>
@@ -2717,32 +3738,92 @@
         </p:nvSpPr>
         <p:spPr>
           <a:xfrm>
-            <a:off x="6553200" y="6356350"/>
-            <a:ext cx="2133600" cy="365125"/>
+            <a:off x="8613648" y="6305550"/>
+            <a:ext cx="457200" cy="476250"/>
           </a:xfrm>
           <a:prstGeom prst="rect">
             <a:avLst/>
           </a:prstGeom>
         </p:spPr>
         <p:txBody>
-          <a:bodyPr vert="horz" lIns="91440" tIns="45720" rIns="91440" bIns="45720" rtlCol="0" anchor="ctr"/>
-          <a:lstStyle>
-            <a:lvl1pPr algn="r">
-              <a:defRPr sz="1200">
+          <a:bodyPr anchor="b"/>
+          <a:lstStyle>
+            <a:lvl1pPr algn="ctr" eaLnBrk="1" latinLnBrk="0" hangingPunct="1">
+              <a:defRPr kumimoji="0" sz="1200">
                 <a:solidFill>
-                  <a:schemeClr val="tx1">
-                    <a:tint val="75000"/>
+                  <a:schemeClr val="bg2">
+                    <a:shade val="50000"/>
+                    <a:satMod val="200000"/>
                   </a:schemeClr>
                 </a:solidFill>
+                <a:effectLst/>
               </a:defRPr>
             </a:lvl1pPr>
+            <a:extLst/>
           </a:lstStyle>
           <a:p>
             <a:fld id="{73DA0BB7-265A-403C-9275-D587AB510EDC}" type="slidenum">
               <a:rPr lang="zh-TW" altLang="en-US" smtClean="0"/>
+              <a:pPr/>
               <a:t>‹#›</a:t>
             </a:fld>
             <a:endParaRPr lang="zh-TW" altLang="en-US"/>
+          </a:p>
+        </p:txBody>
+      </p:sp>
+      <p:sp>
+        <p:nvSpPr>
+          <p:cNvPr id="15" name="矩形 14"/>
+          <p:cNvSpPr/>
+          <p:nvPr/>
+        </p:nvSpPr>
+        <p:spPr bwMode="invGray">
+          <a:xfrm>
+            <a:off x="1014984" y="-54"/>
+            <a:ext cx="73152" cy="6858054"/>
+          </a:xfrm>
+          <a:prstGeom prst="rect">
+            <a:avLst/>
+          </a:prstGeom>
+          <a:solidFill>
+            <a:schemeClr val="bg1"/>
+          </a:solidFill>
+          <a:ln w="25400" cap="rnd" cmpd="sng" algn="ctr">
+            <a:noFill/>
+            <a:prstDash val="solid"/>
+          </a:ln>
+          <a:effectLst>
+            <a:outerShdw blurRad="38550" dist="38000" dir="10800000" algn="tl" rotWithShape="0">
+              <a:schemeClr val="bg2">
+                <a:shade val="20000"/>
+                <a:satMod val="110000"/>
+                <a:alpha val="25000"/>
+              </a:schemeClr>
+            </a:outerShdw>
+          </a:effectLst>
+        </p:spPr>
+        <p:style>
+          <a:lnRef idx="3">
+            <a:schemeClr val="lt1"/>
+          </a:lnRef>
+          <a:fillRef idx="1">
+            <a:schemeClr val="accent1"/>
+          </a:fillRef>
+          <a:effectRef idx="1">
+            <a:schemeClr val="accent1"/>
+          </a:effectRef>
+          <a:fontRef idx="minor">
+            <a:schemeClr val="lt1"/>
+          </a:fontRef>
+        </p:style>
+        <p:txBody>
+          <a:bodyPr anchor="ctr"/>
+          <a:lstStyle>
+            <a:extLst/>
+          </a:lstStyle>
+          <a:p>
+            <a:pPr algn="ctr" eaLnBrk="1" latinLnBrk="0" hangingPunct="1"/>
+            <a:endParaRPr kumimoji="0" lang="en-US"/>
           </a:p>
         </p:txBody>
       </p:sp>
@@ -2750,43 +3831,60 @@
   </p:cSld>
   <p:clrMap bg1="lt1" tx1="dk1" bg2="lt2" tx2="dk2" accent1="accent1" accent2="accent2" accent3="accent3" accent4="accent4" accent5="accent5" accent6="accent6" hlink="hlink" folHlink="folHlink"/>
   <p:sldLayoutIdLst>
-    <p:sldLayoutId id="2147483649" r:id="rId1"/>
-    <p:sldLayoutId id="2147483650" r:id="rId2"/>
-    <p:sldLayoutId id="2147483651" r:id="rId3"/>
-    <p:sldLayoutId id="2147483652" r:id="rId4"/>
-    <p:sldLayoutId id="2147483653" r:id="rId5"/>
-    <p:sldLayoutId id="2147483654" r:id="rId6"/>
-    <p:sldLayoutId id="2147483655" r:id="rId7"/>
-    <p:sldLayoutId id="2147483656" r:id="rId8"/>
-    <p:sldLayoutId id="2147483657" r:id="rId9"/>
-    <p:sldLayoutId id="2147483658" r:id="rId10"/>
-    <p:sldLayoutId id="2147483659" r:id="rId11"/>
+    <p:sldLayoutId id="2147483709" r:id="rId1"/>
+    <p:sldLayoutId id="2147483710" r:id="rId2"/>
+    <p:sldLayoutId id="2147483711" r:id="rId3"/>
+    <p:sldLayoutId id="2147483712" r:id="rId4"/>
+    <p:sldLayoutId id="2147483713" r:id="rId5"/>
+    <p:sldLayoutId id="2147483714" r:id="rId6"/>
+    <p:sldLayoutId id="2147483715" r:id="rId7"/>
+    <p:sldLayoutId id="2147483716" r:id="rId8"/>
+    <p:sldLayoutId id="2147483717" r:id="rId9"/>
+    <p:sldLayoutId id="2147483718" r:id="rId10"/>
+    <p:sldLayoutId id="2147483719" r:id="rId11"/>
   </p:sldLayoutIdLst>
   <p:txStyles>
     <p:titleStyle>
-      <a:lvl1pPr algn="ctr" defTabSz="914400" rtl="0" eaLnBrk="1" latinLnBrk="0" hangingPunct="1">
+      <a:lvl1pPr algn="l" rtl="0" eaLnBrk="1" latinLnBrk="0" hangingPunct="1">
         <a:spcBef>
           <a:spcPct val="0"/>
         </a:spcBef>
         <a:buNone/>
-        <a:defRPr sz="4400" kern="1200">
+        <a:defRPr kumimoji="0" sz="4300" kern="1200">
           <a:solidFill>
-            <a:schemeClr val="tx1"/>
+            <a:schemeClr val="tx2">
+              <a:satMod val="130000"/>
+            </a:schemeClr>
           </a:solidFill>
+          <a:effectLst>
+            <a:outerShdw blurRad="50000" dist="30000" dir="5400000" algn="tl" rotWithShape="0">
+              <a:srgbClr val="000000">
+                <a:alpha val="30000"/>
+              </a:srgbClr>
+            </a:outerShdw>
+          </a:effectLst>
           <a:latin typeface="+mj-lt"/>
           <a:ea typeface="+mj-ea"/>
           <a:cs typeface="+mj-cs"/>
         </a:defRPr>
       </a:lvl1pPr>
+      <a:extLst/>
     </p:titleStyle>
     <p:bodyStyle>
-      <a:lvl1pPr marL="342900" indent="-342900" algn="l" defTabSz="914400" rtl="0" eaLnBrk="1" latinLnBrk="0" hangingPunct="1">
+      <a:lvl1pPr marL="365760" indent="-283464" algn="l" rtl="0" eaLnBrk="1" latinLnBrk="0" hangingPunct="1">
+        <a:lnSpc>
+          <a:spcPct val="100000"/>
+        </a:lnSpc>
         <a:spcBef>
-          <a:spcPct val="20000"/>
+          <a:spcPts val="600"/>
         </a:spcBef>
-        <a:buFont typeface="Arial" pitchFamily="34" charset="0"/>
-        <a:buChar char="•"/>
-        <a:defRPr sz="3200" kern="1200">
+        <a:buClr>
+          <a:schemeClr val="accent1"/>
+        </a:buClr>
+        <a:buSzPct val="80000"/>
+        <a:buFont typeface="Wingdings 2"/>
+        <a:buChar char=""/>
+        <a:defRPr kumimoji="0" sz="3200" kern="1200">
           <a:solidFill>
             <a:schemeClr val="tx1"/>
           </a:solidFill>
@@ -2795,13 +3893,19 @@
           <a:cs typeface="+mn-cs"/>
         </a:defRPr>
       </a:lvl1pPr>
-      <a:lvl2pPr marL="742950" indent="-285750" algn="l" defTabSz="914400" rtl="0" eaLnBrk="1" latinLnBrk="0" hangingPunct="1">
+      <a:lvl2pPr marL="640080" indent="-237744" algn="l" rtl="0" eaLnBrk="1" latinLnBrk="0" hangingPunct="1">
+        <a:lnSpc>
+          <a:spcPct val="100000"/>
+        </a:lnSpc>
         <a:spcBef>
-          <a:spcPct val="20000"/>
+          <a:spcPts val="550"/>
         </a:spcBef>
-        <a:buFont typeface="Arial" pitchFamily="34" charset="0"/>
-        <a:buChar char="–"/>
-        <a:defRPr sz="2800" kern="1200">
+        <a:buClr>
+          <a:schemeClr val="accent1"/>
+        </a:buClr>
+        <a:buFont typeface="Verdana"/>
+        <a:buChar char="◦"/>
+        <a:defRPr kumimoji="0" sz="2800" kern="1200">
           <a:solidFill>
             <a:schemeClr val="tx1"/>
           </a:solidFill>
@@ -2810,13 +3914,19 @@
           <a:cs typeface="+mn-cs"/>
         </a:defRPr>
       </a:lvl2pPr>
-      <a:lvl3pPr marL="1143000" indent="-228600" algn="l" defTabSz="914400" rtl="0" eaLnBrk="1" latinLnBrk="0" hangingPunct="1">
+      <a:lvl3pPr marL="886968" indent="-228600" algn="l" rtl="0" eaLnBrk="1" latinLnBrk="0" hangingPunct="1">
+        <a:lnSpc>
+          <a:spcPct val="100000"/>
+        </a:lnSpc>
         <a:spcBef>
           <a:spcPct val="20000"/>
         </a:spcBef>
-        <a:buFont typeface="Arial" pitchFamily="34" charset="0"/>
-        <a:buChar char="•"/>
-        <a:defRPr sz="2400" kern="1200">
+        <a:buClr>
+          <a:schemeClr val="accent2"/>
+        </a:buClr>
+        <a:buFont typeface="Wingdings 2"/>
+        <a:buChar char=""/>
+        <a:defRPr kumimoji="0" sz="2400" kern="1200">
           <a:solidFill>
             <a:schemeClr val="tx1"/>
           </a:solidFill>
@@ -2825,13 +3935,19 @@
           <a:cs typeface="+mn-cs"/>
         </a:defRPr>
       </a:lvl3pPr>
-      <a:lvl4pPr marL="1600200" indent="-228600" algn="l" defTabSz="914400" rtl="0" eaLnBrk="1" latinLnBrk="0" hangingPunct="1">
+      <a:lvl4pPr marL="1097280" indent="-173736" algn="l" rtl="0" eaLnBrk="1" latinLnBrk="0" hangingPunct="1">
+        <a:lnSpc>
+          <a:spcPct val="100000"/>
+        </a:lnSpc>
         <a:spcBef>
           <a:spcPct val="20000"/>
         </a:spcBef>
-        <a:buFont typeface="Arial" pitchFamily="34" charset="0"/>
-        <a:buChar char="–"/>
-        <a:defRPr sz="2000" kern="1200">
+        <a:buClr>
+          <a:schemeClr val="accent3"/>
+        </a:buClr>
+        <a:buFont typeface="Wingdings 2"/>
+        <a:buChar char=""/>
+        <a:defRPr kumimoji="0" sz="2000" kern="1200">
           <a:solidFill>
             <a:schemeClr val="tx1"/>
           </a:solidFill>
@@ -2840,13 +3956,19 @@
           <a:cs typeface="+mn-cs"/>
         </a:defRPr>
       </a:lvl4pPr>
-      <a:lvl5pPr marL="2057400" indent="-228600" algn="l" defTabSz="914400" rtl="0" eaLnBrk="1" latinLnBrk="0" hangingPunct="1">
+      <a:lvl5pPr marL="1298448" indent="-182880" algn="l" rtl="0" eaLnBrk="1" latinLnBrk="0" hangingPunct="1">
+        <a:lnSpc>
+          <a:spcPct val="100000"/>
+        </a:lnSpc>
         <a:spcBef>
           <a:spcPct val="20000"/>
         </a:spcBef>
-        <a:buFont typeface="Arial" pitchFamily="34" charset="0"/>
-        <a:buChar char="»"/>
-        <a:defRPr sz="2000" kern="1200">
+        <a:buClr>
+          <a:schemeClr val="accent4"/>
+        </a:buClr>
+        <a:buFont typeface="Wingdings 2"/>
+        <a:buChar char=""/>
+        <a:defRPr kumimoji="0" sz="2000" kern="1200">
           <a:solidFill>
             <a:schemeClr val="tx1"/>
           </a:solidFill>
@@ -2855,13 +3977,19 @@
           <a:cs typeface="+mn-cs"/>
         </a:defRPr>
       </a:lvl5pPr>
-      <a:lvl6pPr marL="2514600" indent="-228600" algn="l" defTabSz="914400" rtl="0" eaLnBrk="1" latinLnBrk="0" hangingPunct="1">
+      <a:lvl6pPr marL="1508760" indent="-182880" algn="l" rtl="0" eaLnBrk="1" latinLnBrk="0" hangingPunct="1">
+        <a:lnSpc>
+          <a:spcPct val="100000"/>
+        </a:lnSpc>
         <a:spcBef>
           <a:spcPct val="20000"/>
         </a:spcBef>
-        <a:buFont typeface="Arial" pitchFamily="34" charset="0"/>
-        <a:buChar char="•"/>
-        <a:defRPr sz="2000" kern="1200">
+        <a:buClr>
+          <a:schemeClr val="accent5"/>
+        </a:buClr>
+        <a:buFont typeface="Wingdings 2"/>
+        <a:buChar char=""/>
+        <a:defRPr kumimoji="0" sz="2000" kern="1200">
           <a:solidFill>
             <a:schemeClr val="tx1"/>
           </a:solidFill>
@@ -2870,13 +3998,19 @@
           <a:cs typeface="+mn-cs"/>
         </a:defRPr>
       </a:lvl6pPr>
-      <a:lvl7pPr marL="2971800" indent="-228600" algn="l" defTabSz="914400" rtl="0" eaLnBrk="1" latinLnBrk="0" hangingPunct="1">
+      <a:lvl7pPr marL="1719072" indent="-182880" algn="l" rtl="0" eaLnBrk="1" latinLnBrk="0" hangingPunct="1">
+        <a:lnSpc>
+          <a:spcPct val="100000"/>
+        </a:lnSpc>
         <a:spcBef>
           <a:spcPct val="20000"/>
         </a:spcBef>
-        <a:buFont typeface="Arial" pitchFamily="34" charset="0"/>
-        <a:buChar char="•"/>
-        <a:defRPr sz="2000" kern="1200">
+        <a:buClr>
+          <a:schemeClr val="accent6"/>
+        </a:buClr>
+        <a:buFont typeface="Wingdings 2"/>
+        <a:buChar char=""/>
+        <a:defRPr kumimoji="0" sz="2000" kern="1200">
           <a:solidFill>
             <a:schemeClr val="tx1"/>
           </a:solidFill>
@@ -2885,13 +4019,19 @@
           <a:cs typeface="+mn-cs"/>
         </a:defRPr>
       </a:lvl7pPr>
-      <a:lvl8pPr marL="3429000" indent="-228600" algn="l" defTabSz="914400" rtl="0" eaLnBrk="1" latinLnBrk="0" hangingPunct="1">
+      <a:lvl8pPr marL="1920240" indent="-182880" algn="l" rtl="0" eaLnBrk="1" latinLnBrk="0" hangingPunct="1">
+        <a:lnSpc>
+          <a:spcPct val="100000"/>
+        </a:lnSpc>
         <a:spcBef>
           <a:spcPct val="20000"/>
         </a:spcBef>
-        <a:buFont typeface="Arial" pitchFamily="34" charset="0"/>
-        <a:buChar char="•"/>
-        <a:defRPr sz="2000" kern="1200">
+        <a:buClr>
+          <a:schemeClr val="accent6"/>
+        </a:buClr>
+        <a:buFont typeface="Wingdings 2"/>
+        <a:buChar char=""/>
+        <a:defRPr kumimoji="0" sz="2000" kern="1200">
           <a:solidFill>
             <a:schemeClr val="tx1"/>
           </a:solidFill>
@@ -2900,13 +4040,19 @@
           <a:cs typeface="+mn-cs"/>
         </a:defRPr>
       </a:lvl8pPr>
-      <a:lvl9pPr marL="3886200" indent="-228600" algn="l" defTabSz="914400" rtl="0" eaLnBrk="1" latinLnBrk="0" hangingPunct="1">
+      <a:lvl9pPr marL="2130552" indent="-182880" algn="l" rtl="0" eaLnBrk="1" latinLnBrk="0" hangingPunct="1">
+        <a:lnSpc>
+          <a:spcPct val="100000"/>
+        </a:lnSpc>
         <a:spcBef>
           <a:spcPct val="20000"/>
         </a:spcBef>
-        <a:buFont typeface="Arial" pitchFamily="34" charset="0"/>
-        <a:buChar char="•"/>
-        <a:defRPr sz="2000" kern="1200">
+        <a:buClr>
+          <a:schemeClr val="accent6"/>
+        </a:buClr>
+        <a:buFont typeface="Wingdings 2"/>
+        <a:buChar char=""/>
+        <a:defRPr kumimoji="0" sz="2000" kern="1200">
           <a:solidFill>
             <a:schemeClr val="tx1"/>
           </a:solidFill>
@@ -2915,13 +4061,11 @@
           <a:cs typeface="+mn-cs"/>
         </a:defRPr>
       </a:lvl9pPr>
+      <a:extLst/>
     </p:bodyStyle>
     <p:otherStyle>
-      <a:defPPr>
-        <a:defRPr lang="zh-TW"/>
-      </a:defPPr>
-      <a:lvl1pPr marL="0" algn="l" defTabSz="914400" rtl="0" eaLnBrk="1" latinLnBrk="0" hangingPunct="1">
-        <a:defRPr sz="1800" kern="1200">
+      <a:lvl1pPr marL="0" algn="l" rtl="0" eaLnBrk="1" latinLnBrk="0" hangingPunct="1">
+        <a:defRPr kumimoji="0" kern="1200">
           <a:solidFill>
             <a:schemeClr val="tx1"/>
           </a:solidFill>
@@ -2930,8 +4074,8 @@
           <a:cs typeface="+mn-cs"/>
         </a:defRPr>
       </a:lvl1pPr>
-      <a:lvl2pPr marL="457200" algn="l" defTabSz="914400" rtl="0" eaLnBrk="1" latinLnBrk="0" hangingPunct="1">
-        <a:defRPr sz="1800" kern="1200">
+      <a:lvl2pPr marL="457200" algn="l" rtl="0" eaLnBrk="1" latinLnBrk="0" hangingPunct="1">
+        <a:defRPr kumimoji="0" kern="1200">
           <a:solidFill>
             <a:schemeClr val="tx1"/>
           </a:solidFill>
@@ -2940,8 +4084,8 @@
           <a:cs typeface="+mn-cs"/>
         </a:defRPr>
       </a:lvl2pPr>
-      <a:lvl3pPr marL="914400" algn="l" defTabSz="914400" rtl="0" eaLnBrk="1" latinLnBrk="0" hangingPunct="1">
-        <a:defRPr sz="1800" kern="1200">
+      <a:lvl3pPr marL="914400" algn="l" rtl="0" eaLnBrk="1" latinLnBrk="0" hangingPunct="1">
+        <a:defRPr kumimoji="0" kern="1200">
           <a:solidFill>
             <a:schemeClr val="tx1"/>
           </a:solidFill>
@@ -2950,8 +4094,8 @@
           <a:cs typeface="+mn-cs"/>
         </a:defRPr>
       </a:lvl3pPr>
-      <a:lvl4pPr marL="1371600" algn="l" defTabSz="914400" rtl="0" eaLnBrk="1" latinLnBrk="0" hangingPunct="1">
-        <a:defRPr sz="1800" kern="1200">
+      <a:lvl4pPr marL="1371600" algn="l" rtl="0" eaLnBrk="1" latinLnBrk="0" hangingPunct="1">
+        <a:defRPr kumimoji="0" kern="1200">
           <a:solidFill>
             <a:schemeClr val="tx1"/>
           </a:solidFill>
@@ -2960,8 +4104,8 @@
           <a:cs typeface="+mn-cs"/>
         </a:defRPr>
       </a:lvl4pPr>
-      <a:lvl5pPr marL="1828800" algn="l" defTabSz="914400" rtl="0" eaLnBrk="1" latinLnBrk="0" hangingPunct="1">
-        <a:defRPr sz="1800" kern="1200">
+      <a:lvl5pPr marL="1828800" algn="l" rtl="0" eaLnBrk="1" latinLnBrk="0" hangingPunct="1">
+        <a:defRPr kumimoji="0" kern="1200">
           <a:solidFill>
             <a:schemeClr val="tx1"/>
           </a:solidFill>
@@ -2970,8 +4114,8 @@
           <a:cs typeface="+mn-cs"/>
         </a:defRPr>
       </a:lvl5pPr>
-      <a:lvl6pPr marL="2286000" algn="l" defTabSz="914400" rtl="0" eaLnBrk="1" latinLnBrk="0" hangingPunct="1">
-        <a:defRPr sz="1800" kern="1200">
+      <a:lvl6pPr marL="2286000" algn="l" rtl="0" eaLnBrk="1" latinLnBrk="0" hangingPunct="1">
+        <a:defRPr kumimoji="0" kern="1200">
           <a:solidFill>
             <a:schemeClr val="tx1"/>
           </a:solidFill>
@@ -2980,8 +4124,8 @@
           <a:cs typeface="+mn-cs"/>
         </a:defRPr>
       </a:lvl6pPr>
-      <a:lvl7pPr marL="2743200" algn="l" defTabSz="914400" rtl="0" eaLnBrk="1" latinLnBrk="0" hangingPunct="1">
-        <a:defRPr sz="1800" kern="1200">
+      <a:lvl7pPr marL="2743200" algn="l" rtl="0" eaLnBrk="1" latinLnBrk="0" hangingPunct="1">
+        <a:defRPr kumimoji="0" kern="1200">
           <a:solidFill>
             <a:schemeClr val="tx1"/>
           </a:solidFill>
@@ -2990,8 +4134,8 @@
           <a:cs typeface="+mn-cs"/>
         </a:defRPr>
       </a:lvl7pPr>
-      <a:lvl8pPr marL="3200400" algn="l" defTabSz="914400" rtl="0" eaLnBrk="1" latinLnBrk="0" hangingPunct="1">
-        <a:defRPr sz="1800" kern="1200">
+      <a:lvl8pPr marL="3200400" algn="l" rtl="0" eaLnBrk="1" latinLnBrk="0" hangingPunct="1">
+        <a:defRPr kumimoji="0" kern="1200">
           <a:solidFill>
             <a:schemeClr val="tx1"/>
           </a:solidFill>
@@ -3000,8 +4144,8 @@
           <a:cs typeface="+mn-cs"/>
         </a:defRPr>
       </a:lvl8pPr>
-      <a:lvl9pPr marL="3657600" algn="l" defTabSz="914400" rtl="0" eaLnBrk="1" latinLnBrk="0" hangingPunct="1">
-        <a:defRPr sz="1800" kern="1200">
+      <a:lvl9pPr marL="3657600" algn="l" rtl="0" eaLnBrk="1" latinLnBrk="0" hangingPunct="1">
+        <a:defRPr kumimoji="0" kern="1200">
           <a:solidFill>
             <a:schemeClr val="tx1"/>
           </a:solidFill>
@@ -3010,15 +4154,1558 @@
           <a:cs typeface="+mn-cs"/>
         </a:defRPr>
       </a:lvl9pPr>
+      <a:extLst/>
     </p:otherStyle>
   </p:txStyles>
 </p:sldMaster>
 </file>
 
+<file path=ppt/slides/slide1.xml><?xml version="1.0" encoding="utf-8"?>
+<p:sld xmlns:a="http://schemas.openxmlformats.org/drawingml/2006/main" xmlns:r="http://schemas.openxmlformats.org/officeDocument/2006/relationships" xmlns:p="http://schemas.openxmlformats.org/presentationml/2006/main">
+  <p:cSld>
+    <p:spTree>
+      <p:nvGrpSpPr>
+        <p:cNvPr id="1" name=""/>
+        <p:cNvGrpSpPr/>
+        <p:nvPr/>
+      </p:nvGrpSpPr>
+      <p:grpSpPr>
+        <a:xfrm>
+          <a:off x="0" y="0"/>
+          <a:ext cx="0" cy="0"/>
+          <a:chOff x="0" y="0"/>
+          <a:chExt cx="0" cy="0"/>
+        </a:xfrm>
+      </p:grpSpPr>
+      <p:sp>
+        <p:nvSpPr>
+          <p:cNvPr id="4" name="標題 3"/>
+          <p:cNvSpPr>
+            <a:spLocks noGrp="1"/>
+          </p:cNvSpPr>
+          <p:nvPr>
+            <p:ph type="title"/>
+          </p:nvPr>
+        </p:nvSpPr>
+        <p:spPr/>
+        <p:txBody>
+          <a:bodyPr/>
+          <a:lstStyle/>
+          <a:p>
+            <a:r>
+              <a:rPr lang="zh-TW" altLang="en-US" dirty="0" smtClean="0"/>
+              <a:t>齊格的指環</a:t>
+            </a:r>
+            <a:endParaRPr lang="zh-TW" altLang="en-US" dirty="0"/>
+          </a:p>
+        </p:txBody>
+      </p:sp>
+      <p:pic>
+        <p:nvPicPr>
+          <p:cNvPr id="6" name="內容版面配置區 5" descr="landscape_image.jpg"/>
+          <p:cNvPicPr>
+            <a:picLocks noGrp="1" noChangeAspect="1"/>
+          </p:cNvPicPr>
+          <p:nvPr>
+            <p:ph idx="1"/>
+          </p:nvPr>
+        </p:nvPicPr>
+        <p:blipFill>
+          <a:blip r:embed="rId2"/>
+          <a:stretch>
+            <a:fillRect/>
+          </a:stretch>
+        </p:blipFill>
+        <p:spPr>
+          <a:xfrm>
+            <a:off x="1142976" y="1357298"/>
+            <a:ext cx="7858180" cy="4414087"/>
+          </a:xfrm>
+        </p:spPr>
+      </p:pic>
+      <p:sp>
+        <p:nvSpPr>
+          <p:cNvPr id="7" name="文字方塊 6"/>
+          <p:cNvSpPr txBox="1"/>
+          <p:nvPr/>
+        </p:nvSpPr>
+        <p:spPr>
+          <a:xfrm>
+            <a:off x="6215074" y="6143644"/>
+            <a:ext cx="2416046" cy="369332"/>
+          </a:xfrm>
+          <a:prstGeom prst="rect">
+            <a:avLst/>
+          </a:prstGeom>
+          <a:noFill/>
+        </p:spPr>
+        <p:txBody>
+          <a:bodyPr wrap="none" rtlCol="0">
+            <a:spAutoFit/>
+          </a:bodyPr>
+          <a:lstStyle/>
+          <a:p>
+            <a:r>
+              <a:rPr lang="zh-TW" altLang="en-US" dirty="0" smtClean="0"/>
+              <a:t>第二組 凃仲謙</a:t>
+            </a:r>
+            <a:r>
+              <a:rPr lang="en-US" altLang="zh-TW" dirty="0" smtClean="0"/>
+              <a:t>/</a:t>
+            </a:r>
+            <a:r>
+              <a:rPr lang="zh-TW" altLang="en-US" dirty="0" smtClean="0"/>
+              <a:t>施囿維</a:t>
+            </a:r>
+            <a:endParaRPr lang="zh-TW" altLang="en-US" dirty="0"/>
+          </a:p>
+        </p:txBody>
+      </p:sp>
+    </p:spTree>
+  </p:cSld>
+  <p:clrMapOvr>
+    <a:masterClrMapping/>
+  </p:clrMapOvr>
+</p:sld>
+</file>
+
+<file path=ppt/slides/slide10.xml><?xml version="1.0" encoding="utf-8"?>
+<p:sld xmlns:a="http://schemas.openxmlformats.org/drawingml/2006/main" xmlns:r="http://schemas.openxmlformats.org/officeDocument/2006/relationships" xmlns:p="http://schemas.openxmlformats.org/presentationml/2006/main">
+  <p:cSld>
+    <p:spTree>
+      <p:nvGrpSpPr>
+        <p:cNvPr id="1" name=""/>
+        <p:cNvGrpSpPr/>
+        <p:nvPr/>
+      </p:nvGrpSpPr>
+      <p:grpSpPr>
+        <a:xfrm>
+          <a:off x="0" y="0"/>
+          <a:ext cx="0" cy="0"/>
+          <a:chOff x="0" y="0"/>
+          <a:chExt cx="0" cy="0"/>
+        </a:xfrm>
+      </p:grpSpPr>
+      <p:sp>
+        <p:nvSpPr>
+          <p:cNvPr id="2" name="標題 1"/>
+          <p:cNvSpPr>
+            <a:spLocks noGrp="1"/>
+          </p:cNvSpPr>
+          <p:nvPr>
+            <p:ph type="title"/>
+          </p:nvPr>
+        </p:nvSpPr>
+        <p:spPr/>
+        <p:txBody>
+          <a:bodyPr>
+            <a:normAutofit/>
+          </a:bodyPr>
+          <a:lstStyle/>
+          <a:p>
+            <a:r>
+              <a:rPr lang="en-US" altLang="zh-TW" dirty="0" smtClean="0"/>
+              <a:t>WIKI</a:t>
+            </a:r>
+            <a:r>
+              <a:rPr lang="zh-TW" altLang="en-US" dirty="0" smtClean="0"/>
+              <a:t>展示</a:t>
+            </a:r>
+            <a:endParaRPr lang="zh-TW" altLang="en-US" dirty="0"/>
+          </a:p>
+        </p:txBody>
+      </p:sp>
+      <p:sp>
+        <p:nvSpPr>
+          <p:cNvPr id="3" name="內容版面配置區 2"/>
+          <p:cNvSpPr>
+            <a:spLocks noGrp="1"/>
+          </p:cNvSpPr>
+          <p:nvPr>
+            <p:ph idx="1"/>
+          </p:nvPr>
+        </p:nvSpPr>
+        <p:spPr/>
+        <p:txBody>
+          <a:bodyPr/>
+          <a:lstStyle/>
+          <a:p>
+            <a:r>
+              <a:rPr lang="en-US" altLang="zh-TW" dirty="0" smtClean="0">
+                <a:hlinkClick r:id="rId2"/>
+              </a:rPr>
+              <a:t>WIKI</a:t>
+            </a:r>
+            <a:endParaRPr lang="zh-TW" altLang="en-US" dirty="0"/>
+          </a:p>
+        </p:txBody>
+      </p:sp>
+      <p:pic>
+        <p:nvPicPr>
+          <p:cNvPr id="4" name="圖片 3" descr="擷取.PNG"/>
+          <p:cNvPicPr>
+            <a:picLocks noChangeAspect="1"/>
+          </p:cNvPicPr>
+          <p:nvPr/>
+        </p:nvPicPr>
+        <p:blipFill>
+          <a:blip r:embed="rId3"/>
+          <a:stretch>
+            <a:fillRect/>
+          </a:stretch>
+        </p:blipFill>
+        <p:spPr>
+          <a:xfrm>
+            <a:off x="0" y="2143116"/>
+            <a:ext cx="9144000" cy="4488613"/>
+          </a:xfrm>
+          <a:prstGeom prst="rect">
+            <a:avLst/>
+          </a:prstGeom>
+        </p:spPr>
+      </p:pic>
+      <p:sp>
+        <p:nvSpPr>
+          <p:cNvPr id="5" name="文字方塊 4"/>
+          <p:cNvSpPr txBox="1"/>
+          <p:nvPr/>
+        </p:nvSpPr>
+        <p:spPr>
+          <a:xfrm>
+            <a:off x="4500562" y="642918"/>
+            <a:ext cx="3647152" cy="369332"/>
+          </a:xfrm>
+          <a:prstGeom prst="rect">
+            <a:avLst/>
+          </a:prstGeom>
+          <a:noFill/>
+        </p:spPr>
+        <p:txBody>
+          <a:bodyPr wrap="none" rtlCol="0">
+            <a:spAutoFit/>
+          </a:bodyPr>
+          <a:lstStyle/>
+          <a:p>
+            <a:r>
+              <a:rPr lang="zh-TW" altLang="en-US" dirty="0" smtClean="0"/>
+              <a:t>主要著重於撰寫人事物的背景故事</a:t>
+            </a:r>
+            <a:endParaRPr lang="zh-TW" altLang="en-US" dirty="0"/>
+          </a:p>
+        </p:txBody>
+      </p:sp>
+    </p:spTree>
+  </p:cSld>
+  <p:clrMapOvr>
+    <a:masterClrMapping/>
+  </p:clrMapOvr>
+  <p:timing>
+    <p:tnLst>
+      <p:par>
+        <p:cTn id="1" dur="indefinite" restart="never" nodeType="tmRoot"/>
+      </p:par>
+    </p:tnLst>
+  </p:timing>
+</p:sld>
+</file>
+
+<file path=ppt/slides/slide11.xml><?xml version="1.0" encoding="utf-8"?>
+<p:sld xmlns:a="http://schemas.openxmlformats.org/drawingml/2006/main" xmlns:r="http://schemas.openxmlformats.org/officeDocument/2006/relationships" xmlns:p="http://schemas.openxmlformats.org/presentationml/2006/main">
+  <p:cSld>
+    <p:spTree>
+      <p:nvGrpSpPr>
+        <p:cNvPr id="1" name=""/>
+        <p:cNvGrpSpPr/>
+        <p:nvPr/>
+      </p:nvGrpSpPr>
+      <p:grpSpPr>
+        <a:xfrm>
+          <a:off x="0" y="0"/>
+          <a:ext cx="0" cy="0"/>
+          <a:chOff x="0" y="0"/>
+          <a:chExt cx="0" cy="0"/>
+        </a:xfrm>
+      </p:grpSpPr>
+      <p:sp>
+        <p:nvSpPr>
+          <p:cNvPr id="2" name="標題 1"/>
+          <p:cNvSpPr>
+            <a:spLocks noGrp="1"/>
+          </p:cNvSpPr>
+          <p:nvPr>
+            <p:ph type="title"/>
+          </p:nvPr>
+        </p:nvSpPr>
+        <p:spPr/>
+        <p:txBody>
+          <a:bodyPr>
+            <a:normAutofit/>
+          </a:bodyPr>
+          <a:lstStyle/>
+          <a:p>
+            <a:r>
+              <a:rPr lang="zh-TW" altLang="en-US" dirty="0" smtClean="0"/>
+              <a:t>故事本體</a:t>
+            </a:r>
+            <a:r>
+              <a:rPr lang="zh-TW" altLang="en-US" dirty="0" smtClean="0"/>
+              <a:t>展示</a:t>
+            </a:r>
+            <a:endParaRPr lang="zh-TW" altLang="en-US" dirty="0"/>
+          </a:p>
+        </p:txBody>
+      </p:sp>
+      <p:sp>
+        <p:nvSpPr>
+          <p:cNvPr id="3" name="內容版面配置區 2"/>
+          <p:cNvSpPr>
+            <a:spLocks noGrp="1"/>
+          </p:cNvSpPr>
+          <p:nvPr>
+            <p:ph idx="1"/>
+          </p:nvPr>
+        </p:nvSpPr>
+        <p:spPr/>
+        <p:txBody>
+          <a:bodyPr/>
+          <a:lstStyle/>
+          <a:p>
+            <a:r>
+              <a:rPr lang="zh-TW" altLang="en-US" dirty="0" smtClean="0">
+                <a:hlinkClick r:id="rId2"/>
+              </a:rPr>
+              <a:t>齊格的指環</a:t>
+            </a:r>
+            <a:endParaRPr lang="zh-TW" altLang="en-US" dirty="0"/>
+          </a:p>
+        </p:txBody>
+      </p:sp>
+      <p:pic>
+        <p:nvPicPr>
+          <p:cNvPr id="4" name="圖片 3" descr="擷取.PNG"/>
+          <p:cNvPicPr>
+            <a:picLocks noChangeAspect="1"/>
+          </p:cNvPicPr>
+          <p:nvPr/>
+        </p:nvPicPr>
+        <p:blipFill>
+          <a:blip r:embed="rId3"/>
+          <a:stretch>
+            <a:fillRect/>
+          </a:stretch>
+        </p:blipFill>
+        <p:spPr>
+          <a:xfrm>
+            <a:off x="928662" y="2071678"/>
+            <a:ext cx="8215338" cy="4628613"/>
+          </a:xfrm>
+          <a:prstGeom prst="rect">
+            <a:avLst/>
+          </a:prstGeom>
+        </p:spPr>
+      </p:pic>
+      <p:sp>
+        <p:nvSpPr>
+          <p:cNvPr id="5" name="文字方塊 4"/>
+          <p:cNvSpPr txBox="1"/>
+          <p:nvPr/>
+        </p:nvSpPr>
+        <p:spPr>
+          <a:xfrm>
+            <a:off x="5572132" y="571480"/>
+            <a:ext cx="2492990" cy="923330"/>
+          </a:xfrm>
+          <a:prstGeom prst="rect">
+            <a:avLst/>
+          </a:prstGeom>
+          <a:noFill/>
+        </p:spPr>
+        <p:txBody>
+          <a:bodyPr wrap="none" rtlCol="0">
+            <a:spAutoFit/>
+          </a:bodyPr>
+          <a:lstStyle/>
+          <a:p>
+            <a:r>
+              <a:rPr lang="zh-TW" altLang="en-US" dirty="0" smtClean="0"/>
+              <a:t>以第三人稱的視角，</a:t>
+            </a:r>
+            <a:endParaRPr lang="en-US" altLang="zh-TW" dirty="0" smtClean="0"/>
+          </a:p>
+          <a:p>
+            <a:r>
+              <a:rPr lang="zh-TW" altLang="en-US" dirty="0" smtClean="0"/>
+              <a:t>透過一連串的二選一來</a:t>
+            </a:r>
+            <a:endParaRPr lang="en-US" altLang="zh-TW" dirty="0" smtClean="0"/>
+          </a:p>
+          <a:p>
+            <a:r>
+              <a:rPr lang="zh-TW" altLang="en-US" dirty="0" smtClean="0"/>
+              <a:t>左右主角們的命運</a:t>
+            </a:r>
+            <a:endParaRPr lang="zh-TW" altLang="en-US" dirty="0"/>
+          </a:p>
+        </p:txBody>
+      </p:sp>
+    </p:spTree>
+  </p:cSld>
+  <p:clrMapOvr>
+    <a:masterClrMapping/>
+  </p:clrMapOvr>
+  <p:timing>
+    <p:tnLst>
+      <p:par>
+        <p:cTn id="1" dur="indefinite" restart="never" nodeType="tmRoot"/>
+      </p:par>
+    </p:tnLst>
+  </p:timing>
+</p:sld>
+</file>
+
+<file path=ppt/slides/slide12.xml><?xml version="1.0" encoding="utf-8"?>
+<p:sld xmlns:a="http://schemas.openxmlformats.org/drawingml/2006/main" xmlns:r="http://schemas.openxmlformats.org/officeDocument/2006/relationships" xmlns:p="http://schemas.openxmlformats.org/presentationml/2006/main">
+  <p:cSld>
+    <p:spTree>
+      <p:nvGrpSpPr>
+        <p:cNvPr id="1" name=""/>
+        <p:cNvGrpSpPr/>
+        <p:nvPr/>
+      </p:nvGrpSpPr>
+      <p:grpSpPr>
+        <a:xfrm>
+          <a:off x="0" y="0"/>
+          <a:ext cx="0" cy="0"/>
+          <a:chOff x="0" y="0"/>
+          <a:chExt cx="0" cy="0"/>
+        </a:xfrm>
+      </p:grpSpPr>
+      <p:sp>
+        <p:nvSpPr>
+          <p:cNvPr id="4" name="標題 3"/>
+          <p:cNvSpPr>
+            <a:spLocks noGrp="1"/>
+          </p:cNvSpPr>
+          <p:nvPr>
+            <p:ph type="title"/>
+          </p:nvPr>
+        </p:nvSpPr>
+        <p:spPr>
+          <a:xfrm>
+            <a:off x="1857356" y="2786058"/>
+            <a:ext cx="7498080" cy="1143000"/>
+          </a:xfrm>
+        </p:spPr>
+        <p:txBody>
+          <a:bodyPr/>
+          <a:lstStyle/>
+          <a:p>
+            <a:r>
+              <a:rPr lang="zh-TW" altLang="en-US" dirty="0" smtClean="0"/>
+              <a:t>感謝你的聆聽</a:t>
+            </a:r>
+            <a:endParaRPr lang="zh-TW" altLang="en-US" dirty="0"/>
+          </a:p>
+        </p:txBody>
+      </p:sp>
+    </p:spTree>
+  </p:cSld>
+  <p:clrMapOvr>
+    <a:masterClrMapping/>
+  </p:clrMapOvr>
+  <p:timing>
+    <p:tnLst>
+      <p:par>
+        <p:cTn id="1" dur="indefinite" restart="never" nodeType="tmRoot"/>
+      </p:par>
+    </p:tnLst>
+  </p:timing>
+</p:sld>
+</file>
+
+<file path=ppt/slides/slide2.xml><?xml version="1.0" encoding="utf-8"?>
+<p:sld xmlns:a="http://schemas.openxmlformats.org/drawingml/2006/main" xmlns:r="http://schemas.openxmlformats.org/officeDocument/2006/relationships" xmlns:p="http://schemas.openxmlformats.org/presentationml/2006/main">
+  <p:cSld>
+    <p:spTree>
+      <p:nvGrpSpPr>
+        <p:cNvPr id="1" name=""/>
+        <p:cNvGrpSpPr/>
+        <p:nvPr/>
+      </p:nvGrpSpPr>
+      <p:grpSpPr>
+        <a:xfrm>
+          <a:off x="0" y="0"/>
+          <a:ext cx="0" cy="0"/>
+          <a:chOff x="0" y="0"/>
+          <a:chExt cx="0" cy="0"/>
+        </a:xfrm>
+      </p:grpSpPr>
+      <p:sp>
+        <p:nvSpPr>
+          <p:cNvPr id="2" name="標題 1"/>
+          <p:cNvSpPr>
+            <a:spLocks noGrp="1"/>
+          </p:cNvSpPr>
+          <p:nvPr>
+            <p:ph type="title"/>
+          </p:nvPr>
+        </p:nvSpPr>
+        <p:spPr/>
+        <p:txBody>
+          <a:bodyPr/>
+          <a:lstStyle/>
+          <a:p>
+            <a:r>
+              <a:rPr lang="zh-TW" altLang="en-US" dirty="0" smtClean="0"/>
+              <a:t>大綱</a:t>
+            </a:r>
+            <a:endParaRPr lang="zh-TW" altLang="en-US" dirty="0"/>
+          </a:p>
+        </p:txBody>
+      </p:sp>
+      <p:sp>
+        <p:nvSpPr>
+          <p:cNvPr id="3" name="內容版面配置區 2"/>
+          <p:cNvSpPr>
+            <a:spLocks noGrp="1"/>
+          </p:cNvSpPr>
+          <p:nvPr>
+            <p:ph idx="1"/>
+          </p:nvPr>
+        </p:nvSpPr>
+        <p:spPr/>
+        <p:txBody>
+          <a:bodyPr/>
+          <a:lstStyle/>
+          <a:p>
+            <a:r>
+              <a:rPr lang="zh-TW" altLang="en-US" dirty="0" smtClean="0"/>
+              <a:t>故事大綱與故事設計介紹</a:t>
+            </a:r>
+            <a:endParaRPr lang="en-US" altLang="zh-TW" dirty="0" smtClean="0"/>
+          </a:p>
+          <a:p>
+            <a:r>
+              <a:rPr lang="en-US" altLang="zh-TW" dirty="0" smtClean="0"/>
+              <a:t>Neo4j</a:t>
+            </a:r>
+            <a:r>
+              <a:rPr lang="zh-TW" altLang="en-US" dirty="0" smtClean="0"/>
+              <a:t>展示</a:t>
+            </a:r>
+            <a:endParaRPr lang="en-US" altLang="zh-TW" dirty="0" smtClean="0"/>
+          </a:p>
+          <a:p>
+            <a:r>
+              <a:rPr lang="en-US" altLang="zh-TW" dirty="0" smtClean="0"/>
+              <a:t>WIKI</a:t>
+            </a:r>
+            <a:r>
+              <a:rPr lang="zh-TW" altLang="en-US" dirty="0" smtClean="0"/>
+              <a:t>展示</a:t>
+            </a:r>
+            <a:endParaRPr lang="en-US" altLang="zh-TW" dirty="0" smtClean="0"/>
+          </a:p>
+          <a:p>
+            <a:r>
+              <a:rPr lang="zh-TW" altLang="en-US" dirty="0" smtClean="0"/>
+              <a:t>故事本體</a:t>
+            </a:r>
+            <a:r>
+              <a:rPr lang="zh-TW" altLang="en-US" dirty="0" smtClean="0"/>
+              <a:t>展示</a:t>
+            </a:r>
+            <a:endParaRPr lang="en-US" altLang="zh-TW" dirty="0" smtClean="0"/>
+          </a:p>
+        </p:txBody>
+      </p:sp>
+    </p:spTree>
+  </p:cSld>
+  <p:clrMapOvr>
+    <a:masterClrMapping/>
+  </p:clrMapOvr>
+  <p:timing>
+    <p:tnLst>
+      <p:par>
+        <p:cTn id="1" dur="indefinite" restart="never" nodeType="tmRoot"/>
+      </p:par>
+    </p:tnLst>
+  </p:timing>
+</p:sld>
+</file>
+
+<file path=ppt/slides/slide3.xml><?xml version="1.0" encoding="utf-8"?>
+<p:sld xmlns:a="http://schemas.openxmlformats.org/drawingml/2006/main" xmlns:r="http://schemas.openxmlformats.org/officeDocument/2006/relationships" xmlns:p="http://schemas.openxmlformats.org/presentationml/2006/main">
+  <p:cSld>
+    <p:spTree>
+      <p:nvGrpSpPr>
+        <p:cNvPr id="1" name=""/>
+        <p:cNvGrpSpPr/>
+        <p:nvPr/>
+      </p:nvGrpSpPr>
+      <p:grpSpPr>
+        <a:xfrm>
+          <a:off x="0" y="0"/>
+          <a:ext cx="0" cy="0"/>
+          <a:chOff x="0" y="0"/>
+          <a:chExt cx="0" cy="0"/>
+        </a:xfrm>
+      </p:grpSpPr>
+      <p:sp>
+        <p:nvSpPr>
+          <p:cNvPr id="2" name="標題 1"/>
+          <p:cNvSpPr>
+            <a:spLocks noGrp="1"/>
+          </p:cNvSpPr>
+          <p:nvPr>
+            <p:ph type="title"/>
+          </p:nvPr>
+        </p:nvSpPr>
+        <p:spPr/>
+        <p:txBody>
+          <a:bodyPr/>
+          <a:lstStyle/>
+          <a:p>
+            <a:r>
+              <a:rPr lang="zh-TW" altLang="en-US" dirty="0" smtClean="0"/>
+              <a:t>故事簡介</a:t>
+            </a:r>
+            <a:endParaRPr lang="zh-TW" altLang="en-US" dirty="0"/>
+          </a:p>
+        </p:txBody>
+      </p:sp>
+      <p:sp>
+        <p:nvSpPr>
+          <p:cNvPr id="3" name="內容版面配置區 2"/>
+          <p:cNvSpPr>
+            <a:spLocks noGrp="1"/>
+          </p:cNvSpPr>
+          <p:nvPr>
+            <p:ph idx="1"/>
+          </p:nvPr>
+        </p:nvSpPr>
+        <p:spPr/>
+        <p:txBody>
+          <a:bodyPr>
+            <a:normAutofit/>
+          </a:bodyPr>
+          <a:lstStyle/>
+          <a:p>
+            <a:r>
+              <a:rPr lang="zh-TW" altLang="en-US" dirty="0" smtClean="0"/>
+              <a:t>在中古世紀末的西歐，為了討伐威脅人們生活的惡龍</a:t>
+            </a:r>
+            <a:r>
+              <a:rPr lang="en-US" altLang="zh-TW" dirty="0" smtClean="0"/>
+              <a:t>-</a:t>
+            </a:r>
+            <a:r>
+              <a:rPr lang="zh-TW" altLang="en-US" dirty="0" smtClean="0"/>
+              <a:t>法夫納，嚮往騎士精神的年輕騎士齊格與嚮往魔法同為騎士的好友弗里德，受到領主</a:t>
+            </a:r>
+            <a:r>
+              <a:rPr lang="en-US" altLang="zh-TW" dirty="0" smtClean="0"/>
+              <a:t>『</a:t>
+            </a:r>
+            <a:r>
+              <a:rPr lang="zh-TW" altLang="en-US" dirty="0" smtClean="0"/>
+              <a:t>獅心王</a:t>
+            </a:r>
+            <a:r>
+              <a:rPr lang="en-US" altLang="zh-TW" dirty="0" smtClean="0"/>
+              <a:t>-</a:t>
+            </a:r>
+            <a:r>
+              <a:rPr lang="zh-TW" altLang="en-US" dirty="0" smtClean="0"/>
+              <a:t>理查</a:t>
+            </a:r>
+            <a:r>
+              <a:rPr lang="en-US" altLang="zh-TW" dirty="0" smtClean="0"/>
+              <a:t>』</a:t>
+            </a:r>
+            <a:r>
+              <a:rPr lang="zh-TW" altLang="en-US" dirty="0" smtClean="0"/>
+              <a:t>的命令，踏上了尋找傳說神器的</a:t>
+            </a:r>
+            <a:r>
+              <a:rPr lang="zh-TW" altLang="en-US" dirty="0" smtClean="0"/>
+              <a:t>旅途。</a:t>
+            </a:r>
+            <a:endParaRPr lang="en-US" altLang="zh-TW" dirty="0" smtClean="0"/>
+          </a:p>
+          <a:p>
+            <a:endParaRPr lang="en-US" altLang="zh-TW" dirty="0" smtClean="0"/>
+          </a:p>
+          <a:p>
+            <a:r>
+              <a:rPr lang="zh-TW" altLang="en-US" dirty="0" smtClean="0"/>
+              <a:t>簡</a:t>
+            </a:r>
+            <a:r>
+              <a:rPr lang="zh-TW" altLang="en-US" dirty="0" smtClean="0"/>
+              <a:t>言</a:t>
+            </a:r>
+            <a:r>
+              <a:rPr lang="zh-TW" altLang="en-US" dirty="0" smtClean="0"/>
+              <a:t>之就是主角齊格與弗里德兩人尋找</a:t>
+            </a:r>
+            <a:r>
+              <a:rPr lang="zh-TW" altLang="en-US" dirty="0" smtClean="0"/>
+              <a:t>神</a:t>
+            </a:r>
+            <a:r>
+              <a:rPr lang="zh-TW" altLang="en-US" dirty="0" smtClean="0"/>
+              <a:t>器一同踏上屠龍之旅的物語。</a:t>
+            </a:r>
+            <a:endParaRPr lang="zh-TW" altLang="en-US" dirty="0"/>
+          </a:p>
+        </p:txBody>
+      </p:sp>
+    </p:spTree>
+  </p:cSld>
+  <p:clrMapOvr>
+    <a:masterClrMapping/>
+  </p:clrMapOvr>
+  <p:timing>
+    <p:tnLst>
+      <p:par>
+        <p:cTn id="1" dur="indefinite" restart="never" nodeType="tmRoot">
+          <p:childTnLst>
+            <p:seq concurrent="1" nextAc="seek">
+              <p:cTn id="2" dur="indefinite" nodeType="mainSeq">
+                <p:childTnLst>
+                  <p:par>
+                    <p:cTn id="3" fill="hold">
+                      <p:stCondLst>
+                        <p:cond delay="indefinite"/>
+                      </p:stCondLst>
+                      <p:childTnLst>
+                        <p:par>
+                          <p:cTn id="4" fill="hold">
+                            <p:stCondLst>
+                              <p:cond delay="0"/>
+                            </p:stCondLst>
+                            <p:childTnLst>
+                              <p:par>
+                                <p:cTn id="5" presetID="2" presetClass="entr" presetSubtype="4" fill="hold" nodeType="clickEffect">
+                                  <p:stCondLst>
+                                    <p:cond delay="0"/>
+                                  </p:stCondLst>
+                                  <p:childTnLst>
+                                    <p:set>
+                                      <p:cBhvr>
+                                        <p:cTn id="6" dur="1" fill="hold">
+                                          <p:stCondLst>
+                                            <p:cond delay="0"/>
+                                          </p:stCondLst>
+                                        </p:cTn>
+                                        <p:tgtEl>
+                                          <p:spTgt spid="3">
+                                            <p:txEl>
+                                              <p:pRg st="2" end="2"/>
+                                            </p:txEl>
+                                          </p:spTgt>
+                                        </p:tgtEl>
+                                        <p:attrNameLst>
+                                          <p:attrName>style.visibility</p:attrName>
+                                        </p:attrNameLst>
+                                      </p:cBhvr>
+                                      <p:to>
+                                        <p:strVal val="visible"/>
+                                      </p:to>
+                                    </p:set>
+                                    <p:anim calcmode="lin" valueType="num">
+                                      <p:cBhvr additive="base">
+                                        <p:cTn id="7" dur="500" fill="hold"/>
+                                        <p:tgtEl>
+                                          <p:spTgt spid="3">
+                                            <p:txEl>
+                                              <p:pRg st="2" end="2"/>
+                                            </p:txEl>
+                                          </p:spTgt>
+                                        </p:tgtEl>
+                                        <p:attrNameLst>
+                                          <p:attrName>ppt_x</p:attrName>
+                                        </p:attrNameLst>
+                                      </p:cBhvr>
+                                      <p:tavLst>
+                                        <p:tav tm="0">
+                                          <p:val>
+                                            <p:strVal val="#ppt_x"/>
+                                          </p:val>
+                                        </p:tav>
+                                        <p:tav tm="100000">
+                                          <p:val>
+                                            <p:strVal val="#ppt_x"/>
+                                          </p:val>
+                                        </p:tav>
+                                      </p:tavLst>
+                                    </p:anim>
+                                    <p:anim calcmode="lin" valueType="num">
+                                      <p:cBhvr additive="base">
+                                        <p:cTn id="8" dur="500" fill="hold"/>
+                                        <p:tgtEl>
+                                          <p:spTgt spid="3">
+                                            <p:txEl>
+                                              <p:pRg st="2" end="2"/>
+                                            </p:txEl>
+                                          </p:spTgt>
+                                        </p:tgtEl>
+                                        <p:attrNameLst>
+                                          <p:attrName>ppt_y</p:attrName>
+                                        </p:attrNameLst>
+                                      </p:cBhvr>
+                                      <p:tavLst>
+                                        <p:tav tm="0">
+                                          <p:val>
+                                            <p:strVal val="1+#ppt_h/2"/>
+                                          </p:val>
+                                        </p:tav>
+                                        <p:tav tm="100000">
+                                          <p:val>
+                                            <p:strVal val="#ppt_y"/>
+                                          </p:val>
+                                        </p:tav>
+                                      </p:tavLst>
+                                    </p:anim>
+                                  </p:childTnLst>
+                                </p:cTn>
+                              </p:par>
+                            </p:childTnLst>
+                          </p:cTn>
+                        </p:par>
+                      </p:childTnLst>
+                    </p:cTn>
+                  </p:par>
+                </p:childTnLst>
+              </p:cTn>
+              <p:prevCondLst>
+                <p:cond evt="onPrev" delay="0">
+                  <p:tgtEl>
+                    <p:sldTgt/>
+                  </p:tgtEl>
+                </p:cond>
+              </p:prevCondLst>
+              <p:nextCondLst>
+                <p:cond evt="onNext" delay="0">
+                  <p:tgtEl>
+                    <p:sldTgt/>
+                  </p:tgtEl>
+                </p:cond>
+              </p:nextCondLst>
+            </p:seq>
+          </p:childTnLst>
+        </p:cTn>
+      </p:par>
+    </p:tnLst>
+  </p:timing>
+</p:sld>
+</file>
+
+<file path=ppt/slides/slide4.xml><?xml version="1.0" encoding="utf-8"?>
+<p:sld xmlns:a="http://schemas.openxmlformats.org/drawingml/2006/main" xmlns:r="http://schemas.openxmlformats.org/officeDocument/2006/relationships" xmlns:p="http://schemas.openxmlformats.org/presentationml/2006/main">
+  <p:cSld>
+    <p:spTree>
+      <p:nvGrpSpPr>
+        <p:cNvPr id="1" name=""/>
+        <p:cNvGrpSpPr/>
+        <p:nvPr/>
+      </p:nvGrpSpPr>
+      <p:grpSpPr>
+        <a:xfrm>
+          <a:off x="0" y="0"/>
+          <a:ext cx="0" cy="0"/>
+          <a:chOff x="0" y="0"/>
+          <a:chExt cx="0" cy="0"/>
+        </a:xfrm>
+      </p:grpSpPr>
+      <p:sp>
+        <p:nvSpPr>
+          <p:cNvPr id="2" name="標題 1"/>
+          <p:cNvSpPr>
+            <a:spLocks noGrp="1"/>
+          </p:cNvSpPr>
+          <p:nvPr>
+            <p:ph type="title"/>
+          </p:nvPr>
+        </p:nvSpPr>
+        <p:spPr/>
+        <p:txBody>
+          <a:bodyPr/>
+          <a:lstStyle/>
+          <a:p>
+            <a:r>
+              <a:rPr lang="zh-TW" altLang="en-US" dirty="0" smtClean="0"/>
+              <a:t>故事流程圖</a:t>
+            </a:r>
+            <a:endParaRPr lang="zh-TW" altLang="en-US" dirty="0"/>
+          </a:p>
+        </p:txBody>
+      </p:sp>
+      <p:pic>
+        <p:nvPicPr>
+          <p:cNvPr id="4" name="內容版面配置區 3" descr="劇情大綱.jpg"/>
+          <p:cNvPicPr>
+            <a:picLocks noGrp="1" noChangeAspect="1"/>
+          </p:cNvPicPr>
+          <p:nvPr>
+            <p:ph idx="1"/>
+          </p:nvPr>
+        </p:nvPicPr>
+        <p:blipFill>
+          <a:blip r:embed="rId2" cstate="print"/>
+          <a:stretch>
+            <a:fillRect/>
+          </a:stretch>
+        </p:blipFill>
+        <p:spPr>
+          <a:xfrm>
+            <a:off x="1136219" y="1571612"/>
+            <a:ext cx="8007781" cy="4500594"/>
+          </a:xfrm>
+        </p:spPr>
+      </p:pic>
+    </p:spTree>
+  </p:cSld>
+  <p:clrMapOvr>
+    <a:masterClrMapping/>
+  </p:clrMapOvr>
+  <p:timing>
+    <p:tnLst>
+      <p:par>
+        <p:cTn id="1" dur="indefinite" restart="never" nodeType="tmRoot"/>
+      </p:par>
+    </p:tnLst>
+  </p:timing>
+</p:sld>
+</file>
+
+<file path=ppt/slides/slide5.xml><?xml version="1.0" encoding="utf-8"?>
+<p:sld xmlns:a="http://schemas.openxmlformats.org/drawingml/2006/main" xmlns:r="http://schemas.openxmlformats.org/officeDocument/2006/relationships" xmlns:p="http://schemas.openxmlformats.org/presentationml/2006/main">
+  <p:cSld>
+    <p:spTree>
+      <p:nvGrpSpPr>
+        <p:cNvPr id="1" name=""/>
+        <p:cNvGrpSpPr/>
+        <p:nvPr/>
+      </p:nvGrpSpPr>
+      <p:grpSpPr>
+        <a:xfrm>
+          <a:off x="0" y="0"/>
+          <a:ext cx="0" cy="0"/>
+          <a:chOff x="0" y="0"/>
+          <a:chExt cx="0" cy="0"/>
+        </a:xfrm>
+      </p:grpSpPr>
+      <p:sp>
+        <p:nvSpPr>
+          <p:cNvPr id="2" name="標題 1"/>
+          <p:cNvSpPr>
+            <a:spLocks noGrp="1"/>
+          </p:cNvSpPr>
+          <p:nvPr>
+            <p:ph type="title"/>
+          </p:nvPr>
+        </p:nvSpPr>
+        <p:spPr/>
+        <p:txBody>
+          <a:bodyPr/>
+          <a:lstStyle/>
+          <a:p>
+            <a:r>
+              <a:rPr lang="zh-TW" altLang="en-US" dirty="0" smtClean="0"/>
+              <a:t>故事流程圖</a:t>
+            </a:r>
+            <a:endParaRPr lang="zh-TW" altLang="en-US" dirty="0"/>
+          </a:p>
+        </p:txBody>
+      </p:sp>
+      <p:sp>
+        <p:nvSpPr>
+          <p:cNvPr id="3" name="內容版面配置區 2"/>
+          <p:cNvSpPr>
+            <a:spLocks noGrp="1"/>
+          </p:cNvSpPr>
+          <p:nvPr>
+            <p:ph idx="1"/>
+          </p:nvPr>
+        </p:nvSpPr>
+        <p:spPr/>
+        <p:txBody>
+          <a:bodyPr/>
+          <a:lstStyle/>
+          <a:p>
+            <a:r>
+              <a:rPr lang="zh-TW" altLang="en-US" dirty="0" smtClean="0"/>
+              <a:t>總共可以分成三個部分</a:t>
+            </a:r>
+            <a:r>
+              <a:rPr lang="zh-TW" altLang="en-US" dirty="0" smtClean="0"/>
+              <a:t>、四條故事線</a:t>
+            </a:r>
+            <a:endParaRPr lang="zh-TW" altLang="en-US" dirty="0"/>
+          </a:p>
+        </p:txBody>
+      </p:sp>
+    </p:spTree>
+  </p:cSld>
+  <p:clrMapOvr>
+    <a:masterClrMapping/>
+  </p:clrMapOvr>
+  <p:timing>
+    <p:tnLst>
+      <p:par>
+        <p:cTn id="1" dur="indefinite" restart="never" nodeType="tmRoot"/>
+      </p:par>
+    </p:tnLst>
+  </p:timing>
+</p:sld>
+</file>
+
+<file path=ppt/slides/slide6.xml><?xml version="1.0" encoding="utf-8"?>
+<p:sld xmlns:a="http://schemas.openxmlformats.org/drawingml/2006/main" xmlns:r="http://schemas.openxmlformats.org/officeDocument/2006/relationships" xmlns:p="http://schemas.openxmlformats.org/presentationml/2006/main">
+  <p:cSld>
+    <p:spTree>
+      <p:nvGrpSpPr>
+        <p:cNvPr id="1" name=""/>
+        <p:cNvGrpSpPr/>
+        <p:nvPr/>
+      </p:nvGrpSpPr>
+      <p:grpSpPr>
+        <a:xfrm>
+          <a:off x="0" y="0"/>
+          <a:ext cx="0" cy="0"/>
+          <a:chOff x="0" y="0"/>
+          <a:chExt cx="0" cy="0"/>
+        </a:xfrm>
+      </p:grpSpPr>
+      <p:sp>
+        <p:nvSpPr>
+          <p:cNvPr id="2" name="標題 1"/>
+          <p:cNvSpPr>
+            <a:spLocks noGrp="1"/>
+          </p:cNvSpPr>
+          <p:nvPr>
+            <p:ph type="title"/>
+          </p:nvPr>
+        </p:nvSpPr>
+        <p:spPr/>
+        <p:txBody>
+          <a:bodyPr/>
+          <a:lstStyle/>
+          <a:p>
+            <a:r>
+              <a:rPr lang="zh-TW" altLang="en-US" dirty="0" smtClean="0"/>
+              <a:t>第一部分</a:t>
+            </a:r>
+            <a:r>
+              <a:rPr lang="en-US" altLang="zh-TW" dirty="0" smtClean="0"/>
+              <a:t>-</a:t>
+            </a:r>
+            <a:r>
+              <a:rPr lang="zh-TW" altLang="en-US" dirty="0" smtClean="0"/>
+              <a:t>序章</a:t>
+            </a:r>
+            <a:endParaRPr lang="zh-TW" altLang="en-US" dirty="0"/>
+          </a:p>
+        </p:txBody>
+      </p:sp>
+      <p:pic>
+        <p:nvPicPr>
+          <p:cNvPr id="5" name="內容版面配置區 4" descr="劇情大綱.jpg"/>
+          <p:cNvPicPr>
+            <a:picLocks noGrp="1" noChangeAspect="1"/>
+          </p:cNvPicPr>
+          <p:nvPr>
+            <p:ph idx="4294967295"/>
+          </p:nvPr>
+        </p:nvPicPr>
+        <p:blipFill>
+          <a:blip r:embed="rId2" cstate="print"/>
+          <a:stretch>
+            <a:fillRect/>
+          </a:stretch>
+        </p:blipFill>
+        <p:spPr>
+          <a:xfrm>
+            <a:off x="1644650" y="2101850"/>
+            <a:ext cx="7499350" cy="3492500"/>
+          </a:xfrm>
+        </p:spPr>
+      </p:pic>
+      <p:sp>
+        <p:nvSpPr>
+          <p:cNvPr id="8" name="文字方塊 7"/>
+          <p:cNvSpPr txBox="1"/>
+          <p:nvPr/>
+        </p:nvSpPr>
+        <p:spPr>
+          <a:xfrm>
+            <a:off x="1857356" y="1785926"/>
+            <a:ext cx="3647152" cy="646331"/>
+          </a:xfrm>
+          <a:prstGeom prst="rect">
+            <a:avLst/>
+          </a:prstGeom>
+          <a:noFill/>
+        </p:spPr>
+        <p:txBody>
+          <a:bodyPr wrap="none" rtlCol="0">
+            <a:spAutoFit/>
+          </a:bodyPr>
+          <a:lstStyle/>
+          <a:p>
+            <a:r>
+              <a:rPr lang="zh-TW" altLang="en-US" dirty="0" smtClean="0"/>
+              <a:t>和主角一同遊歷城市，介紹世界觀</a:t>
+            </a:r>
+            <a:endParaRPr lang="en-US" altLang="zh-TW" dirty="0" smtClean="0"/>
+          </a:p>
+          <a:p>
+            <a:r>
+              <a:rPr lang="zh-TW" altLang="en-US" dirty="0" smtClean="0"/>
+              <a:t>對應</a:t>
+            </a:r>
+            <a:r>
+              <a:rPr lang="en-US" altLang="zh-TW" dirty="0" smtClean="0"/>
+              <a:t>TWINE</a:t>
+            </a:r>
+            <a:r>
+              <a:rPr lang="zh-TW" altLang="en-US" dirty="0" smtClean="0"/>
+              <a:t>之中黃色的節點</a:t>
+            </a:r>
+            <a:endParaRPr lang="zh-TW" altLang="en-US" dirty="0"/>
+          </a:p>
+        </p:txBody>
+      </p:sp>
+    </p:spTree>
+  </p:cSld>
+  <p:clrMapOvr>
+    <a:masterClrMapping/>
+  </p:clrMapOvr>
+  <p:timing>
+    <p:tnLst>
+      <p:par>
+        <p:cTn id="1" dur="indefinite" restart="never" nodeType="tmRoot"/>
+      </p:par>
+    </p:tnLst>
+  </p:timing>
+</p:sld>
+</file>
+
+<file path=ppt/slides/slide7.xml><?xml version="1.0" encoding="utf-8"?>
+<p:sld xmlns:a="http://schemas.openxmlformats.org/drawingml/2006/main" xmlns:r="http://schemas.openxmlformats.org/officeDocument/2006/relationships" xmlns:p="http://schemas.openxmlformats.org/presentationml/2006/main">
+  <p:cSld>
+    <p:spTree>
+      <p:nvGrpSpPr>
+        <p:cNvPr id="1" name=""/>
+        <p:cNvGrpSpPr/>
+        <p:nvPr/>
+      </p:nvGrpSpPr>
+      <p:grpSpPr>
+        <a:xfrm>
+          <a:off x="0" y="0"/>
+          <a:ext cx="0" cy="0"/>
+          <a:chOff x="0" y="0"/>
+          <a:chExt cx="0" cy="0"/>
+        </a:xfrm>
+      </p:grpSpPr>
+      <p:sp>
+        <p:nvSpPr>
+          <p:cNvPr id="2" name="標題 1"/>
+          <p:cNvSpPr>
+            <a:spLocks noGrp="1"/>
+          </p:cNvSpPr>
+          <p:nvPr>
+            <p:ph type="title"/>
+          </p:nvPr>
+        </p:nvSpPr>
+        <p:spPr/>
+        <p:txBody>
+          <a:bodyPr/>
+          <a:lstStyle/>
+          <a:p>
+            <a:r>
+              <a:rPr lang="zh-TW" altLang="en-US" dirty="0" smtClean="0"/>
+              <a:t>第二部分</a:t>
+            </a:r>
+            <a:r>
+              <a:rPr lang="en-US" altLang="zh-TW" dirty="0" smtClean="0"/>
+              <a:t>-</a:t>
+            </a:r>
+            <a:r>
+              <a:rPr lang="zh-TW" altLang="en-US" dirty="0" smtClean="0"/>
+              <a:t>尋找神器與同伴</a:t>
+            </a:r>
+            <a:endParaRPr lang="zh-TW" altLang="en-US" dirty="0"/>
+          </a:p>
+        </p:txBody>
+      </p:sp>
+      <p:pic>
+        <p:nvPicPr>
+          <p:cNvPr id="4" name="內容版面配置區 3" descr="劇情大綱.jpg"/>
+          <p:cNvPicPr>
+            <a:picLocks noGrp="1" noChangeAspect="1"/>
+          </p:cNvPicPr>
+          <p:nvPr>
+            <p:ph idx="1"/>
+          </p:nvPr>
+        </p:nvPicPr>
+        <p:blipFill>
+          <a:blip r:embed="rId2" cstate="print"/>
+          <a:stretch>
+            <a:fillRect/>
+          </a:stretch>
+        </p:blipFill>
+        <p:spPr>
+          <a:xfrm>
+            <a:off x="246502" y="1888098"/>
+            <a:ext cx="8687948" cy="4541298"/>
+          </a:xfrm>
+        </p:spPr>
+      </p:pic>
+      <p:sp>
+        <p:nvSpPr>
+          <p:cNvPr id="5" name="文字方塊 4"/>
+          <p:cNvSpPr txBox="1"/>
+          <p:nvPr/>
+        </p:nvSpPr>
+        <p:spPr>
+          <a:xfrm>
+            <a:off x="1285852" y="1428736"/>
+            <a:ext cx="3647152" cy="646331"/>
+          </a:xfrm>
+          <a:prstGeom prst="rect">
+            <a:avLst/>
+          </a:prstGeom>
+          <a:noFill/>
+        </p:spPr>
+        <p:txBody>
+          <a:bodyPr wrap="none" rtlCol="0">
+            <a:spAutoFit/>
+          </a:bodyPr>
+          <a:lstStyle/>
+          <a:p>
+            <a:r>
+              <a:rPr lang="zh-TW" altLang="en-US" dirty="0" smtClean="0"/>
+              <a:t>根據選擇不同，同伴會離去與留下</a:t>
+            </a:r>
+            <a:endParaRPr lang="en-US" altLang="zh-TW" dirty="0" smtClean="0"/>
+          </a:p>
+          <a:p>
+            <a:r>
+              <a:rPr lang="zh-TW" altLang="en-US" dirty="0" smtClean="0"/>
+              <a:t>導致走向不同的故事線</a:t>
+            </a:r>
+            <a:endParaRPr lang="zh-TW" altLang="en-US" dirty="0"/>
+          </a:p>
+        </p:txBody>
+      </p:sp>
+    </p:spTree>
+  </p:cSld>
+  <p:clrMapOvr>
+    <a:masterClrMapping/>
+  </p:clrMapOvr>
+  <p:timing>
+    <p:tnLst>
+      <p:par>
+        <p:cTn id="1" dur="indefinite" restart="never" nodeType="tmRoot"/>
+      </p:par>
+    </p:tnLst>
+  </p:timing>
+</p:sld>
+</file>
+
+<file path=ppt/slides/slide8.xml><?xml version="1.0" encoding="utf-8"?>
+<p:sld xmlns:a="http://schemas.openxmlformats.org/drawingml/2006/main" xmlns:r="http://schemas.openxmlformats.org/officeDocument/2006/relationships" xmlns:p="http://schemas.openxmlformats.org/presentationml/2006/main">
+  <p:cSld>
+    <p:spTree>
+      <p:nvGrpSpPr>
+        <p:cNvPr id="1" name=""/>
+        <p:cNvGrpSpPr/>
+        <p:nvPr/>
+      </p:nvGrpSpPr>
+      <p:grpSpPr>
+        <a:xfrm>
+          <a:off x="0" y="0"/>
+          <a:ext cx="0" cy="0"/>
+          <a:chOff x="0" y="0"/>
+          <a:chExt cx="0" cy="0"/>
+        </a:xfrm>
+      </p:grpSpPr>
+      <p:sp>
+        <p:nvSpPr>
+          <p:cNvPr id="2" name="標題 1"/>
+          <p:cNvSpPr>
+            <a:spLocks noGrp="1"/>
+          </p:cNvSpPr>
+          <p:nvPr>
+            <p:ph type="title"/>
+          </p:nvPr>
+        </p:nvSpPr>
+        <p:spPr/>
+        <p:txBody>
+          <a:bodyPr/>
+          <a:lstStyle/>
+          <a:p>
+            <a:r>
+              <a:rPr lang="zh-TW" altLang="en-US" dirty="0" smtClean="0"/>
+              <a:t>第三部分</a:t>
+            </a:r>
+            <a:r>
+              <a:rPr lang="en-US" altLang="zh-TW" dirty="0" smtClean="0"/>
+              <a:t>-</a:t>
+            </a:r>
+            <a:r>
+              <a:rPr lang="zh-TW" altLang="en-US" dirty="0" smtClean="0"/>
+              <a:t>屠龍</a:t>
+            </a:r>
+            <a:endParaRPr lang="zh-TW" altLang="en-US" dirty="0"/>
+          </a:p>
+        </p:txBody>
+      </p:sp>
+      <p:pic>
+        <p:nvPicPr>
+          <p:cNvPr id="4" name="內容版面配置區 3" descr="劇情大綱.jpg"/>
+          <p:cNvPicPr>
+            <a:picLocks noGrp="1" noChangeAspect="1"/>
+          </p:cNvPicPr>
+          <p:nvPr>
+            <p:ph idx="1"/>
+          </p:nvPr>
+        </p:nvPicPr>
+        <p:blipFill>
+          <a:blip r:embed="rId2" cstate="print"/>
+          <a:stretch>
+            <a:fillRect/>
+          </a:stretch>
+        </p:blipFill>
+        <p:spPr>
+          <a:xfrm>
+            <a:off x="-32027" y="1928802"/>
+            <a:ext cx="9176027" cy="4357718"/>
+          </a:xfrm>
+        </p:spPr>
+      </p:pic>
+      <p:sp>
+        <p:nvSpPr>
+          <p:cNvPr id="5" name="文字方塊 4"/>
+          <p:cNvSpPr txBox="1"/>
+          <p:nvPr/>
+        </p:nvSpPr>
+        <p:spPr>
+          <a:xfrm>
+            <a:off x="6000760" y="571480"/>
+            <a:ext cx="2723823" cy="923330"/>
+          </a:xfrm>
+          <a:prstGeom prst="rect">
+            <a:avLst/>
+          </a:prstGeom>
+          <a:noFill/>
+        </p:spPr>
+        <p:txBody>
+          <a:bodyPr wrap="none" rtlCol="0">
+            <a:spAutoFit/>
+          </a:bodyPr>
+          <a:lstStyle/>
+          <a:p>
+            <a:r>
+              <a:rPr lang="zh-TW" altLang="en-US" dirty="0" smtClean="0"/>
+              <a:t>最終結局，根據選擇不同</a:t>
+            </a:r>
+            <a:endParaRPr lang="en-US" altLang="zh-TW" dirty="0" smtClean="0"/>
+          </a:p>
+          <a:p>
+            <a:r>
+              <a:rPr lang="zh-TW" altLang="en-US" dirty="0" smtClean="0"/>
+              <a:t>各條線會</a:t>
+            </a:r>
+            <a:r>
+              <a:rPr lang="zh-TW" altLang="en-US" dirty="0" smtClean="0"/>
+              <a:t>迎</a:t>
+            </a:r>
+            <a:r>
+              <a:rPr lang="zh-TW" altLang="en-US" dirty="0" smtClean="0"/>
+              <a:t>來各自的</a:t>
+            </a:r>
+            <a:endParaRPr lang="en-US" altLang="zh-TW" dirty="0" smtClean="0"/>
+          </a:p>
+          <a:p>
+            <a:r>
+              <a:rPr lang="en-US" altLang="zh-TW" dirty="0" smtClean="0"/>
+              <a:t>Happy End</a:t>
+            </a:r>
+            <a:r>
+              <a:rPr lang="zh-TW" altLang="en-US" dirty="0" smtClean="0"/>
+              <a:t>與 </a:t>
+            </a:r>
+            <a:r>
+              <a:rPr lang="en-US" altLang="zh-TW" dirty="0" smtClean="0"/>
+              <a:t>Bad End</a:t>
+            </a:r>
+            <a:endParaRPr lang="zh-TW" altLang="en-US" dirty="0"/>
+          </a:p>
+        </p:txBody>
+      </p:sp>
+    </p:spTree>
+  </p:cSld>
+  <p:clrMapOvr>
+    <a:masterClrMapping/>
+  </p:clrMapOvr>
+  <p:timing>
+    <p:tnLst>
+      <p:par>
+        <p:cTn id="1" dur="indefinite" restart="never" nodeType="tmRoot"/>
+      </p:par>
+    </p:tnLst>
+  </p:timing>
+</p:sld>
+</file>
+
+<file path=ppt/slides/slide9.xml><?xml version="1.0" encoding="utf-8"?>
+<p:sld xmlns:a="http://schemas.openxmlformats.org/drawingml/2006/main" xmlns:r="http://schemas.openxmlformats.org/officeDocument/2006/relationships" xmlns:p="http://schemas.openxmlformats.org/presentationml/2006/main">
+  <p:cSld>
+    <p:spTree>
+      <p:nvGrpSpPr>
+        <p:cNvPr id="1" name=""/>
+        <p:cNvGrpSpPr/>
+        <p:nvPr/>
+      </p:nvGrpSpPr>
+      <p:grpSpPr>
+        <a:xfrm>
+          <a:off x="0" y="0"/>
+          <a:ext cx="0" cy="0"/>
+          <a:chOff x="0" y="0"/>
+          <a:chExt cx="0" cy="0"/>
+        </a:xfrm>
+      </p:grpSpPr>
+      <p:sp>
+        <p:nvSpPr>
+          <p:cNvPr id="2" name="標題 1"/>
+          <p:cNvSpPr>
+            <a:spLocks noGrp="1"/>
+          </p:cNvSpPr>
+          <p:nvPr>
+            <p:ph type="title"/>
+          </p:nvPr>
+        </p:nvSpPr>
+        <p:spPr/>
+        <p:txBody>
+          <a:bodyPr>
+            <a:normAutofit/>
+          </a:bodyPr>
+          <a:lstStyle/>
+          <a:p>
+            <a:r>
+              <a:rPr lang="en-US" altLang="zh-TW" dirty="0" smtClean="0"/>
+              <a:t>Neo4j</a:t>
+            </a:r>
+            <a:r>
+              <a:rPr lang="zh-TW" altLang="en-US" dirty="0" smtClean="0"/>
+              <a:t>展示</a:t>
+            </a:r>
+            <a:endParaRPr lang="zh-TW" altLang="en-US" dirty="0"/>
+          </a:p>
+        </p:txBody>
+      </p:sp>
+      <p:sp>
+        <p:nvSpPr>
+          <p:cNvPr id="3" name="內容版面配置區 2"/>
+          <p:cNvSpPr>
+            <a:spLocks noGrp="1"/>
+          </p:cNvSpPr>
+          <p:nvPr>
+            <p:ph idx="1"/>
+          </p:nvPr>
+        </p:nvSpPr>
+        <p:spPr/>
+        <p:txBody>
+          <a:bodyPr/>
+          <a:lstStyle/>
+          <a:p>
+            <a:r>
+              <a:rPr lang="zh-TW" altLang="en-US" dirty="0" smtClean="0">
+                <a:hlinkClick r:id="rId2"/>
+              </a:rPr>
+              <a:t>知識架構</a:t>
+            </a:r>
+            <a:endParaRPr lang="zh-TW" altLang="en-US" dirty="0"/>
+          </a:p>
+        </p:txBody>
+      </p:sp>
+      <p:pic>
+        <p:nvPicPr>
+          <p:cNvPr id="4" name="圖片 3" descr="擷取.PNG"/>
+          <p:cNvPicPr>
+            <a:picLocks noChangeAspect="1"/>
+          </p:cNvPicPr>
+          <p:nvPr/>
+        </p:nvPicPr>
+        <p:blipFill>
+          <a:blip r:embed="rId3"/>
+          <a:stretch>
+            <a:fillRect/>
+          </a:stretch>
+        </p:blipFill>
+        <p:spPr>
+          <a:xfrm>
+            <a:off x="2000232" y="2071678"/>
+            <a:ext cx="5786478" cy="4570179"/>
+          </a:xfrm>
+          <a:prstGeom prst="rect">
+            <a:avLst/>
+          </a:prstGeom>
+        </p:spPr>
+      </p:pic>
+      <p:sp>
+        <p:nvSpPr>
+          <p:cNvPr id="5" name="文字方塊 4"/>
+          <p:cNvSpPr txBox="1"/>
+          <p:nvPr/>
+        </p:nvSpPr>
+        <p:spPr>
+          <a:xfrm>
+            <a:off x="4357686" y="642918"/>
+            <a:ext cx="4570482" cy="369332"/>
+          </a:xfrm>
+          <a:prstGeom prst="rect">
+            <a:avLst/>
+          </a:prstGeom>
+          <a:noFill/>
+        </p:spPr>
+        <p:txBody>
+          <a:bodyPr wrap="none" rtlCol="0">
+            <a:spAutoFit/>
+          </a:bodyPr>
+          <a:lstStyle/>
+          <a:p>
+            <a:r>
+              <a:rPr lang="zh-TW" altLang="en-US" dirty="0" smtClean="0"/>
+              <a:t>主要著重於魔法的設定以及各個人物的職業</a:t>
+            </a:r>
+            <a:endParaRPr lang="zh-TW" altLang="en-US" dirty="0"/>
+          </a:p>
+        </p:txBody>
+      </p:sp>
+    </p:spTree>
+  </p:cSld>
+  <p:clrMapOvr>
+    <a:masterClrMapping/>
+  </p:clrMapOvr>
+  <p:timing>
+    <p:tnLst>
+      <p:par>
+        <p:cTn id="1" dur="indefinite" restart="never" nodeType="tmRoot"/>
+      </p:par>
+    </p:tnLst>
+  </p:timing>
+</p:sld>
+</file>
+
 <file path=ppt/theme/theme1.xml><?xml version="1.0" encoding="utf-8"?>
-<a:theme xmlns:a="http://schemas.openxmlformats.org/drawingml/2006/main" name="Office 佈景主題">
+<a:theme xmlns:a="http://schemas.openxmlformats.org/drawingml/2006/main" name="夏至">
   <a:themeElements>
-    <a:clrScheme name="Office">
+    <a:clrScheme name="夏至">
       <a:dk1>
         <a:sysClr val="windowText" lastClr="000000"/>
       </a:dk1>
@@ -3026,80 +5713,48 @@
         <a:sysClr val="window" lastClr="FFFFFF"/>
       </a:lt1>
       <a:dk2>
-        <a:srgbClr val="1F497D"/>
+        <a:srgbClr val="4F271C"/>
       </a:dk2>
       <a:lt2>
-        <a:srgbClr val="EEECE1"/>
+        <a:srgbClr val="E7DEC9"/>
       </a:lt2>
       <a:accent1>
-        <a:srgbClr val="4F81BD"/>
+        <a:srgbClr val="3891A7"/>
       </a:accent1>
       <a:accent2>
-        <a:srgbClr val="C0504D"/>
+        <a:srgbClr val="FEB80A"/>
       </a:accent2>
       <a:accent3>
-        <a:srgbClr val="9BBB59"/>
+        <a:srgbClr val="C32D2E"/>
       </a:accent3>
       <a:accent4>
-        <a:srgbClr val="8064A2"/>
+        <a:srgbClr val="84AA33"/>
       </a:accent4>
       <a:accent5>
-        <a:srgbClr val="4BACC6"/>
+        <a:srgbClr val="964305"/>
       </a:accent5>
       <a:accent6>
-        <a:srgbClr val="F79646"/>
+        <a:srgbClr val="475A8D"/>
       </a:accent6>
       <a:hlink>
-        <a:srgbClr val="0000FF"/>
+        <a:srgbClr val="8DC765"/>
       </a:hlink>
       <a:folHlink>
-        <a:srgbClr val="800080"/>
+        <a:srgbClr val="AA8A14"/>
       </a:folHlink>
     </a:clrScheme>
-    <a:fontScheme name="Office">
+    <a:fontScheme name="夏至">
       <a:majorFont>
-        <a:latin typeface="Calibri"/>
+        <a:latin typeface="Gill Sans MT"/>
         <a:ea typeface=""/>
         <a:cs typeface=""/>
-        <a:font script="Jpan" typeface="ＭＳ Ｐゴシック"/>
-        <a:font script="Hang" typeface="맑은 고딕"/>
-        <a:font script="Hans" typeface="宋体"/>
-        <a:font script="Hant" typeface="新細明體"/>
-        <a:font script="Arab" typeface="Times New Roman"/>
-        <a:font script="Hebr" typeface="Times New Roman"/>
-        <a:font script="Thai" typeface="Angsana New"/>
-        <a:font script="Ethi" typeface="Nyala"/>
-        <a:font script="Beng" typeface="Vrinda"/>
-        <a:font script="Gujr" typeface="Shruti"/>
-        <a:font script="Khmr" typeface="MoolBoran"/>
-        <a:font script="Knda" typeface="Tunga"/>
-        <a:font script="Guru" typeface="Raavi"/>
-        <a:font script="Cans" typeface="Euphemia"/>
-        <a:font script="Cher" typeface="Plantagenet Cherokee"/>
-        <a:font script="Yiii" typeface="Microsoft Yi Baiti"/>
-        <a:font script="Tibt" typeface="Microsoft Himalaya"/>
-        <a:font script="Thaa" typeface="MV Boli"/>
-        <a:font script="Deva" typeface="Mangal"/>
-        <a:font script="Telu" typeface="Gautami"/>
-        <a:font script="Taml" typeface="Latha"/>
-        <a:font script="Syrc" typeface="Estrangelo Edessa"/>
-        <a:font script="Orya" typeface="Kalinga"/>
-        <a:font script="Mlym" typeface="Kartika"/>
-        <a:font script="Laoo" typeface="DokChampa"/>
-        <a:font script="Sinh" typeface="Iskoola Pota"/>
-        <a:font script="Mong" typeface="Mongolian Baiti"/>
-        <a:font script="Viet" typeface="Times New Roman"/>
-        <a:font script="Uigh" typeface="Microsoft Uighur"/>
-      </a:majorFont>
-      <a:minorFont>
-        <a:latin typeface="Calibri"/>
-        <a:ea typeface=""/>
-        <a:cs typeface=""/>
-        <a:font script="Jpan" typeface="ＭＳ Ｐゴシック"/>
-        <a:font script="Hang" typeface="맑은 고딕"/>
-        <a:font script="Hans" typeface="宋体"/>
-        <a:font script="Hant" typeface="新細明體"/>
-        <a:font script="Arab" typeface="Arial"/>
+        <a:font script="Grek" typeface="Corbel"/>
+        <a:font script="Cyrl" typeface="Corbel"/>
+        <a:font script="Jpan" typeface="HGｺﾞｼｯｸE"/>
+        <a:font script="Hang" typeface="휴먼매직체"/>
+        <a:font script="Hans" typeface="华文中宋"/>
+        <a:font script="Hant" typeface="微軟正黑體"/>
+        <a:font script="Arab" typeface="Majalla UI"/>
         <a:font script="Hebr" typeface="Arial"/>
         <a:font script="Thai" typeface="Cordia New"/>
         <a:font script="Ethi" typeface="Nyala"/>
@@ -3122,11 +5777,47 @@
         <a:font script="Laoo" typeface="DokChampa"/>
         <a:font script="Sinh" typeface="Iskoola Pota"/>
         <a:font script="Mong" typeface="Mongolian Baiti"/>
-        <a:font script="Viet" typeface="Arial"/>
+        <a:font script="Viet" typeface="Tahoma"/>
+        <a:font script="Uigh" typeface="Microsoft Uighur"/>
+      </a:majorFont>
+      <a:minorFont>
+        <a:latin typeface="Gill Sans MT"/>
+        <a:ea typeface=""/>
+        <a:cs typeface=""/>
+        <a:font script="Grek" typeface="Corbel"/>
+        <a:font script="Cyrl" typeface="Corbel"/>
+        <a:font script="Jpan" typeface="HGｺﾞｼｯｸE"/>
+        <a:font script="Hang" typeface="HY엽서L"/>
+        <a:font script="Hans" typeface="华文中宋"/>
+        <a:font script="Hant" typeface="微軟正黑體"/>
+        <a:font script="Arab" typeface="Majalla UI"/>
+        <a:font script="Hebr" typeface="Arial"/>
+        <a:font script="Thai" typeface="Cordia New"/>
+        <a:font script="Ethi" typeface="Nyala"/>
+        <a:font script="Beng" typeface="Vrinda"/>
+        <a:font script="Gujr" typeface="Shruti"/>
+        <a:font script="Khmr" typeface="DaunPenh"/>
+        <a:font script="Knda" typeface="Tunga"/>
+        <a:font script="Guru" typeface="Raavi"/>
+        <a:font script="Cans" typeface="Euphemia"/>
+        <a:font script="Cher" typeface="Plantagenet Cherokee"/>
+        <a:font script="Yiii" typeface="Microsoft Yi Baiti"/>
+        <a:font script="Tibt" typeface="Microsoft Himalaya"/>
+        <a:font script="Thaa" typeface="MV Boli"/>
+        <a:font script="Deva" typeface="Mangal"/>
+        <a:font script="Telu" typeface="Gautami"/>
+        <a:font script="Taml" typeface="Latha"/>
+        <a:font script="Syrc" typeface="Estrangelo Edessa"/>
+        <a:font script="Orya" typeface="Kalinga"/>
+        <a:font script="Mlym" typeface="Kartika"/>
+        <a:font script="Laoo" typeface="DokChampa"/>
+        <a:font script="Sinh" typeface="Iskoola Pota"/>
+        <a:font script="Mong" typeface="Mongolian Baiti"/>
+        <a:font script="Viet" typeface="Tahoma"/>
         <a:font script="Uigh" typeface="Microsoft Uighur"/>
       </a:minorFont>
     </a:fontScheme>
-    <a:fmtScheme name="Office">
+    <a:fmtScheme name="夏至">
       <a:fillStyleLst>
         <a:solidFill>
           <a:schemeClr val="phClr"/>
@@ -3135,56 +5826,78 @@
           <a:gsLst>
             <a:gs pos="0">
               <a:schemeClr val="phClr">
-                <a:tint val="50000"/>
-                <a:satMod val="300000"/>
+                <a:tint val="35000"/>
+                <a:satMod val="253000"/>
               </a:schemeClr>
             </a:gs>
-            <a:gs pos="35000">
+            <a:gs pos="50000">
               <a:schemeClr val="phClr">
-                <a:tint val="37000"/>
-                <a:satMod val="300000"/>
+                <a:tint val="42000"/>
+                <a:satMod val="255000"/>
+              </a:schemeClr>
+            </a:gs>
+            <a:gs pos="97000">
+              <a:schemeClr val="phClr">
+                <a:tint val="53000"/>
+                <a:satMod val="260000"/>
               </a:schemeClr>
             </a:gs>
             <a:gs pos="100000">
               <a:schemeClr val="phClr">
-                <a:tint val="15000"/>
-                <a:satMod val="350000"/>
+                <a:tint val="56000"/>
+                <a:satMod val="275000"/>
               </a:schemeClr>
             </a:gs>
           </a:gsLst>
-          <a:lin ang="16200000" scaled="1"/>
+          <a:path path="circle">
+            <a:fillToRect l="50000" t="50000" r="50000" b="50000"/>
+          </a:path>
         </a:gradFill>
         <a:gradFill rotWithShape="1">
           <a:gsLst>
             <a:gs pos="0">
               <a:schemeClr val="phClr">
-                <a:shade val="51000"/>
-                <a:satMod val="130000"/>
+                <a:tint val="92000"/>
+                <a:satMod val="170000"/>
               </a:schemeClr>
             </a:gs>
-            <a:gs pos="80000">
+            <a:gs pos="15000">
               <a:schemeClr val="phClr">
-                <a:shade val="93000"/>
-                <a:satMod val="130000"/>
+                <a:tint val="92000"/>
+                <a:shade val="99000"/>
+                <a:satMod val="170000"/>
+              </a:schemeClr>
+            </a:gs>
+            <a:gs pos="62000">
+              <a:schemeClr val="phClr">
+                <a:tint val="96000"/>
+                <a:shade val="80000"/>
+                <a:satMod val="170000"/>
+              </a:schemeClr>
+            </a:gs>
+            <a:gs pos="97000">
+              <a:schemeClr val="phClr">
+                <a:tint val="98000"/>
+                <a:shade val="63000"/>
+                <a:satMod val="170000"/>
               </a:schemeClr>
             </a:gs>
             <a:gs pos="100000">
               <a:schemeClr val="phClr">
-                <a:shade val="94000"/>
-                <a:satMod val="135000"/>
+                <a:shade val="62000"/>
+                <a:satMod val="170000"/>
               </a:schemeClr>
             </a:gs>
           </a:gsLst>
-          <a:lin ang="16200000" scaled="0"/>
+          <a:path path="circle">
+            <a:fillToRect l="50000" t="50000" r="50000" b="50000"/>
+          </a:path>
         </a:gradFill>
       </a:fillStyleLst>
       <a:lnStyleLst>
         <a:ln w="9525" cap="flat" cmpd="sng" algn="ctr">
           <a:solidFill>
-            <a:schemeClr val="phClr">
-              <a:shade val="95000"/>
-              <a:satMod val="105000"/>
-            </a:schemeClr>
+            <a:schemeClr val="phClr"/>
           </a:solidFill>
           <a:prstDash val="solid"/>
         </a:ln>
@@ -3194,7 +5907,7 @@
           </a:solidFill>
           <a:prstDash val="solid"/>
         </a:ln>
-        <a:ln w="38100" cap="flat" cmpd="sng" algn="ctr">
+        <a:ln w="25400" cap="flat" cmpd="sng" algn="ctr">
           <a:solidFill>
             <a:schemeClr val="phClr"/>
           </a:solidFill>
@@ -3204,40 +5917,59 @@
       <a:effectStyleLst>
         <a:effectStyle>
           <a:effectLst>
-            <a:outerShdw blurRad="40000" dist="20000" dir="5400000" rotWithShape="0">
+            <a:outerShdw blurRad="63500" dist="25400" dir="5400000" rotWithShape="0">
               <a:srgbClr val="000000">
-                <a:alpha val="38000"/>
+                <a:alpha val="43137"/>
               </a:srgbClr>
             </a:outerShdw>
           </a:effectLst>
         </a:effectStyle>
         <a:effectStyle>
           <a:effectLst>
-            <a:outerShdw blurRad="40000" dist="23000" dir="5400000" rotWithShape="0">
+            <a:outerShdw blurRad="63500" dist="25400" dir="5400000" rotWithShape="0">
               <a:srgbClr val="000000">
-                <a:alpha val="35000"/>
-              </a:srgbClr>
-            </a:outerShdw>
-          </a:effectLst>
-        </a:effectStyle>
-        <a:effectStyle>
-          <a:effectLst>
-            <a:outerShdw blurRad="40000" dist="23000" dir="5400000" rotWithShape="0">
-              <a:srgbClr val="000000">
-                <a:alpha val="35000"/>
+                <a:alpha val="43137"/>
               </a:srgbClr>
             </a:outerShdw>
           </a:effectLst>
           <a:scene3d>
-            <a:camera prst="orthographicFront">
+            <a:camera prst="orthographicFront" fov="0">
               <a:rot lat="0" lon="0" rev="0"/>
             </a:camera>
-            <a:lightRig rig="threePt" dir="t">
-              <a:rot lat="0" lon="0" rev="1200000"/>
+            <a:lightRig rig="brightRoom" dir="tl">
+              <a:rot lat="0" lon="0" rev="8700000"/>
             </a:lightRig>
           </a:scene3d>
-          <a:sp3d>
-            <a:bevelT w="63500" h="25400"/>
+          <a:sp3d contourW="12700">
+            <a:bevelT w="0" h="0"/>
+            <a:contourClr>
+              <a:schemeClr val="phClr">
+                <a:shade val="80000"/>
+              </a:schemeClr>
+            </a:contourClr>
+          </a:sp3d>
+        </a:effectStyle>
+        <a:effectStyle>
+          <a:effectLst>
+            <a:outerShdw blurRad="63500" dist="25400" dir="5400000" rotWithShape="0">
+              <a:srgbClr val="000000">
+                <a:alpha val="43137"/>
+              </a:srgbClr>
+            </a:outerShdw>
+          </a:effectLst>
+          <a:scene3d>
+            <a:camera prst="orthographicFront" fov="0">
+              <a:rot lat="0" lon="0" rev="0"/>
+            </a:camera>
+            <a:lightRig rig="brightRoom" dir="tl">
+              <a:rot lat="0" lon="0" rev="5400000"/>
+            </a:lightRig>
+          </a:scene3d>
+          <a:sp3d contourW="12700">
+            <a:bevelT w="25400" h="50800" prst="angle"/>
+            <a:contourClr>
+              <a:schemeClr val="phClr"/>
+            </a:contourClr>
           </a:sp3d>
         </a:effectStyle>
       </a:effectStyleLst>
@@ -3249,47 +5981,42 @@
           <a:gsLst>
             <a:gs pos="0">
               <a:schemeClr val="phClr">
-                <a:tint val="40000"/>
-                <a:satMod val="350000"/>
+                <a:tint val="60000"/>
+                <a:satMod val="355000"/>
               </a:schemeClr>
             </a:gs>
             <a:gs pos="40000">
               <a:schemeClr val="phClr">
-                <a:tint val="45000"/>
-                <a:shade val="99000"/>
-                <a:satMod val="350000"/>
+                <a:tint val="85000"/>
+                <a:satMod val="320000"/>
               </a:schemeClr>
             </a:gs>
             <a:gs pos="100000">
               <a:schemeClr val="phClr">
-                <a:shade val="20000"/>
-                <a:satMod val="255000"/>
+                <a:shade val="55000"/>
+                <a:satMod val="300000"/>
               </a:schemeClr>
             </a:gs>
           </a:gsLst>
           <a:path path="circle">
-            <a:fillToRect l="50000" t="-80000" r="50000" b="180000"/>
+            <a:fillToRect l="-24500" t="-20000" r="124500" b="120000"/>
           </a:path>
         </a:gradFill>
-        <a:gradFill rotWithShape="1">
-          <a:gsLst>
-            <a:gs pos="0">
+        <a:blipFill>
+          <a:blip xmlns:r="http://schemas.openxmlformats.org/officeDocument/2006/relationships" r:embed="rId1">
+            <a:duotone>
               <a:schemeClr val="phClr">
-                <a:tint val="80000"/>
+                <a:shade val="9000"/>
                 <a:satMod val="300000"/>
               </a:schemeClr>
-            </a:gs>
-            <a:gs pos="100000">
               <a:schemeClr val="phClr">
-                <a:shade val="30000"/>
-                <a:satMod val="200000"/>
+                <a:tint val="90000"/>
+                <a:satMod val="225000"/>
               </a:schemeClr>
-            </a:gs>
-          </a:gsLst>
-          <a:path path="circle">
-            <a:fillToRect l="50000" t="50000" r="50000" b="50000"/>
-          </a:path>
-        </a:gradFill>
+            </a:duotone>
+          </a:blip>
+          <a:tile tx="0" ty="0" sx="90000" sy="90000" flip="xy" algn="tl"/>
+        </a:blipFill>
       </a:bgFillStyleLst>
     </a:fmtScheme>
   </a:themeElements>

--- a/Report.pptx
+++ b/Report.pptx
@@ -115,6 +115,22 @@
       </a:defRPr>
     </a:lvl9pPr>
   </p:defaultTextStyle>
+  <p:extLst>
+    <p:ext uri="{EFAFB233-063F-42B5-8137-9DF3F51BA10A}">
+      <p15:sldGuideLst xmlns:p15="http://schemas.microsoft.com/office/powerpoint/2012/main">
+        <p15:guide id="1" orient="horz" pos="2160">
+          <p15:clr>
+            <a:srgbClr val="A4A3A4"/>
+          </p15:clr>
+        </p15:guide>
+        <p15:guide id="2" pos="2880">
+          <p15:clr>
+            <a:srgbClr val="A4A3A4"/>
+          </p15:clr>
+        </p15:guide>
+      </p15:sldGuideLst>
+    </p:ext>
+  </p:extLst>
 </p:presentation>
 </file>
 
@@ -246,14 +262,12 @@
         <p:spPr/>
         <p:txBody>
           <a:bodyPr/>
-          <a:lstStyle>
-            <a:extLst/>
-          </a:lstStyle>
+          <a:lstStyle/>
           <a:p>
             <a:fld id="{5BBEAD13-0566-4C6C-97E7-55F17F24B09F}" type="datetimeFigureOut">
               <a:rPr lang="zh-TW" altLang="en-US" smtClean="0"/>
               <a:pPr/>
-              <a:t>2020/7/2</a:t>
+              <a:t>2020/7/3</a:t>
             </a:fld>
             <a:endParaRPr lang="zh-TW" altLang="en-US"/>
           </a:p>
@@ -272,9 +286,7 @@
         <p:spPr/>
         <p:txBody>
           <a:bodyPr/>
-          <a:lstStyle>
-            <a:extLst/>
-          </a:lstStyle>
+          <a:lstStyle/>
           <a:p>
             <a:endParaRPr lang="zh-TW" altLang="en-US"/>
           </a:p>
@@ -293,9 +305,7 @@
         <p:spPr/>
         <p:txBody>
           <a:bodyPr/>
-          <a:lstStyle>
-            <a:extLst/>
-          </a:lstStyle>
+          <a:lstStyle/>
           <a:p>
             <a:fld id="{73DA0BB7-265A-403C-9275-D587AB510EDC}" type="slidenum">
               <a:rPr lang="zh-TW" altLang="en-US" smtClean="0"/>
@@ -384,9 +394,7 @@
         </p:style>
         <p:txBody>
           <a:bodyPr anchor="ctr"/>
-          <a:lstStyle>
-            <a:extLst/>
-          </a:lstStyle>
+          <a:lstStyle/>
           <a:p>
             <a:pPr algn="ctr" eaLnBrk="1" latinLnBrk="0" hangingPunct="1"/>
             <a:endParaRPr kumimoji="0" lang="en-US"/>
@@ -435,9 +443,7 @@
         </p:style>
         <p:txBody>
           <a:bodyPr anchor="ctr"/>
-          <a:lstStyle>
-            <a:extLst/>
-          </a:lstStyle>
+          <a:lstStyle/>
           <a:p>
             <a:pPr algn="ctr" eaLnBrk="1" latinLnBrk="0" hangingPunct="1"/>
             <a:endParaRPr kumimoji="0" lang="en-US"/>
@@ -482,9 +488,7 @@
         <p:spPr/>
         <p:txBody>
           <a:bodyPr/>
-          <a:lstStyle>
-            <a:extLst/>
-          </a:lstStyle>
+          <a:lstStyle/>
           <a:p>
             <a:r>
               <a:rPr kumimoji="0" lang="zh-TW" altLang="en-US" smtClean="0"/>
@@ -507,9 +511,7 @@
         <p:spPr/>
         <p:txBody>
           <a:bodyPr vert="eaVert"/>
-          <a:lstStyle>
-            <a:extLst/>
-          </a:lstStyle>
+          <a:lstStyle/>
           <a:p>
             <a:pPr lvl="0" eaLnBrk="1" latinLnBrk="0" hangingPunct="1"/>
             <a:r>
@@ -561,14 +563,12 @@
         <p:spPr/>
         <p:txBody>
           <a:bodyPr/>
-          <a:lstStyle>
-            <a:extLst/>
-          </a:lstStyle>
+          <a:lstStyle/>
           <a:p>
             <a:fld id="{5BBEAD13-0566-4C6C-97E7-55F17F24B09F}" type="datetimeFigureOut">
               <a:rPr lang="zh-TW" altLang="en-US" smtClean="0"/>
               <a:pPr/>
-              <a:t>2020/7/2</a:t>
+              <a:t>2020/7/3</a:t>
             </a:fld>
             <a:endParaRPr lang="zh-TW" altLang="en-US"/>
           </a:p>
@@ -587,9 +587,7 @@
         <p:spPr/>
         <p:txBody>
           <a:bodyPr/>
-          <a:lstStyle>
-            <a:extLst/>
-          </a:lstStyle>
+          <a:lstStyle/>
           <a:p>
             <a:endParaRPr lang="zh-TW" altLang="en-US"/>
           </a:p>
@@ -608,9 +606,7 @@
         <p:spPr/>
         <p:txBody>
           <a:bodyPr/>
-          <a:lstStyle>
-            <a:extLst/>
-          </a:lstStyle>
+          <a:lstStyle/>
           <a:p>
             <a:fld id="{73DA0BB7-265A-403C-9275-D587AB510EDC}" type="slidenum">
               <a:rPr lang="zh-TW" altLang="en-US" smtClean="0"/>
@@ -664,9 +660,7 @@
         </p:spPr>
         <p:txBody>
           <a:bodyPr vert="eaVert"/>
-          <a:lstStyle>
-            <a:extLst/>
-          </a:lstStyle>
+          <a:lstStyle/>
           <a:p>
             <a:r>
               <a:rPr kumimoji="0" lang="zh-TW" altLang="en-US" smtClean="0"/>
@@ -694,9 +688,7 @@
         </p:spPr>
         <p:txBody>
           <a:bodyPr vert="eaVert"/>
-          <a:lstStyle>
-            <a:extLst/>
-          </a:lstStyle>
+          <a:lstStyle/>
           <a:p>
             <a:pPr lvl="0" eaLnBrk="1" latinLnBrk="0" hangingPunct="1"/>
             <a:r>
@@ -748,14 +740,12 @@
         <p:spPr/>
         <p:txBody>
           <a:bodyPr/>
-          <a:lstStyle>
-            <a:extLst/>
-          </a:lstStyle>
+          <a:lstStyle/>
           <a:p>
             <a:fld id="{5BBEAD13-0566-4C6C-97E7-55F17F24B09F}" type="datetimeFigureOut">
               <a:rPr lang="zh-TW" altLang="en-US" smtClean="0"/>
               <a:pPr/>
-              <a:t>2020/7/2</a:t>
+              <a:t>2020/7/3</a:t>
             </a:fld>
             <a:endParaRPr lang="zh-TW" altLang="en-US"/>
           </a:p>
@@ -774,9 +764,7 @@
         <p:spPr/>
         <p:txBody>
           <a:bodyPr/>
-          <a:lstStyle>
-            <a:extLst/>
-          </a:lstStyle>
+          <a:lstStyle/>
           <a:p>
             <a:endParaRPr lang="zh-TW" altLang="en-US"/>
           </a:p>
@@ -795,9 +783,7 @@
         <p:spPr/>
         <p:txBody>
           <a:bodyPr/>
-          <a:lstStyle>
-            <a:extLst/>
-          </a:lstStyle>
+          <a:lstStyle/>
           <a:p>
             <a:fld id="{73DA0BB7-265A-403C-9275-D587AB510EDC}" type="slidenum">
               <a:rPr lang="zh-TW" altLang="en-US" smtClean="0"/>
@@ -846,9 +832,7 @@
         <p:spPr/>
         <p:txBody>
           <a:bodyPr/>
-          <a:lstStyle>
-            <a:extLst/>
-          </a:lstStyle>
+          <a:lstStyle/>
           <a:p>
             <a:r>
               <a:rPr kumimoji="0" lang="zh-TW" altLang="en-US" smtClean="0"/>
@@ -871,9 +855,7 @@
         <p:spPr/>
         <p:txBody>
           <a:bodyPr/>
-          <a:lstStyle>
-            <a:extLst/>
-          </a:lstStyle>
+          <a:lstStyle/>
           <a:p>
             <a:pPr lvl="0" eaLnBrk="1" latinLnBrk="0" hangingPunct="1"/>
             <a:r>
@@ -925,14 +907,12 @@
         <p:spPr/>
         <p:txBody>
           <a:bodyPr/>
-          <a:lstStyle>
-            <a:extLst/>
-          </a:lstStyle>
+          <a:lstStyle/>
           <a:p>
             <a:fld id="{5BBEAD13-0566-4C6C-97E7-55F17F24B09F}" type="datetimeFigureOut">
               <a:rPr lang="zh-TW" altLang="en-US" smtClean="0"/>
               <a:pPr/>
-              <a:t>2020/7/2</a:t>
+              <a:t>2020/7/3</a:t>
             </a:fld>
             <a:endParaRPr lang="zh-TW" altLang="en-US"/>
           </a:p>
@@ -951,9 +931,7 @@
         <p:spPr/>
         <p:txBody>
           <a:bodyPr/>
-          <a:lstStyle>
-            <a:extLst/>
-          </a:lstStyle>
+          <a:lstStyle/>
           <a:p>
             <a:endParaRPr lang="zh-TW" altLang="en-US"/>
           </a:p>
@@ -972,9 +950,7 @@
         <p:spPr/>
         <p:txBody>
           <a:bodyPr/>
-          <a:lstStyle>
-            <a:extLst/>
-          </a:lstStyle>
+          <a:lstStyle/>
           <a:p>
             <a:fld id="{73DA0BB7-265A-403C-9275-D587AB510EDC}" type="slidenum">
               <a:rPr lang="zh-TW" altLang="en-US" smtClean="0"/>
@@ -1049,9 +1025,7 @@
         </p:style>
         <p:txBody>
           <a:bodyPr anchor="ctr"/>
-          <a:lstStyle>
-            <a:extLst/>
-          </a:lstStyle>
+          <a:lstStyle/>
           <a:p>
             <a:pPr algn="ctr" eaLnBrk="1" latinLnBrk="0" hangingPunct="1"/>
             <a:endParaRPr kumimoji="0" lang="en-US"/>
@@ -1195,14 +1169,12 @@
         <p:spPr/>
         <p:txBody>
           <a:bodyPr/>
-          <a:lstStyle>
-            <a:extLst/>
-          </a:lstStyle>
+          <a:lstStyle/>
           <a:p>
             <a:fld id="{5BBEAD13-0566-4C6C-97E7-55F17F24B09F}" type="datetimeFigureOut">
               <a:rPr lang="zh-TW" altLang="en-US" smtClean="0"/>
               <a:pPr/>
-              <a:t>2020/7/2</a:t>
+              <a:t>2020/7/3</a:t>
             </a:fld>
             <a:endParaRPr lang="zh-TW" altLang="en-US"/>
           </a:p>
@@ -1221,9 +1193,7 @@
         <p:spPr/>
         <p:txBody>
           <a:bodyPr/>
-          <a:lstStyle>
-            <a:extLst/>
-          </a:lstStyle>
+          <a:lstStyle/>
           <a:p>
             <a:endParaRPr lang="zh-TW" altLang="en-US"/>
           </a:p>
@@ -1242,9 +1212,7 @@
         <p:spPr/>
         <p:txBody>
           <a:bodyPr/>
-          <a:lstStyle>
-            <a:extLst/>
-          </a:lstStyle>
+          <a:lstStyle/>
           <a:p>
             <a:fld id="{73DA0BB7-265A-403C-9275-D587AB510EDC}" type="slidenum">
               <a:rPr lang="zh-TW" altLang="en-US" smtClean="0"/>
@@ -1302,9 +1270,7 @@
         </p:style>
         <p:txBody>
           <a:bodyPr anchor="ctr"/>
-          <a:lstStyle>
-            <a:extLst/>
-          </a:lstStyle>
+          <a:lstStyle/>
           <a:p>
             <a:pPr algn="ctr" eaLnBrk="1" latinLnBrk="0" hangingPunct="1"/>
             <a:endParaRPr kumimoji="0" lang="en-US"/>
@@ -1389,9 +1355,7 @@
         </p:style>
         <p:txBody>
           <a:bodyPr anchor="ctr"/>
-          <a:lstStyle>
-            <a:extLst/>
-          </a:lstStyle>
+          <a:lstStyle/>
           <a:p>
             <a:pPr algn="ctr" eaLnBrk="1" latinLnBrk="0" hangingPunct="1"/>
             <a:endParaRPr kumimoji="0" lang="en-US"/>
@@ -1440,9 +1404,7 @@
         </p:style>
         <p:txBody>
           <a:bodyPr anchor="ctr"/>
-          <a:lstStyle>
-            <a:extLst/>
-          </a:lstStyle>
+          <a:lstStyle/>
           <a:p>
             <a:pPr algn="ctr" eaLnBrk="1" latinLnBrk="0" hangingPunct="1"/>
             <a:endParaRPr kumimoji="0" lang="en-US"/>
@@ -1492,9 +1454,7 @@
         </p:spPr>
         <p:txBody>
           <a:bodyPr/>
-          <a:lstStyle>
-            <a:extLst/>
-          </a:lstStyle>
+          <a:lstStyle/>
           <a:p>
             <a:r>
               <a:rPr kumimoji="0" lang="zh-TW" altLang="en-US" smtClean="0"/>
@@ -1665,14 +1625,12 @@
         <p:spPr/>
         <p:txBody>
           <a:bodyPr/>
-          <a:lstStyle>
-            <a:extLst/>
-          </a:lstStyle>
+          <a:lstStyle/>
           <a:p>
             <a:fld id="{5BBEAD13-0566-4C6C-97E7-55F17F24B09F}" type="datetimeFigureOut">
               <a:rPr lang="zh-TW" altLang="en-US" smtClean="0"/>
               <a:pPr/>
-              <a:t>2020/7/2</a:t>
+              <a:t>2020/7/3</a:t>
             </a:fld>
             <a:endParaRPr lang="zh-TW" altLang="en-US"/>
           </a:p>
@@ -1691,9 +1649,7 @@
         <p:spPr/>
         <p:txBody>
           <a:bodyPr/>
-          <a:lstStyle>
-            <a:extLst/>
-          </a:lstStyle>
+          <a:lstStyle/>
           <a:p>
             <a:endParaRPr lang="zh-TW" altLang="en-US"/>
           </a:p>
@@ -1712,9 +1668,7 @@
         <p:spPr/>
         <p:txBody>
           <a:bodyPr/>
-          <a:lstStyle>
-            <a:extLst/>
-          </a:lstStyle>
+          <a:lstStyle/>
           <a:p>
             <a:fld id="{73DA0BB7-265A-403C-9275-D587AB510EDC}" type="slidenum">
               <a:rPr lang="zh-TW" altLang="en-US" smtClean="0"/>
@@ -2156,14 +2110,12 @@
         <p:spPr/>
         <p:txBody>
           <a:bodyPr/>
-          <a:lstStyle>
-            <a:extLst/>
-          </a:lstStyle>
+          <a:lstStyle/>
           <a:p>
             <a:fld id="{5BBEAD13-0566-4C6C-97E7-55F17F24B09F}" type="datetimeFigureOut">
               <a:rPr lang="zh-TW" altLang="en-US" smtClean="0"/>
               <a:pPr/>
-              <a:t>2020/7/2</a:t>
+              <a:t>2020/7/3</a:t>
             </a:fld>
             <a:endParaRPr lang="zh-TW" altLang="en-US"/>
           </a:p>
@@ -2182,9 +2134,7 @@
         <p:spPr/>
         <p:txBody>
           <a:bodyPr/>
-          <a:lstStyle>
-            <a:extLst/>
-          </a:lstStyle>
+          <a:lstStyle/>
           <a:p>
             <a:endParaRPr lang="zh-TW" altLang="en-US"/>
           </a:p>
@@ -2203,9 +2153,7 @@
         <p:spPr/>
         <p:txBody>
           <a:bodyPr/>
-          <a:lstStyle>
-            <a:extLst/>
-          </a:lstStyle>
+          <a:lstStyle/>
           <a:p>
             <a:fld id="{73DA0BB7-265A-403C-9275-D587AB510EDC}" type="slidenum">
               <a:rPr lang="zh-TW" altLang="en-US" smtClean="0"/>
@@ -2259,9 +2207,7 @@
         </p:spPr>
         <p:txBody>
           <a:bodyPr anchor="ctr"/>
-          <a:lstStyle>
-            <a:extLst/>
-          </a:lstStyle>
+          <a:lstStyle/>
           <a:p>
             <a:r>
               <a:rPr kumimoji="0" lang="zh-TW" altLang="en-US" smtClean="0"/>
@@ -2284,14 +2230,12 @@
         <p:spPr/>
         <p:txBody>
           <a:bodyPr/>
-          <a:lstStyle>
-            <a:extLst/>
-          </a:lstStyle>
+          <a:lstStyle/>
           <a:p>
             <a:fld id="{5BBEAD13-0566-4C6C-97E7-55F17F24B09F}" type="datetimeFigureOut">
               <a:rPr lang="zh-TW" altLang="en-US" smtClean="0"/>
               <a:pPr/>
-              <a:t>2020/7/2</a:t>
+              <a:t>2020/7/3</a:t>
             </a:fld>
             <a:endParaRPr lang="zh-TW" altLang="en-US"/>
           </a:p>
@@ -2310,9 +2254,7 @@
         <p:spPr/>
         <p:txBody>
           <a:bodyPr/>
-          <a:lstStyle>
-            <a:extLst/>
-          </a:lstStyle>
+          <a:lstStyle/>
           <a:p>
             <a:endParaRPr lang="zh-TW" altLang="en-US"/>
           </a:p>
@@ -2331,9 +2273,7 @@
         <p:spPr/>
         <p:txBody>
           <a:bodyPr/>
-          <a:lstStyle>
-            <a:extLst/>
-          </a:lstStyle>
+          <a:lstStyle/>
           <a:p>
             <a:fld id="{73DA0BB7-265A-403C-9275-D587AB510EDC}" type="slidenum">
               <a:rPr lang="zh-TW" altLang="en-US" smtClean="0"/>
@@ -2408,9 +2348,7 @@
         </p:style>
         <p:txBody>
           <a:bodyPr anchor="ctr"/>
-          <a:lstStyle>
-            <a:extLst/>
-          </a:lstStyle>
+          <a:lstStyle/>
           <a:p>
             <a:pPr algn="ctr" eaLnBrk="1" latinLnBrk="0" hangingPunct="1"/>
             <a:endParaRPr kumimoji="0" lang="en-US"/>
@@ -2430,14 +2368,12 @@
         <p:spPr/>
         <p:txBody>
           <a:bodyPr/>
-          <a:lstStyle>
-            <a:extLst/>
-          </a:lstStyle>
+          <a:lstStyle/>
           <a:p>
             <a:fld id="{5BBEAD13-0566-4C6C-97E7-55F17F24B09F}" type="datetimeFigureOut">
               <a:rPr lang="zh-TW" altLang="en-US" smtClean="0"/>
               <a:pPr/>
-              <a:t>2020/7/2</a:t>
+              <a:t>2020/7/3</a:t>
             </a:fld>
             <a:endParaRPr lang="zh-TW" altLang="en-US"/>
           </a:p>
@@ -2456,9 +2392,7 @@
         <p:spPr/>
         <p:txBody>
           <a:bodyPr/>
-          <a:lstStyle>
-            <a:extLst/>
-          </a:lstStyle>
+          <a:lstStyle/>
           <a:p>
             <a:endParaRPr lang="zh-TW" altLang="en-US"/>
           </a:p>
@@ -2477,9 +2411,7 @@
         <p:spPr/>
         <p:txBody>
           <a:bodyPr/>
-          <a:lstStyle>
-            <a:extLst/>
-          </a:lstStyle>
+          <a:lstStyle/>
           <a:p>
             <a:fld id="{73DA0BB7-265A-403C-9275-D587AB510EDC}" type="slidenum">
               <a:rPr lang="zh-TW" altLang="en-US" smtClean="0"/>
@@ -2537,9 +2469,7 @@
         </p:style>
         <p:txBody>
           <a:bodyPr anchor="ctr"/>
-          <a:lstStyle>
-            <a:extLst/>
-          </a:lstStyle>
+          <a:lstStyle/>
           <a:p>
             <a:pPr algn="ctr" eaLnBrk="1" latinLnBrk="0" hangingPunct="1"/>
             <a:endParaRPr kumimoji="0" lang="en-US"/>
@@ -2754,14 +2684,12 @@
         <p:spPr/>
         <p:txBody>
           <a:bodyPr/>
-          <a:lstStyle>
-            <a:extLst/>
-          </a:lstStyle>
+          <a:lstStyle/>
           <a:p>
             <a:fld id="{5BBEAD13-0566-4C6C-97E7-55F17F24B09F}" type="datetimeFigureOut">
               <a:rPr lang="zh-TW" altLang="en-US" smtClean="0"/>
               <a:pPr/>
-              <a:t>2020/7/2</a:t>
+              <a:t>2020/7/3</a:t>
             </a:fld>
             <a:endParaRPr lang="zh-TW" altLang="en-US"/>
           </a:p>
@@ -2780,9 +2708,7 @@
         <p:spPr/>
         <p:txBody>
           <a:bodyPr/>
-          <a:lstStyle>
-            <a:extLst/>
-          </a:lstStyle>
+          <a:lstStyle/>
           <a:p>
             <a:endParaRPr lang="zh-TW" altLang="en-US"/>
           </a:p>
@@ -2801,9 +2727,7 @@
         <p:spPr/>
         <p:txBody>
           <a:bodyPr/>
-          <a:lstStyle>
-            <a:extLst/>
-          </a:lstStyle>
+          <a:lstStyle/>
           <a:p>
             <a:fld id="{73DA0BB7-265A-403C-9275-D587AB510EDC}" type="slidenum">
               <a:rPr lang="zh-TW" altLang="en-US" smtClean="0"/>
@@ -2890,14 +2814,12 @@
         <p:spPr/>
         <p:txBody>
           <a:bodyPr/>
-          <a:lstStyle>
-            <a:extLst/>
-          </a:lstStyle>
+          <a:lstStyle/>
           <a:p>
             <a:fld id="{5BBEAD13-0566-4C6C-97E7-55F17F24B09F}" type="datetimeFigureOut">
               <a:rPr lang="zh-TW" altLang="en-US" smtClean="0"/>
               <a:pPr/>
-              <a:t>2020/7/2</a:t>
+              <a:t>2020/7/3</a:t>
             </a:fld>
             <a:endParaRPr lang="zh-TW" altLang="en-US"/>
           </a:p>
@@ -2916,9 +2838,7 @@
         <p:spPr/>
         <p:txBody>
           <a:bodyPr/>
-          <a:lstStyle>
-            <a:extLst/>
-          </a:lstStyle>
+          <a:lstStyle/>
           <a:p>
             <a:endParaRPr lang="zh-TW" altLang="en-US"/>
           </a:p>
@@ -2937,9 +2857,7 @@
         <p:spPr/>
         <p:txBody>
           <a:bodyPr/>
-          <a:lstStyle>
-            <a:extLst/>
-          </a:lstStyle>
+          <a:lstStyle/>
           <a:p>
             <a:fld id="{73DA0BB7-265A-403C-9275-D587AB510EDC}" type="slidenum">
               <a:rPr lang="zh-TW" altLang="en-US" smtClean="0"/>
@@ -2997,9 +2915,7 @@
           <a:bodyPr lIns="91440" tIns="274320" rtlCol="0" anchor="t">
             <a:normAutofit/>
           </a:bodyPr>
-          <a:lstStyle>
-            <a:extLst/>
-          </a:lstStyle>
+          <a:lstStyle/>
           <a:p>
             <a:pPr marL="0" indent="-283464" algn="l" rtl="0" eaLnBrk="1" latinLnBrk="0" hangingPunct="1">
               <a:lnSpc>
@@ -3127,9 +3043,7 @@
         </p:style>
         <p:txBody>
           <a:bodyPr anchor="ctr"/>
-          <a:lstStyle>
-            <a:extLst/>
-          </a:lstStyle>
+          <a:lstStyle/>
           <a:p>
             <a:pPr algn="ctr" eaLnBrk="1" latinLnBrk="0" hangingPunct="1"/>
             <a:endParaRPr kumimoji="0" lang="en-US"/>
@@ -3187,9 +3101,7 @@
         </p:style>
         <p:txBody>
           <a:bodyPr anchor="ctr"/>
-          <a:lstStyle>
-            <a:extLst/>
-          </a:lstStyle>
+          <a:lstStyle/>
           <a:p>
             <a:pPr algn="ctr" eaLnBrk="1" latinLnBrk="0" hangingPunct="1"/>
             <a:endParaRPr kumimoji="0" lang="en-US" dirty="0"/>
@@ -3334,9 +3246,7 @@
         </p:style>
         <p:txBody>
           <a:bodyPr anchor="ctr"/>
-          <a:lstStyle>
-            <a:extLst/>
-          </a:lstStyle>
+          <a:lstStyle/>
           <a:p>
             <a:pPr algn="ctr" eaLnBrk="1" latinLnBrk="0" hangingPunct="1"/>
             <a:endParaRPr kumimoji="0" lang="en-US"/>
@@ -3394,9 +3304,7 @@
         </p:style>
         <p:txBody>
           <a:bodyPr anchor="ctr"/>
-          <a:lstStyle>
-            <a:extLst/>
-          </a:lstStyle>
+          <a:lstStyle/>
           <a:p>
             <a:pPr algn="ctr" eaLnBrk="1" latinLnBrk="0" hangingPunct="1"/>
             <a:endParaRPr kumimoji="0" lang="en-US"/>
@@ -3486,9 +3394,7 @@
         </p:style>
         <p:txBody>
           <a:bodyPr anchor="ctr"/>
-          <a:lstStyle>
-            <a:extLst/>
-          </a:lstStyle>
+          <a:lstStyle/>
           <a:p>
             <a:pPr algn="ctr" eaLnBrk="1" latinLnBrk="0" hangingPunct="1"/>
             <a:endParaRPr kumimoji="0" lang="en-US"/>
@@ -3534,9 +3440,7 @@
         </p:style>
         <p:txBody>
           <a:bodyPr anchor="ctr"/>
-          <a:lstStyle>
-            <a:extLst/>
-          </a:lstStyle>
+          <a:lstStyle/>
           <a:p>
             <a:pPr algn="ctr" eaLnBrk="1" latinLnBrk="0" hangingPunct="1"/>
             <a:endParaRPr kumimoji="0" lang="en-US"/>
@@ -3566,9 +3470,7 @@
           <a:bodyPr anchor="ctr">
             <a:normAutofit/>
           </a:bodyPr>
-          <a:lstStyle>
-            <a:extLst/>
-          </a:lstStyle>
+          <a:lstStyle/>
           <a:p>
             <a:r>
               <a:rPr kumimoji="0" lang="zh-TW" altLang="en-US" smtClean="0"/>
@@ -3601,9 +3503,7 @@
           <a:bodyPr>
             <a:normAutofit/>
           </a:bodyPr>
-          <a:lstStyle>
-            <a:extLst/>
-          </a:lstStyle>
+          <a:lstStyle/>
           <a:p>
             <a:pPr lvl="0" eaLnBrk="1" latinLnBrk="0" hangingPunct="1"/>
             <a:r>
@@ -3680,7 +3580,7 @@
             <a:fld id="{5BBEAD13-0566-4C6C-97E7-55F17F24B09F}" type="datetimeFigureOut">
               <a:rPr lang="zh-TW" altLang="en-US" smtClean="0"/>
               <a:pPr/>
-              <a:t>2020/7/2</a:t>
+              <a:t>2020/7/3</a:t>
             </a:fld>
             <a:endParaRPr lang="zh-TW" altLang="en-US"/>
           </a:p>
@@ -3818,9 +3718,7 @@
         </p:style>
         <p:txBody>
           <a:bodyPr anchor="ctr"/>
-          <a:lstStyle>
-            <a:extLst/>
-          </a:lstStyle>
+          <a:lstStyle/>
           <a:p>
             <a:pPr algn="ctr" eaLnBrk="1" latinLnBrk="0" hangingPunct="1"/>
             <a:endParaRPr kumimoji="0" lang="en-US"/>
@@ -4445,11 +4343,7 @@
           <a:p>
             <a:r>
               <a:rPr lang="zh-TW" altLang="en-US" dirty="0" smtClean="0"/>
-              <a:t>故事本體</a:t>
-            </a:r>
-            <a:r>
-              <a:rPr lang="zh-TW" altLang="en-US" dirty="0" smtClean="0"/>
-              <a:t>展示</a:t>
+              <a:t>故事本體展示</a:t>
             </a:r>
             <a:endParaRPr lang="zh-TW" altLang="en-US" dirty="0"/>
           </a:p>
@@ -4709,11 +4603,7 @@
           <a:p>
             <a:r>
               <a:rPr lang="zh-TW" altLang="en-US" dirty="0" smtClean="0"/>
-              <a:t>故事本體</a:t>
-            </a:r>
-            <a:r>
-              <a:rPr lang="zh-TW" altLang="en-US" dirty="0" smtClean="0"/>
-              <a:t>展示</a:t>
+              <a:t>故事本體展示</a:t>
             </a:r>
             <a:endParaRPr lang="en-US" altLang="zh-TW" dirty="0" smtClean="0"/>
           </a:p>
@@ -4825,37 +4715,17 @@
             </a:r>
             <a:r>
               <a:rPr lang="zh-TW" altLang="en-US" dirty="0" smtClean="0"/>
-              <a:t>的命令，踏上了尋找傳說神器的</a:t>
-            </a:r>
+              <a:t>的命令，踏上了尋找傳說神器的旅途。</a:t>
+            </a:r>
+            <a:endParaRPr lang="en-US" altLang="zh-TW" dirty="0" smtClean="0"/>
+          </a:p>
+          <a:p>
+            <a:endParaRPr lang="en-US" altLang="zh-TW" dirty="0" smtClean="0"/>
+          </a:p>
+          <a:p>
             <a:r>
               <a:rPr lang="zh-TW" altLang="en-US" dirty="0" smtClean="0"/>
-              <a:t>旅途。</a:t>
-            </a:r>
-            <a:endParaRPr lang="en-US" altLang="zh-TW" dirty="0" smtClean="0"/>
-          </a:p>
-          <a:p>
-            <a:endParaRPr lang="en-US" altLang="zh-TW" dirty="0" smtClean="0"/>
-          </a:p>
-          <a:p>
-            <a:r>
-              <a:rPr lang="zh-TW" altLang="en-US" dirty="0" smtClean="0"/>
-              <a:t>簡</a:t>
-            </a:r>
-            <a:r>
-              <a:rPr lang="zh-TW" altLang="en-US" dirty="0" smtClean="0"/>
-              <a:t>言</a:t>
-            </a:r>
-            <a:r>
-              <a:rPr lang="zh-TW" altLang="en-US" dirty="0" smtClean="0"/>
-              <a:t>之就是主角齊格與弗里德兩人尋找</a:t>
-            </a:r>
-            <a:r>
-              <a:rPr lang="zh-TW" altLang="en-US" dirty="0" smtClean="0"/>
-              <a:t>神</a:t>
-            </a:r>
-            <a:r>
-              <a:rPr lang="zh-TW" altLang="en-US" dirty="0" smtClean="0"/>
-              <a:t>器一同踏上屠龍之旅的物語。</a:t>
+              <a:t>簡言之就是主角齊格與弗里德兩人尋找神器一同踏上屠龍之旅的物語。</a:t>
             </a:r>
             <a:endParaRPr lang="zh-TW" altLang="en-US" dirty="0"/>
           </a:p>
@@ -5114,7 +4984,11 @@
           <a:p>
             <a:r>
               <a:rPr lang="zh-TW" altLang="en-US" dirty="0" smtClean="0"/>
-              <a:t>故事流程圖</a:t>
+              <a:t>故事</a:t>
+            </a:r>
+            <a:r>
+              <a:rPr lang="zh-TW" altLang="en-US" dirty="0" smtClean="0"/>
+              <a:t>流程圖</a:t>
             </a:r>
             <a:endParaRPr lang="zh-TW" altLang="en-US" dirty="0"/>
           </a:p>
@@ -5137,16 +5011,36 @@
           <a:p>
             <a:r>
               <a:rPr lang="zh-TW" altLang="en-US" dirty="0" smtClean="0"/>
-              <a:t>總共可以分成三個部分</a:t>
-            </a:r>
-            <a:r>
-              <a:rPr lang="zh-TW" altLang="en-US" dirty="0" smtClean="0"/>
-              <a:t>、四條故事線</a:t>
+              <a:t>總共可以分成三個部分、四條故事線</a:t>
             </a:r>
             <a:endParaRPr lang="zh-TW" altLang="en-US" dirty="0"/>
           </a:p>
         </p:txBody>
       </p:sp>
+      <p:pic>
+        <p:nvPicPr>
+          <p:cNvPr id="4" name="圖片 3"/>
+          <p:cNvPicPr>
+            <a:picLocks noChangeAspect="1"/>
+          </p:cNvPicPr>
+          <p:nvPr/>
+        </p:nvPicPr>
+        <p:blipFill>
+          <a:blip r:embed="rId2"/>
+          <a:stretch>
+            <a:fillRect/>
+          </a:stretch>
+        </p:blipFill>
+        <p:spPr>
+          <a:xfrm>
+            <a:off x="12034" y="2708920"/>
+            <a:ext cx="9167486" cy="1430285"/>
+          </a:xfrm>
+          <a:prstGeom prst="rect">
+            <a:avLst/>
+          </a:prstGeom>
+        </p:spPr>
+      </p:pic>
     </p:spTree>
   </p:cSld>
   <p:clrMapOvr>
@@ -5278,6 +5172,30 @@
           </a:p>
         </p:txBody>
       </p:sp>
+      <p:pic>
+        <p:nvPicPr>
+          <p:cNvPr id="3" name="圖片 2"/>
+          <p:cNvPicPr>
+            <a:picLocks noChangeAspect="1"/>
+          </p:cNvPicPr>
+          <p:nvPr/>
+        </p:nvPicPr>
+        <p:blipFill>
+          <a:blip r:embed="rId3"/>
+          <a:stretch>
+            <a:fillRect/>
+          </a:stretch>
+        </p:blipFill>
+        <p:spPr>
+          <a:xfrm>
+            <a:off x="1389289" y="5373216"/>
+            <a:ext cx="4104456" cy="1380522"/>
+          </a:xfrm>
+          <a:prstGeom prst="rect">
+            <a:avLst/>
+          </a:prstGeom>
+        </p:spPr>
+      </p:pic>
     </p:spTree>
   </p:cSld>
   <p:clrMapOvr>
@@ -5401,6 +5319,30 @@
           </a:p>
         </p:txBody>
       </p:sp>
+      <p:pic>
+        <p:nvPicPr>
+          <p:cNvPr id="6" name="圖片 5"/>
+          <p:cNvPicPr>
+            <a:picLocks noChangeAspect="1"/>
+          </p:cNvPicPr>
+          <p:nvPr/>
+        </p:nvPicPr>
+        <p:blipFill>
+          <a:blip r:embed="rId3"/>
+          <a:stretch>
+            <a:fillRect/>
+          </a:stretch>
+        </p:blipFill>
+        <p:spPr>
+          <a:xfrm>
+            <a:off x="-25113" y="5013176"/>
+            <a:ext cx="5004047" cy="1567669"/>
+          </a:xfrm>
+          <a:prstGeom prst="rect">
+            <a:avLst/>
+          </a:prstGeom>
+        </p:spPr>
+      </p:pic>
     </p:spTree>
   </p:cSld>
   <p:clrMapOvr>
@@ -5409,7 +5351,83 @@
   <p:timing>
     <p:tnLst>
       <p:par>
-        <p:cTn id="1" dur="indefinite" restart="never" nodeType="tmRoot"/>
+        <p:cTn id="1" dur="indefinite" restart="never" nodeType="tmRoot">
+          <p:childTnLst>
+            <p:seq concurrent="1" nextAc="seek">
+              <p:cTn id="2" dur="indefinite" nodeType="mainSeq">
+                <p:childTnLst>
+                  <p:par>
+                    <p:cTn id="3" fill="hold">
+                      <p:stCondLst>
+                        <p:cond delay="indefinite"/>
+                      </p:stCondLst>
+                      <p:childTnLst>
+                        <p:par>
+                          <p:cTn id="4" fill="hold">
+                            <p:stCondLst>
+                              <p:cond delay="0"/>
+                            </p:stCondLst>
+                            <p:childTnLst>
+                              <p:par>
+                                <p:cTn id="5" presetID="10" presetClass="entr" presetSubtype="0" fill="hold" nodeType="clickEffect">
+                                  <p:stCondLst>
+                                    <p:cond delay="0"/>
+                                  </p:stCondLst>
+                                  <p:childTnLst>
+                                    <p:set>
+                                      <p:cBhvr>
+                                        <p:cTn id="6" dur="1" fill="hold">
+                                          <p:stCondLst>
+                                            <p:cond delay="0"/>
+                                          </p:stCondLst>
+                                        </p:cTn>
+                                        <p:tgtEl>
+                                          <p:spTgt spid="6"/>
+                                        </p:tgtEl>
+                                        <p:attrNameLst>
+                                          <p:attrName>style.visibility</p:attrName>
+                                        </p:attrNameLst>
+                                      </p:cBhvr>
+                                      <p:to>
+                                        <p:strVal val="visible"/>
+                                      </p:to>
+                                    </p:set>
+                                    <p:animEffect transition="in" filter="fade">
+                                      <p:cBhvr>
+                                        <p:cTn id="7" dur="500"/>
+                                        <p:tgtEl>
+                                          <p:spTgt spid="6"/>
+                                        </p:tgtEl>
+                                      </p:cBhvr>
+                                    </p:animEffect>
+                                  </p:childTnLst>
+                                </p:cTn>
+                              </p:par>
+                            </p:childTnLst>
+                          </p:cTn>
+                        </p:par>
+                      </p:childTnLst>
+                    </p:cTn>
+                  </p:par>
+                </p:childTnLst>
+              </p:cTn>
+              <p:prevCondLst>
+                <p:cond evt="onPrev" delay="0">
+                  <p:tgtEl>
+                    <p:sldTgt/>
+                  </p:tgtEl>
+                </p:cond>
+              </p:prevCondLst>
+              <p:nextCondLst>
+                <p:cond evt="onNext" delay="0">
+                  <p:tgtEl>
+                    <p:sldTgt/>
+                  </p:tgtEl>
+                </p:cond>
+              </p:nextCondLst>
+            </p:seq>
+          </p:childTnLst>
+        </p:cTn>
       </p:par>
     </p:tnLst>
   </p:timing>
@@ -5518,15 +5536,7 @@
           <a:p>
             <a:r>
               <a:rPr lang="zh-TW" altLang="en-US" dirty="0" smtClean="0"/>
-              <a:t>各條線會</a:t>
-            </a:r>
-            <a:r>
-              <a:rPr lang="zh-TW" altLang="en-US" dirty="0" smtClean="0"/>
-              <a:t>迎</a:t>
-            </a:r>
-            <a:r>
-              <a:rPr lang="zh-TW" altLang="en-US" dirty="0" smtClean="0"/>
-              <a:t>來各自的</a:t>
+              <a:t>各條線會迎來各自的</a:t>
             </a:r>
             <a:endParaRPr lang="en-US" altLang="zh-TW" dirty="0" smtClean="0"/>
           </a:p>
@@ -5547,6 +5557,30 @@
           </a:p>
         </p:txBody>
       </p:sp>
+      <p:pic>
+        <p:nvPicPr>
+          <p:cNvPr id="3" name="圖片 2"/>
+          <p:cNvPicPr>
+            <a:picLocks noChangeAspect="1"/>
+          </p:cNvPicPr>
+          <p:nvPr/>
+        </p:nvPicPr>
+        <p:blipFill>
+          <a:blip r:embed="rId3"/>
+          <a:stretch>
+            <a:fillRect/>
+          </a:stretch>
+        </p:blipFill>
+        <p:spPr>
+          <a:xfrm>
+            <a:off x="-32027" y="4371975"/>
+            <a:ext cx="3781425" cy="2486025"/>
+          </a:xfrm>
+          <a:prstGeom prst="rect">
+            <a:avLst/>
+          </a:prstGeom>
+        </p:spPr>
+      </p:pic>
     </p:spTree>
   </p:cSld>
   <p:clrMapOvr>
@@ -5555,7 +5589,83 @@
   <p:timing>
     <p:tnLst>
       <p:par>
-        <p:cTn id="1" dur="indefinite" restart="never" nodeType="tmRoot"/>
+        <p:cTn id="1" dur="indefinite" restart="never" nodeType="tmRoot">
+          <p:childTnLst>
+            <p:seq concurrent="1" nextAc="seek">
+              <p:cTn id="2" dur="indefinite" nodeType="mainSeq">
+                <p:childTnLst>
+                  <p:par>
+                    <p:cTn id="3" fill="hold">
+                      <p:stCondLst>
+                        <p:cond delay="indefinite"/>
+                      </p:stCondLst>
+                      <p:childTnLst>
+                        <p:par>
+                          <p:cTn id="4" fill="hold">
+                            <p:stCondLst>
+                              <p:cond delay="0"/>
+                            </p:stCondLst>
+                            <p:childTnLst>
+                              <p:par>
+                                <p:cTn id="5" presetID="10" presetClass="entr" presetSubtype="0" fill="hold" nodeType="clickEffect">
+                                  <p:stCondLst>
+                                    <p:cond delay="0"/>
+                                  </p:stCondLst>
+                                  <p:childTnLst>
+                                    <p:set>
+                                      <p:cBhvr>
+                                        <p:cTn id="6" dur="1" fill="hold">
+                                          <p:stCondLst>
+                                            <p:cond delay="0"/>
+                                          </p:stCondLst>
+                                        </p:cTn>
+                                        <p:tgtEl>
+                                          <p:spTgt spid="3"/>
+                                        </p:tgtEl>
+                                        <p:attrNameLst>
+                                          <p:attrName>style.visibility</p:attrName>
+                                        </p:attrNameLst>
+                                      </p:cBhvr>
+                                      <p:to>
+                                        <p:strVal val="visible"/>
+                                      </p:to>
+                                    </p:set>
+                                    <p:animEffect transition="in" filter="fade">
+                                      <p:cBhvr>
+                                        <p:cTn id="7" dur="500"/>
+                                        <p:tgtEl>
+                                          <p:spTgt spid="3"/>
+                                        </p:tgtEl>
+                                      </p:cBhvr>
+                                    </p:animEffect>
+                                  </p:childTnLst>
+                                </p:cTn>
+                              </p:par>
+                            </p:childTnLst>
+                          </p:cTn>
+                        </p:par>
+                      </p:childTnLst>
+                    </p:cTn>
+                  </p:par>
+                </p:childTnLst>
+              </p:cTn>
+              <p:prevCondLst>
+                <p:cond evt="onPrev" delay="0">
+                  <p:tgtEl>
+                    <p:sldTgt/>
+                  </p:tgtEl>
+                </p:cond>
+              </p:prevCondLst>
+              <p:nextCondLst>
+                <p:cond evt="onNext" delay="0">
+                  <p:tgtEl>
+                    <p:sldTgt/>
+                  </p:tgtEl>
+                </p:cond>
+              </p:nextCondLst>
+            </p:seq>
+          </p:childTnLst>
+        </p:cTn>
       </p:par>
     </p:tnLst>
   </p:timing>
